--- a/Deploying Windows 10 With MDT - Intro Slides.pptx
+++ b/Deploying Windows 10 With MDT - Intro Slides.pptx
@@ -8,6 +8,7 @@
     <p:sldId id="256" r:id="rId2"/>
     <p:sldId id="257" r:id="rId3"/>
     <p:sldId id="258" r:id="rId4"/>
+    <p:sldId id="259" r:id="rId5"/>
   </p:sldIdLst>
   <p:sldSz cx="12192000" cy="6858000"/>
   <p:notesSz cx="6858000" cy="9144000"/>
@@ -106,6 +107,11 @@
       </a:defRPr>
     </a:lvl9pPr>
   </p:defaultTextStyle>
+  <p:extLst>
+    <p:ext uri="{EFAFB233-063F-42B5-8137-9DF3F51BA10A}">
+      <p15:sldGuideLst xmlns:p15="http://schemas.microsoft.com/office/powerpoint/2012/main"/>
+    </p:ext>
+  </p:extLst>
 </p:presentation>
 </file>
 
@@ -3083,7 +3089,7 @@
         </p:spPr>
         <p:txBody>
           <a:bodyPr>
-            <a:normAutofit lnSpcReduction="10000"/>
+            <a:normAutofit fontScale="92500" lnSpcReduction="10000"/>
           </a:bodyPr>
           <a:lstStyle/>
           <a:p>
@@ -3109,10 +3115,32 @@
             </a:r>
             <a:r>
               <a:rPr lang="en-US" dirty="0" smtClean="0"/>
-              <a:t> HECC</a:t>
-            </a:r>
-          </a:p>
-          <a:p>
+              <a:t> </a:t>
+            </a:r>
+            <a:r>
+              <a:rPr lang="en-US" dirty="0" smtClean="0"/>
+              <a:t>HECC</a:t>
+            </a:r>
+          </a:p>
+          <a:p>
+            <a:r>
+              <a:rPr lang="en-US" dirty="0" smtClean="0"/>
+              <a:t>2018 </a:t>
+            </a:r>
+            <a:r>
+              <a:rPr lang="en-US" dirty="0" err="1" smtClean="0"/>
+              <a:t>VExpert</a:t>
+            </a:r>
+            <a:r>
+              <a:rPr lang="en-US" dirty="0" smtClean="0"/>
+              <a:t> with</a:t>
+            </a:r>
+            <a:endParaRPr lang="en-US" dirty="0" smtClean="0"/>
+          </a:p>
+          <a:p>
+            <a:pPr marL="0" indent="0">
+              <a:buNone/>
+            </a:pPr>
             <a:endParaRPr lang="en-US" dirty="0"/>
           </a:p>
           <a:p>
@@ -3791,6 +3819,363 @@
     <p:extLst>
       <p:ext uri="{BB962C8B-B14F-4D97-AF65-F5344CB8AC3E}">
         <p14:creationId xmlns:p14="http://schemas.microsoft.com/office/powerpoint/2010/main" val="2689055566"/>
+      </p:ext>
+    </p:extLst>
+  </p:cSld>
+  <p:clrMapOvr>
+    <a:masterClrMapping/>
+  </p:clrMapOvr>
+</p:sld>
+</file>
+
+<file path=ppt/slides/slide4.xml><?xml version="1.0" encoding="utf-8"?>
+<p:sld xmlns:a="http://schemas.openxmlformats.org/drawingml/2006/main" xmlns:r="http://schemas.openxmlformats.org/officeDocument/2006/relationships" xmlns:p="http://schemas.openxmlformats.org/presentationml/2006/main">
+  <p:cSld>
+    <p:spTree>
+      <p:nvGrpSpPr>
+        <p:cNvPr id="1" name=""/>
+        <p:cNvGrpSpPr/>
+        <p:nvPr/>
+      </p:nvGrpSpPr>
+      <p:grpSpPr>
+        <a:xfrm>
+          <a:off x="0" y="0"/>
+          <a:ext cx="0" cy="0"/>
+          <a:chOff x="0" y="0"/>
+          <a:chExt cx="0" cy="0"/>
+        </a:xfrm>
+      </p:grpSpPr>
+      <p:sp>
+        <p:nvSpPr>
+          <p:cNvPr id="2" name="Title 1"/>
+          <p:cNvSpPr>
+            <a:spLocks noGrp="1"/>
+          </p:cNvSpPr>
+          <p:nvPr>
+            <p:ph type="title"/>
+          </p:nvPr>
+        </p:nvSpPr>
+        <p:spPr>
+          <a:xfrm>
+            <a:off x="533400" y="212725"/>
+            <a:ext cx="10515600" cy="1325563"/>
+          </a:xfrm>
+        </p:spPr>
+        <p:txBody>
+          <a:bodyPr/>
+          <a:lstStyle/>
+          <a:p>
+            <a:r>
+              <a:rPr lang="en-US" dirty="0" smtClean="0"/>
+              <a:t>My Build Lab</a:t>
+            </a:r>
+            <a:endParaRPr lang="en-US" dirty="0"/>
+          </a:p>
+        </p:txBody>
+      </p:sp>
+      <p:sp>
+        <p:nvSpPr>
+          <p:cNvPr id="3" name="Content Placeholder 2"/>
+          <p:cNvSpPr>
+            <a:spLocks noGrp="1"/>
+          </p:cNvSpPr>
+          <p:nvPr>
+            <p:ph idx="1"/>
+          </p:nvPr>
+        </p:nvSpPr>
+        <p:spPr>
+          <a:xfrm>
+            <a:off x="603740" y="2638426"/>
+            <a:ext cx="4597400" cy="3002720"/>
+          </a:xfrm>
+        </p:spPr>
+        <p:txBody>
+          <a:bodyPr>
+            <a:normAutofit/>
+          </a:bodyPr>
+          <a:lstStyle/>
+          <a:p>
+            <a:pPr lvl="1"/>
+            <a:r>
+              <a:rPr lang="en-US" dirty="0" smtClean="0"/>
+              <a:t>DC01</a:t>
+            </a:r>
+          </a:p>
+          <a:p>
+            <a:pPr lvl="2"/>
+            <a:r>
+              <a:rPr lang="en-US" dirty="0" smtClean="0"/>
+              <a:t>2 Virtual Processors</a:t>
+            </a:r>
+          </a:p>
+          <a:p>
+            <a:pPr lvl="2"/>
+            <a:r>
+              <a:rPr lang="en-US" dirty="0" smtClean="0"/>
+              <a:t>2 GB Ram</a:t>
+            </a:r>
+          </a:p>
+          <a:p>
+            <a:pPr lvl="2"/>
+            <a:r>
+              <a:rPr lang="en-US" dirty="0" smtClean="0"/>
+              <a:t>60 GB Hard Drive</a:t>
+            </a:r>
+          </a:p>
+          <a:p>
+            <a:pPr lvl="1"/>
+            <a:r>
+              <a:rPr lang="en-US" dirty="0" smtClean="0"/>
+              <a:t>MDT01</a:t>
+            </a:r>
+          </a:p>
+          <a:p>
+            <a:pPr lvl="2"/>
+            <a:r>
+              <a:rPr lang="en-US" dirty="0"/>
+              <a:t>2 Virtual Processors</a:t>
+            </a:r>
+          </a:p>
+          <a:p>
+            <a:pPr lvl="2"/>
+            <a:r>
+              <a:rPr lang="en-US" dirty="0" smtClean="0"/>
+              <a:t>8 </a:t>
+            </a:r>
+            <a:r>
+              <a:rPr lang="en-US" dirty="0"/>
+              <a:t>GB Ram</a:t>
+            </a:r>
+          </a:p>
+          <a:p>
+            <a:pPr lvl="2"/>
+            <a:r>
+              <a:rPr lang="en-US" dirty="0" smtClean="0"/>
+              <a:t>300 </a:t>
+            </a:r>
+            <a:r>
+              <a:rPr lang="en-US" dirty="0"/>
+              <a:t>GB Hard </a:t>
+            </a:r>
+            <a:r>
+              <a:rPr lang="en-US" dirty="0" smtClean="0"/>
+              <a:t>Drive</a:t>
+            </a:r>
+            <a:endParaRPr lang="en-US" dirty="0"/>
+          </a:p>
+        </p:txBody>
+      </p:sp>
+      <p:sp>
+        <p:nvSpPr>
+          <p:cNvPr id="5" name="TextBox 4"/>
+          <p:cNvSpPr txBox="1"/>
+          <p:nvPr/>
+        </p:nvSpPr>
+        <p:spPr>
+          <a:xfrm>
+            <a:off x="6377544" y="2638425"/>
+            <a:ext cx="4622800" cy="2867965"/>
+          </a:xfrm>
+          <a:prstGeom prst="rect">
+            <a:avLst/>
+          </a:prstGeom>
+        </p:spPr>
+        <p:txBody>
+          <a:bodyPr vert="horz" lIns="91440" tIns="45720" rIns="91440" bIns="45720" rtlCol="0">
+            <a:normAutofit/>
+          </a:bodyPr>
+          <a:lstStyle>
+            <a:lvl1pPr marL="228600" indent="-228600">
+              <a:lnSpc>
+                <a:spcPct val="90000"/>
+              </a:lnSpc>
+              <a:spcBef>
+                <a:spcPts val="1000"/>
+              </a:spcBef>
+              <a:buFont typeface="Arial" panose="020B0604020202020204" pitchFamily="34" charset="0"/>
+              <a:buChar char="•"/>
+              <a:defRPr sz="2800"/>
+            </a:lvl1pPr>
+            <a:lvl2pPr marL="685800" lvl="1" indent="-228600">
+              <a:lnSpc>
+                <a:spcPct val="90000"/>
+              </a:lnSpc>
+              <a:spcBef>
+                <a:spcPts val="500"/>
+              </a:spcBef>
+              <a:buFont typeface="Arial" panose="020B0604020202020204" pitchFamily="34" charset="0"/>
+              <a:buChar char="•"/>
+              <a:defRPr sz="2400"/>
+            </a:lvl2pPr>
+            <a:lvl3pPr marL="1143000" lvl="2" indent="-228600">
+              <a:lnSpc>
+                <a:spcPct val="90000"/>
+              </a:lnSpc>
+              <a:spcBef>
+                <a:spcPts val="500"/>
+              </a:spcBef>
+              <a:buFont typeface="Arial" panose="020B0604020202020204" pitchFamily="34" charset="0"/>
+              <a:buChar char="•"/>
+              <a:defRPr sz="2000"/>
+            </a:lvl3pPr>
+            <a:lvl4pPr marL="1600200" indent="-228600">
+              <a:lnSpc>
+                <a:spcPct val="90000"/>
+              </a:lnSpc>
+              <a:spcBef>
+                <a:spcPts val="500"/>
+              </a:spcBef>
+              <a:buFont typeface="Arial" panose="020B0604020202020204" pitchFamily="34" charset="0"/>
+              <a:buChar char="•"/>
+            </a:lvl4pPr>
+            <a:lvl5pPr marL="2057400" indent="-228600">
+              <a:lnSpc>
+                <a:spcPct val="90000"/>
+              </a:lnSpc>
+              <a:spcBef>
+                <a:spcPts val="500"/>
+              </a:spcBef>
+              <a:buFont typeface="Arial" panose="020B0604020202020204" pitchFamily="34" charset="0"/>
+              <a:buChar char="•"/>
+            </a:lvl5pPr>
+            <a:lvl6pPr marL="2514600" indent="-228600">
+              <a:lnSpc>
+                <a:spcPct val="90000"/>
+              </a:lnSpc>
+              <a:spcBef>
+                <a:spcPts val="500"/>
+              </a:spcBef>
+              <a:buFont typeface="Arial" panose="020B0604020202020204" pitchFamily="34" charset="0"/>
+              <a:buChar char="•"/>
+            </a:lvl6pPr>
+            <a:lvl7pPr marL="2971800" indent="-228600">
+              <a:lnSpc>
+                <a:spcPct val="90000"/>
+              </a:lnSpc>
+              <a:spcBef>
+                <a:spcPts val="500"/>
+              </a:spcBef>
+              <a:buFont typeface="Arial" panose="020B0604020202020204" pitchFamily="34" charset="0"/>
+              <a:buChar char="•"/>
+            </a:lvl7pPr>
+            <a:lvl8pPr marL="3429000" indent="-228600">
+              <a:lnSpc>
+                <a:spcPct val="90000"/>
+              </a:lnSpc>
+              <a:spcBef>
+                <a:spcPts val="500"/>
+              </a:spcBef>
+              <a:buFont typeface="Arial" panose="020B0604020202020204" pitchFamily="34" charset="0"/>
+              <a:buChar char="•"/>
+            </a:lvl8pPr>
+            <a:lvl9pPr marL="3886200" indent="-228600">
+              <a:lnSpc>
+                <a:spcPct val="90000"/>
+              </a:lnSpc>
+              <a:spcBef>
+                <a:spcPts val="500"/>
+              </a:spcBef>
+              <a:buFont typeface="Arial" panose="020B0604020202020204" pitchFamily="34" charset="0"/>
+              <a:buChar char="•"/>
+            </a:lvl9pPr>
+          </a:lstStyle>
+          <a:p>
+            <a:pPr lvl="1"/>
+            <a:r>
+              <a:rPr lang="en-US" dirty="0"/>
+              <a:t>WSUS01</a:t>
+            </a:r>
+          </a:p>
+          <a:p>
+            <a:pPr lvl="2"/>
+            <a:r>
+              <a:rPr lang="en-US" dirty="0"/>
+              <a:t>2 Virtual Processors</a:t>
+            </a:r>
+          </a:p>
+          <a:p>
+            <a:pPr lvl="2"/>
+            <a:r>
+              <a:rPr lang="en-US" dirty="0"/>
+              <a:t>8 GB Ram</a:t>
+            </a:r>
+          </a:p>
+          <a:p>
+            <a:pPr lvl="2"/>
+            <a:r>
+              <a:rPr lang="en-US" dirty="0"/>
+              <a:t>400 GB Hard Drive</a:t>
+            </a:r>
+          </a:p>
+          <a:p>
+            <a:pPr lvl="1"/>
+            <a:r>
+              <a:rPr lang="en-US" dirty="0"/>
+              <a:t>RefPC-001</a:t>
+            </a:r>
+          </a:p>
+          <a:p>
+            <a:pPr lvl="2"/>
+            <a:r>
+              <a:rPr lang="en-US" dirty="0"/>
+              <a:t>2 Virtual Processors</a:t>
+            </a:r>
+          </a:p>
+          <a:p>
+            <a:pPr lvl="2"/>
+            <a:r>
+              <a:rPr lang="en-US" dirty="0"/>
+              <a:t>4 GB Ram</a:t>
+            </a:r>
+          </a:p>
+          <a:p>
+            <a:pPr lvl="2"/>
+            <a:r>
+              <a:rPr lang="en-US" dirty="0"/>
+              <a:t>128 GB Hard Drive</a:t>
+            </a:r>
+            <a:endParaRPr lang="en-US" dirty="0"/>
+          </a:p>
+        </p:txBody>
+      </p:sp>
+      <p:sp>
+        <p:nvSpPr>
+          <p:cNvPr id="6" name="TextBox 5"/>
+          <p:cNvSpPr txBox="1"/>
+          <p:nvPr/>
+        </p:nvSpPr>
+        <p:spPr>
+          <a:xfrm>
+            <a:off x="702216" y="1735240"/>
+            <a:ext cx="10820400" cy="523220"/>
+          </a:xfrm>
+          <a:prstGeom prst="rect">
+            <a:avLst/>
+          </a:prstGeom>
+          <a:noFill/>
+        </p:spPr>
+        <p:txBody>
+          <a:bodyPr wrap="square" rtlCol="0">
+            <a:spAutoFit/>
+          </a:bodyPr>
+          <a:lstStyle/>
+          <a:p>
+            <a:r>
+              <a:rPr lang="en-US" sz="2800" dirty="0"/>
+              <a:t>Consists of 4 VM’s running in Hyper-V running on </a:t>
+            </a:r>
+            <a:r>
+              <a:rPr lang="en-US" sz="2800" dirty="0" smtClean="0"/>
+              <a:t>desktop</a:t>
+            </a:r>
+            <a:endParaRPr lang="en-US" sz="2800" dirty="0"/>
+          </a:p>
+        </p:txBody>
+      </p:sp>
+    </p:spTree>
+    <p:extLst>
+      <p:ext uri="{BB962C8B-B14F-4D97-AF65-F5344CB8AC3E}">
+        <p14:creationId xmlns:p14="http://schemas.microsoft.com/office/powerpoint/2010/main" val="1596624155"/>
       </p:ext>
     </p:extLst>
   </p:cSld>

--- a/Deploying Windows 10 With MDT - Intro Slides.pptx
+++ b/Deploying Windows 10 With MDT - Intro Slides.pptx
@@ -9,6 +9,7 @@
     <p:sldId id="257" r:id="rId3"/>
     <p:sldId id="258" r:id="rId4"/>
     <p:sldId id="259" r:id="rId5"/>
+    <p:sldId id="260" r:id="rId6"/>
   </p:sldIdLst>
   <p:sldSz cx="12192000" cy="6858000"/>
   <p:notesSz cx="6858000" cy="9144000"/>
@@ -3115,11 +3116,7 @@
             </a:r>
             <a:r>
               <a:rPr lang="en-US" dirty="0" smtClean="0"/>
-              <a:t> </a:t>
-            </a:r>
-            <a:r>
-              <a:rPr lang="en-US" dirty="0" smtClean="0"/>
-              <a:t>HECC</a:t>
+              <a:t> HECC</a:t>
             </a:r>
           </a:p>
           <a:p>
@@ -3135,7 +3132,6 @@
               <a:rPr lang="en-US" dirty="0" smtClean="0"/>
               <a:t> with</a:t>
             </a:r>
-            <a:endParaRPr lang="en-US" dirty="0" smtClean="0"/>
           </a:p>
           <a:p>
             <a:pPr marL="0" indent="0">
@@ -3310,7 +3306,7 @@
         </p:nvSpPr>
         <p:spPr>
           <a:xfrm>
-            <a:off x="6356350" y="3463925"/>
+            <a:off x="9201150" y="3616324"/>
             <a:ext cx="2806700" cy="777875"/>
           </a:xfrm>
           <a:prstGeom prst="rect">
@@ -3777,7 +3773,7 @@
         </p:blipFill>
         <p:spPr>
           <a:xfrm>
-            <a:off x="3365500" y="1638300"/>
+            <a:off x="3568700" y="1638300"/>
             <a:ext cx="2397125" cy="2397125"/>
           </a:xfrm>
           <a:prstGeom prst="rect">
@@ -3807,7 +3803,7 @@
         </p:blipFill>
         <p:spPr>
           <a:xfrm>
-            <a:off x="8997950" y="2509837"/>
+            <a:off x="6381750" y="2509837"/>
             <a:ext cx="2635250" cy="2635250"/>
           </a:xfrm>
           <a:prstGeom prst="rect">
@@ -4134,7 +4130,6 @@
               <a:rPr lang="en-US" dirty="0"/>
               <a:t>128 GB Hard Drive</a:t>
             </a:r>
-            <a:endParaRPr lang="en-US" dirty="0"/>
           </a:p>
         </p:txBody>
       </p:sp>
@@ -4176,6 +4171,140 @@
     <p:extLst>
       <p:ext uri="{BB962C8B-B14F-4D97-AF65-F5344CB8AC3E}">
         <p14:creationId xmlns:p14="http://schemas.microsoft.com/office/powerpoint/2010/main" val="1596624155"/>
+      </p:ext>
+    </p:extLst>
+  </p:cSld>
+  <p:clrMapOvr>
+    <a:masterClrMapping/>
+  </p:clrMapOvr>
+</p:sld>
+</file>
+
+<file path=ppt/slides/slide5.xml><?xml version="1.0" encoding="utf-8"?>
+<p:sld xmlns:a="http://schemas.openxmlformats.org/drawingml/2006/main" xmlns:r="http://schemas.openxmlformats.org/officeDocument/2006/relationships" xmlns:p="http://schemas.openxmlformats.org/presentationml/2006/main">
+  <p:cSld>
+    <p:spTree>
+      <p:nvGrpSpPr>
+        <p:cNvPr id="1" name=""/>
+        <p:cNvGrpSpPr/>
+        <p:nvPr/>
+      </p:nvGrpSpPr>
+      <p:grpSpPr>
+        <a:xfrm>
+          <a:off x="0" y="0"/>
+          <a:ext cx="0" cy="0"/>
+          <a:chOff x="0" y="0"/>
+          <a:chExt cx="0" cy="0"/>
+        </a:xfrm>
+      </p:grpSpPr>
+      <p:sp>
+        <p:nvSpPr>
+          <p:cNvPr id="2" name="Title 1"/>
+          <p:cNvSpPr>
+            <a:spLocks noGrp="1"/>
+          </p:cNvSpPr>
+          <p:nvPr>
+            <p:ph type="title"/>
+          </p:nvPr>
+        </p:nvSpPr>
+        <p:spPr/>
+        <p:txBody>
+          <a:bodyPr/>
+          <a:lstStyle/>
+          <a:p>
+            <a:r>
+              <a:rPr lang="en-US" dirty="0" smtClean="0"/>
+              <a:t>My Build Lab continued</a:t>
+            </a:r>
+            <a:endParaRPr lang="en-US" dirty="0"/>
+          </a:p>
+        </p:txBody>
+      </p:sp>
+      <p:sp>
+        <p:nvSpPr>
+          <p:cNvPr id="3" name="Content Placeholder 2"/>
+          <p:cNvSpPr>
+            <a:spLocks noGrp="1"/>
+          </p:cNvSpPr>
+          <p:nvPr>
+            <p:ph idx="1"/>
+          </p:nvPr>
+        </p:nvSpPr>
+        <p:spPr/>
+        <p:txBody>
+          <a:bodyPr/>
+          <a:lstStyle/>
+          <a:p>
+            <a:r>
+              <a:rPr lang="en-US" dirty="0" smtClean="0"/>
+              <a:t>My production build machine is </a:t>
+            </a:r>
+            <a:r>
+              <a:rPr lang="en-US" dirty="0"/>
+              <a:t>HP </a:t>
+            </a:r>
+            <a:r>
+              <a:rPr lang="en-US" dirty="0" err="1"/>
+              <a:t>EliteDesk</a:t>
+            </a:r>
+            <a:r>
+              <a:rPr lang="en-US" dirty="0"/>
+              <a:t> 800 G3 SFF, </a:t>
+            </a:r>
+            <a:r>
+              <a:rPr lang="en-US" dirty="0" smtClean="0"/>
+              <a:t>36 GB Ram, 1 TB HD, running Windows 2016 with deduplication and compression turned on.</a:t>
+            </a:r>
+          </a:p>
+          <a:p>
+            <a:r>
+              <a:rPr lang="en-US" dirty="0" smtClean="0"/>
+              <a:t>This lab was built </a:t>
+            </a:r>
+            <a:r>
+              <a:rPr lang="en-US" dirty="0"/>
+              <a:t>with Johan </a:t>
+            </a:r>
+            <a:r>
+              <a:rPr lang="en-US" dirty="0" err="1" smtClean="0"/>
+              <a:t>Arwidmark’s</a:t>
+            </a:r>
+            <a:r>
+              <a:rPr lang="en-US" dirty="0" smtClean="0"/>
+              <a:t> hydration kit available from his </a:t>
+            </a:r>
+            <a:r>
+              <a:rPr lang="en-US" dirty="0" smtClean="0">
+                <a:hlinkClick r:id="rId2"/>
+              </a:rPr>
+              <a:t>web site</a:t>
+            </a:r>
+            <a:r>
+              <a:rPr lang="en-US" dirty="0" smtClean="0"/>
+              <a:t>.</a:t>
+            </a:r>
+            <a:endParaRPr lang="en-US" dirty="0"/>
+          </a:p>
+          <a:p>
+            <a:pPr lvl="1"/>
+            <a:r>
+              <a:rPr lang="en-US" dirty="0" smtClean="0">
+                <a:hlinkClick r:id="rId3"/>
+              </a:rPr>
+              <a:t>I changed </a:t>
+            </a:r>
+            <a:r>
+              <a:rPr lang="en-US" dirty="0" smtClean="0"/>
+              <a:t>the IP range to not interfere with my home router. </a:t>
+            </a:r>
+            <a:endParaRPr lang="en-US" dirty="0"/>
+          </a:p>
+        </p:txBody>
+      </p:sp>
+    </p:spTree>
+    <p:extLst>
+      <p:ext uri="{BB962C8B-B14F-4D97-AF65-F5344CB8AC3E}">
+        <p14:creationId xmlns:p14="http://schemas.microsoft.com/office/powerpoint/2010/main" val="2252193554"/>
       </p:ext>
     </p:extLst>
   </p:cSld>

--- a/Deploying Windows 10 With MDT - Intro Slides.pptx
+++ b/Deploying Windows 10 With MDT - Intro Slides.pptx
@@ -247,7 +247,7 @@
           <a:p>
             <a:fld id="{603F06EE-F07F-4A2D-9CB8-B5E6AC9AF85B}" type="datetimeFigureOut">
               <a:rPr lang="en-US" smtClean="0"/>
-              <a:t>10/22/2018</a:t>
+              <a:t>10/24/2018</a:t>
             </a:fld>
             <a:endParaRPr lang="en-US"/>
           </a:p>
@@ -417,7 +417,7 @@
           <a:p>
             <a:fld id="{603F06EE-F07F-4A2D-9CB8-B5E6AC9AF85B}" type="datetimeFigureOut">
               <a:rPr lang="en-US" smtClean="0"/>
-              <a:t>10/22/2018</a:t>
+              <a:t>10/24/2018</a:t>
             </a:fld>
             <a:endParaRPr lang="en-US"/>
           </a:p>
@@ -597,7 +597,7 @@
           <a:p>
             <a:fld id="{603F06EE-F07F-4A2D-9CB8-B5E6AC9AF85B}" type="datetimeFigureOut">
               <a:rPr lang="en-US" smtClean="0"/>
-              <a:t>10/22/2018</a:t>
+              <a:t>10/24/2018</a:t>
             </a:fld>
             <a:endParaRPr lang="en-US"/>
           </a:p>
@@ -767,7 +767,7 @@
           <a:p>
             <a:fld id="{603F06EE-F07F-4A2D-9CB8-B5E6AC9AF85B}" type="datetimeFigureOut">
               <a:rPr lang="en-US" smtClean="0"/>
-              <a:t>10/22/2018</a:t>
+              <a:t>10/24/2018</a:t>
             </a:fld>
             <a:endParaRPr lang="en-US"/>
           </a:p>
@@ -1013,7 +1013,7 @@
           <a:p>
             <a:fld id="{603F06EE-F07F-4A2D-9CB8-B5E6AC9AF85B}" type="datetimeFigureOut">
               <a:rPr lang="en-US" smtClean="0"/>
-              <a:t>10/22/2018</a:t>
+              <a:t>10/24/2018</a:t>
             </a:fld>
             <a:endParaRPr lang="en-US"/>
           </a:p>
@@ -1245,7 +1245,7 @@
           <a:p>
             <a:fld id="{603F06EE-F07F-4A2D-9CB8-B5E6AC9AF85B}" type="datetimeFigureOut">
               <a:rPr lang="en-US" smtClean="0"/>
-              <a:t>10/22/2018</a:t>
+              <a:t>10/24/2018</a:t>
             </a:fld>
             <a:endParaRPr lang="en-US"/>
           </a:p>
@@ -1612,7 +1612,7 @@
           <a:p>
             <a:fld id="{603F06EE-F07F-4A2D-9CB8-B5E6AC9AF85B}" type="datetimeFigureOut">
               <a:rPr lang="en-US" smtClean="0"/>
-              <a:t>10/22/2018</a:t>
+              <a:t>10/24/2018</a:t>
             </a:fld>
             <a:endParaRPr lang="en-US"/>
           </a:p>
@@ -1730,7 +1730,7 @@
           <a:p>
             <a:fld id="{603F06EE-F07F-4A2D-9CB8-B5E6AC9AF85B}" type="datetimeFigureOut">
               <a:rPr lang="en-US" smtClean="0"/>
-              <a:t>10/22/2018</a:t>
+              <a:t>10/24/2018</a:t>
             </a:fld>
             <a:endParaRPr lang="en-US"/>
           </a:p>
@@ -1825,7 +1825,7 @@
           <a:p>
             <a:fld id="{603F06EE-F07F-4A2D-9CB8-B5E6AC9AF85B}" type="datetimeFigureOut">
               <a:rPr lang="en-US" smtClean="0"/>
-              <a:t>10/22/2018</a:t>
+              <a:t>10/24/2018</a:t>
             </a:fld>
             <a:endParaRPr lang="en-US"/>
           </a:p>
@@ -2102,7 +2102,7 @@
           <a:p>
             <a:fld id="{603F06EE-F07F-4A2D-9CB8-B5E6AC9AF85B}" type="datetimeFigureOut">
               <a:rPr lang="en-US" smtClean="0"/>
-              <a:t>10/22/2018</a:t>
+              <a:t>10/24/2018</a:t>
             </a:fld>
             <a:endParaRPr lang="en-US"/>
           </a:p>
@@ -2355,7 +2355,7 @@
           <a:p>
             <a:fld id="{603F06EE-F07F-4A2D-9CB8-B5E6AC9AF85B}" type="datetimeFigureOut">
               <a:rPr lang="en-US" smtClean="0"/>
-              <a:t>10/22/2018</a:t>
+              <a:t>10/24/2018</a:t>
             </a:fld>
             <a:endParaRPr lang="en-US"/>
           </a:p>
@@ -2568,7 +2568,7 @@
           <a:p>
             <a:fld id="{603F06EE-F07F-4A2D-9CB8-B5E6AC9AF85B}" type="datetimeFigureOut">
               <a:rPr lang="en-US" smtClean="0"/>
-              <a:t>10/22/2018</a:t>
+              <a:t>10/24/2018</a:t>
             </a:fld>
             <a:endParaRPr lang="en-US"/>
           </a:p>
@@ -3244,7 +3244,15 @@
           <a:p>
             <a:r>
               <a:rPr lang="en-US" dirty="0" smtClean="0"/>
-              <a:t>Stand on the Shoulders of others</a:t>
+              <a:t>Stand on the </a:t>
+            </a:r>
+            <a:r>
+              <a:rPr lang="en-US" dirty="0" smtClean="0"/>
+              <a:t>shoulders </a:t>
+            </a:r>
+            <a:r>
+              <a:rPr lang="en-US" dirty="0" smtClean="0"/>
+              <a:t>of others</a:t>
             </a:r>
             <a:endParaRPr lang="en-US" dirty="0"/>
           </a:p>

--- a/Deploying Windows 10 With MDT - Intro Slides.pptx
+++ b/Deploying Windows 10 With MDT - Intro Slides.pptx
@@ -247,7 +247,7 @@
           <a:p>
             <a:fld id="{603F06EE-F07F-4A2D-9CB8-B5E6AC9AF85B}" type="datetimeFigureOut">
               <a:rPr lang="en-US" smtClean="0"/>
-              <a:t>10/24/2018</a:t>
+              <a:t>10/29/2018</a:t>
             </a:fld>
             <a:endParaRPr lang="en-US"/>
           </a:p>
@@ -417,7 +417,7 @@
           <a:p>
             <a:fld id="{603F06EE-F07F-4A2D-9CB8-B5E6AC9AF85B}" type="datetimeFigureOut">
               <a:rPr lang="en-US" smtClean="0"/>
-              <a:t>10/24/2018</a:t>
+              <a:t>10/29/2018</a:t>
             </a:fld>
             <a:endParaRPr lang="en-US"/>
           </a:p>
@@ -597,7 +597,7 @@
           <a:p>
             <a:fld id="{603F06EE-F07F-4A2D-9CB8-B5E6AC9AF85B}" type="datetimeFigureOut">
               <a:rPr lang="en-US" smtClean="0"/>
-              <a:t>10/24/2018</a:t>
+              <a:t>10/29/2018</a:t>
             </a:fld>
             <a:endParaRPr lang="en-US"/>
           </a:p>
@@ -767,7 +767,7 @@
           <a:p>
             <a:fld id="{603F06EE-F07F-4A2D-9CB8-B5E6AC9AF85B}" type="datetimeFigureOut">
               <a:rPr lang="en-US" smtClean="0"/>
-              <a:t>10/24/2018</a:t>
+              <a:t>10/29/2018</a:t>
             </a:fld>
             <a:endParaRPr lang="en-US"/>
           </a:p>
@@ -1013,7 +1013,7 @@
           <a:p>
             <a:fld id="{603F06EE-F07F-4A2D-9CB8-B5E6AC9AF85B}" type="datetimeFigureOut">
               <a:rPr lang="en-US" smtClean="0"/>
-              <a:t>10/24/2018</a:t>
+              <a:t>10/29/2018</a:t>
             </a:fld>
             <a:endParaRPr lang="en-US"/>
           </a:p>
@@ -1245,7 +1245,7 @@
           <a:p>
             <a:fld id="{603F06EE-F07F-4A2D-9CB8-B5E6AC9AF85B}" type="datetimeFigureOut">
               <a:rPr lang="en-US" smtClean="0"/>
-              <a:t>10/24/2018</a:t>
+              <a:t>10/29/2018</a:t>
             </a:fld>
             <a:endParaRPr lang="en-US"/>
           </a:p>
@@ -1612,7 +1612,7 @@
           <a:p>
             <a:fld id="{603F06EE-F07F-4A2D-9CB8-B5E6AC9AF85B}" type="datetimeFigureOut">
               <a:rPr lang="en-US" smtClean="0"/>
-              <a:t>10/24/2018</a:t>
+              <a:t>10/29/2018</a:t>
             </a:fld>
             <a:endParaRPr lang="en-US"/>
           </a:p>
@@ -1730,7 +1730,7 @@
           <a:p>
             <a:fld id="{603F06EE-F07F-4A2D-9CB8-B5E6AC9AF85B}" type="datetimeFigureOut">
               <a:rPr lang="en-US" smtClean="0"/>
-              <a:t>10/24/2018</a:t>
+              <a:t>10/29/2018</a:t>
             </a:fld>
             <a:endParaRPr lang="en-US"/>
           </a:p>
@@ -1825,7 +1825,7 @@
           <a:p>
             <a:fld id="{603F06EE-F07F-4A2D-9CB8-B5E6AC9AF85B}" type="datetimeFigureOut">
               <a:rPr lang="en-US" smtClean="0"/>
-              <a:t>10/24/2018</a:t>
+              <a:t>10/29/2018</a:t>
             </a:fld>
             <a:endParaRPr lang="en-US"/>
           </a:p>
@@ -2102,7 +2102,7 @@
           <a:p>
             <a:fld id="{603F06EE-F07F-4A2D-9CB8-B5E6AC9AF85B}" type="datetimeFigureOut">
               <a:rPr lang="en-US" smtClean="0"/>
-              <a:t>10/24/2018</a:t>
+              <a:t>10/29/2018</a:t>
             </a:fld>
             <a:endParaRPr lang="en-US"/>
           </a:p>
@@ -2355,7 +2355,7 @@
           <a:p>
             <a:fld id="{603F06EE-F07F-4A2D-9CB8-B5E6AC9AF85B}" type="datetimeFigureOut">
               <a:rPr lang="en-US" smtClean="0"/>
-              <a:t>10/24/2018</a:t>
+              <a:t>10/29/2018</a:t>
             </a:fld>
             <a:endParaRPr lang="en-US"/>
           </a:p>
@@ -2568,7 +2568,7 @@
           <a:p>
             <a:fld id="{603F06EE-F07F-4A2D-9CB8-B5E6AC9AF85B}" type="datetimeFigureOut">
               <a:rPr lang="en-US" smtClean="0"/>
-              <a:t>10/24/2018</a:t>
+              <a:t>10/29/2018</a:t>
             </a:fld>
             <a:endParaRPr lang="en-US"/>
           </a:p>
@@ -3126,17 +3126,11 @@
             </a:r>
             <a:r>
               <a:rPr lang="en-US" dirty="0" err="1" smtClean="0"/>
-              <a:t>VExpert</a:t>
-            </a:r>
-            <a:r>
-              <a:rPr lang="en-US" dirty="0" smtClean="0"/>
-              <a:t> with</a:t>
-            </a:r>
-          </a:p>
-          <a:p>
-            <a:pPr marL="0" indent="0">
-              <a:buNone/>
-            </a:pPr>
+              <a:t>Vexpert</a:t>
+            </a:r>
+            <a:endParaRPr lang="en-US" dirty="0" smtClean="0"/>
+          </a:p>
+          <a:p>
             <a:endParaRPr lang="en-US" dirty="0"/>
           </a:p>
           <a:p>
@@ -3244,15 +3238,7 @@
           <a:p>
             <a:r>
               <a:rPr lang="en-US" dirty="0" smtClean="0"/>
-              <a:t>Stand on the </a:t>
-            </a:r>
-            <a:r>
-              <a:rPr lang="en-US" dirty="0" smtClean="0"/>
-              <a:t>shoulders </a:t>
-            </a:r>
-            <a:r>
-              <a:rPr lang="en-US" dirty="0" smtClean="0"/>
-              <a:t>of others</a:t>
+              <a:t>Stand on the shoulders of others</a:t>
             </a:r>
             <a:endParaRPr lang="en-US" dirty="0"/>
           </a:p>

--- a/Deploying Windows 10 With MDT - Intro Slides.pptx
+++ b/Deploying Windows 10 With MDT - Intro Slides.pptx
@@ -2,7 +2,7 @@
 <file path=ppt/presentation.xml><?xml version="1.0" encoding="utf-8"?>
 <p:presentation xmlns:a="http://schemas.openxmlformats.org/drawingml/2006/main" xmlns:r="http://schemas.openxmlformats.org/officeDocument/2006/relationships" xmlns:p="http://schemas.openxmlformats.org/presentationml/2006/main" saveSubsetFonts="1">
   <p:sldMasterIdLst>
-    <p:sldMasterId id="2147483648" r:id="rId1"/>
+    <p:sldMasterId id="2147483660" r:id="rId1"/>
   </p:sldMasterIdLst>
   <p:sldIdLst>
     <p:sldId id="256" r:id="rId2"/>
@@ -17,7 +17,7 @@
     <a:defPPr>
       <a:defRPr lang="en-US"/>
     </a:defPPr>
-    <a:lvl1pPr marL="0" algn="l" defTabSz="914400" rtl="0" eaLnBrk="1" latinLnBrk="0" hangingPunct="1">
+    <a:lvl1pPr marL="0" algn="l" defTabSz="457200" rtl="0" eaLnBrk="1" latinLnBrk="0" hangingPunct="1">
       <a:defRPr sz="1800" kern="1200">
         <a:solidFill>
           <a:schemeClr val="tx1"/>
@@ -27,7 +27,7 @@
         <a:cs typeface="+mn-cs"/>
       </a:defRPr>
     </a:lvl1pPr>
-    <a:lvl2pPr marL="457200" algn="l" defTabSz="914400" rtl="0" eaLnBrk="1" latinLnBrk="0" hangingPunct="1">
+    <a:lvl2pPr marL="457200" algn="l" defTabSz="457200" rtl="0" eaLnBrk="1" latinLnBrk="0" hangingPunct="1">
       <a:defRPr sz="1800" kern="1200">
         <a:solidFill>
           <a:schemeClr val="tx1"/>
@@ -37,7 +37,7 @@
         <a:cs typeface="+mn-cs"/>
       </a:defRPr>
     </a:lvl2pPr>
-    <a:lvl3pPr marL="914400" algn="l" defTabSz="914400" rtl="0" eaLnBrk="1" latinLnBrk="0" hangingPunct="1">
+    <a:lvl3pPr marL="914400" algn="l" defTabSz="457200" rtl="0" eaLnBrk="1" latinLnBrk="0" hangingPunct="1">
       <a:defRPr sz="1800" kern="1200">
         <a:solidFill>
           <a:schemeClr val="tx1"/>
@@ -47,7 +47,7 @@
         <a:cs typeface="+mn-cs"/>
       </a:defRPr>
     </a:lvl3pPr>
-    <a:lvl4pPr marL="1371600" algn="l" defTabSz="914400" rtl="0" eaLnBrk="1" latinLnBrk="0" hangingPunct="1">
+    <a:lvl4pPr marL="1371600" algn="l" defTabSz="457200" rtl="0" eaLnBrk="1" latinLnBrk="0" hangingPunct="1">
       <a:defRPr sz="1800" kern="1200">
         <a:solidFill>
           <a:schemeClr val="tx1"/>
@@ -57,7 +57,7 @@
         <a:cs typeface="+mn-cs"/>
       </a:defRPr>
     </a:lvl4pPr>
-    <a:lvl5pPr marL="1828800" algn="l" defTabSz="914400" rtl="0" eaLnBrk="1" latinLnBrk="0" hangingPunct="1">
+    <a:lvl5pPr marL="1828800" algn="l" defTabSz="457200" rtl="0" eaLnBrk="1" latinLnBrk="0" hangingPunct="1">
       <a:defRPr sz="1800" kern="1200">
         <a:solidFill>
           <a:schemeClr val="tx1"/>
@@ -67,7 +67,7 @@
         <a:cs typeface="+mn-cs"/>
       </a:defRPr>
     </a:lvl5pPr>
-    <a:lvl6pPr marL="2286000" algn="l" defTabSz="914400" rtl="0" eaLnBrk="1" latinLnBrk="0" hangingPunct="1">
+    <a:lvl6pPr marL="2286000" algn="l" defTabSz="457200" rtl="0" eaLnBrk="1" latinLnBrk="0" hangingPunct="1">
       <a:defRPr sz="1800" kern="1200">
         <a:solidFill>
           <a:schemeClr val="tx1"/>
@@ -77,7 +77,7 @@
         <a:cs typeface="+mn-cs"/>
       </a:defRPr>
     </a:lvl6pPr>
-    <a:lvl7pPr marL="2743200" algn="l" defTabSz="914400" rtl="0" eaLnBrk="1" latinLnBrk="0" hangingPunct="1">
+    <a:lvl7pPr marL="2743200" algn="l" defTabSz="457200" rtl="0" eaLnBrk="1" latinLnBrk="0" hangingPunct="1">
       <a:defRPr sz="1800" kern="1200">
         <a:solidFill>
           <a:schemeClr val="tx1"/>
@@ -87,7 +87,7 @@
         <a:cs typeface="+mn-cs"/>
       </a:defRPr>
     </a:lvl7pPr>
-    <a:lvl8pPr marL="3200400" algn="l" defTabSz="914400" rtl="0" eaLnBrk="1" latinLnBrk="0" hangingPunct="1">
+    <a:lvl8pPr marL="3200400" algn="l" defTabSz="457200" rtl="0" eaLnBrk="1" latinLnBrk="0" hangingPunct="1">
       <a:defRPr sz="1800" kern="1200">
         <a:solidFill>
           <a:schemeClr val="tx1"/>
@@ -97,7 +97,7 @@
         <a:cs typeface="+mn-cs"/>
       </a:defRPr>
     </a:lvl8pPr>
-    <a:lvl9pPr marL="3657600" algn="l" defTabSz="914400" rtl="0" eaLnBrk="1" latinLnBrk="0" hangingPunct="1">
+    <a:lvl9pPr marL="3657600" algn="l" defTabSz="457200" rtl="0" eaLnBrk="1" latinLnBrk="0" hangingPunct="1">
       <a:defRPr sz="1800" kern="1200">
         <a:solidFill>
           <a:schemeClr val="tx1"/>
@@ -145,23 +145,25 @@
         </p:nvSpPr>
         <p:spPr>
           <a:xfrm>
-            <a:off x="1524000" y="1122363"/>
-            <a:ext cx="9144000" cy="2387600"/>
+            <a:off x="1370693" y="1769540"/>
+            <a:ext cx="9440034" cy="1828801"/>
           </a:xfrm>
         </p:spPr>
         <p:txBody>
-          <a:bodyPr anchor="b"/>
+          <a:bodyPr anchor="b">
+            <a:normAutofit/>
+          </a:bodyPr>
           <a:lstStyle>
             <a:lvl1pPr algn="ctr">
-              <a:defRPr sz="6000"/>
+              <a:defRPr sz="5400"/>
             </a:lvl1pPr>
           </a:lstStyle>
           <a:p>
             <a:r>
-              <a:rPr lang="en-US" smtClean="0"/>
+              <a:rPr lang="en-US"/>
               <a:t>Click to edit Master title style</a:t>
             </a:r>
-            <a:endParaRPr lang="en-US"/>
+            <a:endParaRPr lang="en-US" dirty="0"/>
           </a:p>
         </p:txBody>
       </p:sp>
@@ -177,56 +179,108 @@
         </p:nvSpPr>
         <p:spPr>
           <a:xfrm>
-            <a:off x="1524000" y="3602038"/>
-            <a:ext cx="9144000" cy="1655762"/>
+            <a:off x="1370693" y="3598339"/>
+            <a:ext cx="9440034" cy="1049867"/>
           </a:xfrm>
         </p:spPr>
         <p:txBody>
-          <a:bodyPr/>
+          <a:bodyPr anchor="t"/>
           <a:lstStyle>
             <a:lvl1pPr marL="0" indent="0" algn="ctr">
               <a:buNone/>
-              <a:defRPr sz="2400"/>
+              <a:defRPr>
+                <a:solidFill>
+                  <a:schemeClr val="tx1"/>
+                </a:solidFill>
+              </a:defRPr>
             </a:lvl1pPr>
             <a:lvl2pPr marL="457200" indent="0" algn="ctr">
               <a:buNone/>
-              <a:defRPr sz="2000"/>
+              <a:defRPr>
+                <a:solidFill>
+                  <a:schemeClr val="tx1">
+                    <a:tint val="75000"/>
+                  </a:schemeClr>
+                </a:solidFill>
+              </a:defRPr>
             </a:lvl2pPr>
             <a:lvl3pPr marL="914400" indent="0" algn="ctr">
               <a:buNone/>
-              <a:defRPr sz="1800"/>
+              <a:defRPr>
+                <a:solidFill>
+                  <a:schemeClr val="tx1">
+                    <a:tint val="75000"/>
+                  </a:schemeClr>
+                </a:solidFill>
+              </a:defRPr>
             </a:lvl3pPr>
             <a:lvl4pPr marL="1371600" indent="0" algn="ctr">
               <a:buNone/>
-              <a:defRPr sz="1600"/>
+              <a:defRPr>
+                <a:solidFill>
+                  <a:schemeClr val="tx1">
+                    <a:tint val="75000"/>
+                  </a:schemeClr>
+                </a:solidFill>
+              </a:defRPr>
             </a:lvl4pPr>
             <a:lvl5pPr marL="1828800" indent="0" algn="ctr">
               <a:buNone/>
-              <a:defRPr sz="1600"/>
+              <a:defRPr>
+                <a:solidFill>
+                  <a:schemeClr val="tx1">
+                    <a:tint val="75000"/>
+                  </a:schemeClr>
+                </a:solidFill>
+              </a:defRPr>
             </a:lvl5pPr>
             <a:lvl6pPr marL="2286000" indent="0" algn="ctr">
               <a:buNone/>
-              <a:defRPr sz="1600"/>
+              <a:defRPr>
+                <a:solidFill>
+                  <a:schemeClr val="tx1">
+                    <a:tint val="75000"/>
+                  </a:schemeClr>
+                </a:solidFill>
+              </a:defRPr>
             </a:lvl6pPr>
             <a:lvl7pPr marL="2743200" indent="0" algn="ctr">
               <a:buNone/>
-              <a:defRPr sz="1600"/>
+              <a:defRPr>
+                <a:solidFill>
+                  <a:schemeClr val="tx1">
+                    <a:tint val="75000"/>
+                  </a:schemeClr>
+                </a:solidFill>
+              </a:defRPr>
             </a:lvl7pPr>
             <a:lvl8pPr marL="3200400" indent="0" algn="ctr">
               <a:buNone/>
-              <a:defRPr sz="1600"/>
+              <a:defRPr>
+                <a:solidFill>
+                  <a:schemeClr val="tx1">
+                    <a:tint val="75000"/>
+                  </a:schemeClr>
+                </a:solidFill>
+              </a:defRPr>
             </a:lvl8pPr>
             <a:lvl9pPr marL="3657600" indent="0" algn="ctr">
               <a:buNone/>
-              <a:defRPr sz="1600"/>
+              <a:defRPr>
+                <a:solidFill>
+                  <a:schemeClr val="tx1">
+                    <a:tint val="75000"/>
+                  </a:schemeClr>
+                </a:solidFill>
+              </a:defRPr>
             </a:lvl9pPr>
           </a:lstStyle>
           <a:p>
             <a:r>
-              <a:rPr lang="en-US" smtClean="0"/>
+              <a:rPr lang="en-US"/>
               <a:t>Click to edit Master subtitle style</a:t>
             </a:r>
-            <a:endParaRPr lang="en-US"/>
+            <a:endParaRPr lang="en-US" dirty="0"/>
           </a:p>
         </p:txBody>
       </p:sp>
@@ -247,7 +301,7 @@
           <a:p>
             <a:fld id="{603F06EE-F07F-4A2D-9CB8-B5E6AC9AF85B}" type="datetimeFigureOut">
               <a:rPr lang="en-US" smtClean="0"/>
-              <a:t>10/29/2018</a:t>
+              <a:t>11/7/2018</a:t>
             </a:fld>
             <a:endParaRPr lang="en-US"/>
           </a:p>
@@ -298,7 +352,7 @@
     </p:spTree>
     <p:extLst>
       <p:ext uri="{BB962C8B-B14F-4D97-AF65-F5344CB8AC3E}">
-        <p14:creationId xmlns:p14="http://schemas.microsoft.com/office/powerpoint/2010/main" val="273256523"/>
+        <p14:creationId xmlns:p14="http://schemas.microsoft.com/office/powerpoint/2010/main" val="2122099573"/>
       </p:ext>
     </p:extLst>
   </p:cSld>
@@ -309,6 +363,2582 @@
 </file>
 
 <file path=ppt/slideLayouts/slideLayout10.xml><?xml version="1.0" encoding="utf-8"?>
+<p:sldLayout xmlns:a="http://schemas.openxmlformats.org/drawingml/2006/main" xmlns:r="http://schemas.openxmlformats.org/officeDocument/2006/relationships" xmlns:p="http://schemas.openxmlformats.org/presentationml/2006/main" preserve="1">
+  <p:cSld name="Panoramic Picture with Caption">
+    <p:spTree>
+      <p:nvGrpSpPr>
+        <p:cNvPr id="1" name=""/>
+        <p:cNvGrpSpPr/>
+        <p:nvPr/>
+      </p:nvGrpSpPr>
+      <p:grpSpPr>
+        <a:xfrm>
+          <a:off x="0" y="0"/>
+          <a:ext cx="0" cy="0"/>
+          <a:chOff x="0" y="0"/>
+          <a:chExt cx="0" cy="0"/>
+        </a:xfrm>
+      </p:grpSpPr>
+      <p:pic>
+        <p:nvPicPr>
+          <p:cNvPr id="16" name="Picture 15" descr="Slate-V2-HD-panoPhotoInset.png"/>
+          <p:cNvPicPr>
+            <a:picLocks noChangeAspect="1"/>
+          </p:cNvPicPr>
+          <p:nvPr/>
+        </p:nvPicPr>
+        <p:blipFill>
+          <a:blip r:embed="rId2">
+            <a:extLst>
+              <a:ext uri="{28A0092B-C50C-407E-A947-70E740481C1C}">
+                <a14:useLocalDpi xmlns:a14="http://schemas.microsoft.com/office/drawing/2010/main" val="0"/>
+              </a:ext>
+            </a:extLst>
+          </a:blip>
+          <a:stretch>
+            <a:fillRect/>
+          </a:stretch>
+        </p:blipFill>
+        <p:spPr>
+          <a:xfrm>
+            <a:off x="1013883" y="547807"/>
+            <a:ext cx="10141799" cy="3816806"/>
+          </a:xfrm>
+          <a:prstGeom prst="rect">
+            <a:avLst/>
+          </a:prstGeom>
+        </p:spPr>
+      </p:pic>
+      <p:sp>
+        <p:nvSpPr>
+          <p:cNvPr id="2" name="Title 1"/>
+          <p:cNvSpPr>
+            <a:spLocks noGrp="1"/>
+          </p:cNvSpPr>
+          <p:nvPr>
+            <p:ph type="title"/>
+          </p:nvPr>
+        </p:nvSpPr>
+        <p:spPr>
+          <a:xfrm>
+            <a:off x="913806" y="4565255"/>
+            <a:ext cx="10355326" cy="543472"/>
+          </a:xfrm>
+        </p:spPr>
+        <p:txBody>
+          <a:bodyPr anchor="b">
+            <a:normAutofit/>
+          </a:bodyPr>
+          <a:lstStyle>
+            <a:lvl1pPr algn="ctr">
+              <a:defRPr sz="2800"/>
+            </a:lvl1pPr>
+          </a:lstStyle>
+          <a:p>
+            <a:r>
+              <a:rPr lang="en-US"/>
+              <a:t>Click to edit Master title style</a:t>
+            </a:r>
+            <a:endParaRPr lang="en-US" dirty="0"/>
+          </a:p>
+        </p:txBody>
+      </p:sp>
+      <p:sp>
+        <p:nvSpPr>
+          <p:cNvPr id="3" name="Picture Placeholder 2"/>
+          <p:cNvSpPr>
+            <a:spLocks noGrp="1" noChangeAspect="1"/>
+          </p:cNvSpPr>
+          <p:nvPr>
+            <p:ph type="pic" idx="1"/>
+          </p:nvPr>
+        </p:nvSpPr>
+        <p:spPr>
+          <a:xfrm>
+            <a:off x="1169349" y="695009"/>
+            <a:ext cx="9845346" cy="3525671"/>
+          </a:xfrm>
+          <a:effectLst>
+            <a:outerShdw blurRad="38100" dist="25400" dir="4440000">
+              <a:srgbClr val="000000">
+                <a:alpha val="36000"/>
+              </a:srgbClr>
+            </a:outerShdw>
+          </a:effectLst>
+        </p:spPr>
+        <p:txBody>
+          <a:bodyPr anchor="t">
+            <a:normAutofit/>
+          </a:bodyPr>
+          <a:lstStyle>
+            <a:lvl1pPr marL="0" indent="0" algn="ctr">
+              <a:buNone/>
+              <a:defRPr sz="2000"/>
+            </a:lvl1pPr>
+            <a:lvl2pPr marL="457200" indent="0">
+              <a:buNone/>
+              <a:defRPr sz="2000"/>
+            </a:lvl2pPr>
+            <a:lvl3pPr marL="914400" indent="0">
+              <a:buNone/>
+              <a:defRPr sz="2000"/>
+            </a:lvl3pPr>
+            <a:lvl4pPr marL="1371600" indent="0">
+              <a:buNone/>
+              <a:defRPr sz="2000"/>
+            </a:lvl4pPr>
+            <a:lvl5pPr marL="1828800" indent="0">
+              <a:buNone/>
+              <a:defRPr sz="2000"/>
+            </a:lvl5pPr>
+            <a:lvl6pPr marL="2286000" indent="0">
+              <a:buNone/>
+              <a:defRPr sz="2000"/>
+            </a:lvl6pPr>
+            <a:lvl7pPr marL="2743200" indent="0">
+              <a:buNone/>
+              <a:defRPr sz="2000"/>
+            </a:lvl7pPr>
+            <a:lvl8pPr marL="3200400" indent="0">
+              <a:buNone/>
+              <a:defRPr sz="2000"/>
+            </a:lvl8pPr>
+            <a:lvl9pPr marL="3657600" indent="0">
+              <a:buNone/>
+              <a:defRPr sz="2000"/>
+            </a:lvl9pPr>
+          </a:lstStyle>
+          <a:p>
+            <a:r>
+              <a:rPr lang="en-US"/>
+              <a:t>Click icon to add picture</a:t>
+            </a:r>
+            <a:endParaRPr lang="en-US" dirty="0"/>
+          </a:p>
+        </p:txBody>
+      </p:sp>
+      <p:sp>
+        <p:nvSpPr>
+          <p:cNvPr id="4" name="Text Placeholder 3"/>
+          <p:cNvSpPr>
+            <a:spLocks noGrp="1"/>
+          </p:cNvSpPr>
+          <p:nvPr>
+            <p:ph type="body" sz="half" idx="2"/>
+          </p:nvPr>
+        </p:nvSpPr>
+        <p:spPr>
+          <a:xfrm>
+            <a:off x="913795" y="5108728"/>
+            <a:ext cx="10353762" cy="682472"/>
+          </a:xfrm>
+        </p:spPr>
+        <p:txBody>
+          <a:bodyPr anchor="t"/>
+          <a:lstStyle>
+            <a:lvl1pPr marL="0" indent="0" algn="ctr">
+              <a:buNone/>
+              <a:defRPr sz="1600"/>
+            </a:lvl1pPr>
+            <a:lvl2pPr marL="457200" indent="0">
+              <a:buNone/>
+              <a:defRPr sz="1400"/>
+            </a:lvl2pPr>
+            <a:lvl3pPr marL="914400" indent="0">
+              <a:buNone/>
+              <a:defRPr sz="1200"/>
+            </a:lvl3pPr>
+            <a:lvl4pPr marL="1371600" indent="0">
+              <a:buNone/>
+              <a:defRPr sz="1000"/>
+            </a:lvl4pPr>
+            <a:lvl5pPr marL="1828800" indent="0">
+              <a:buNone/>
+              <a:defRPr sz="1000"/>
+            </a:lvl5pPr>
+            <a:lvl6pPr marL="2286000" indent="0">
+              <a:buNone/>
+              <a:defRPr sz="1000"/>
+            </a:lvl6pPr>
+            <a:lvl7pPr marL="2743200" indent="0">
+              <a:buNone/>
+              <a:defRPr sz="1000"/>
+            </a:lvl7pPr>
+            <a:lvl8pPr marL="3200400" indent="0">
+              <a:buNone/>
+              <a:defRPr sz="1000"/>
+            </a:lvl8pPr>
+            <a:lvl9pPr marL="3657600" indent="0">
+              <a:buNone/>
+              <a:defRPr sz="1000"/>
+            </a:lvl9pPr>
+          </a:lstStyle>
+          <a:p>
+            <a:pPr lvl="0"/>
+            <a:r>
+              <a:rPr lang="en-US"/>
+              <a:t>Edit Master text styles</a:t>
+            </a:r>
+          </a:p>
+        </p:txBody>
+      </p:sp>
+      <p:sp>
+        <p:nvSpPr>
+          <p:cNvPr id="5" name="Date Placeholder 4"/>
+          <p:cNvSpPr>
+            <a:spLocks noGrp="1"/>
+          </p:cNvSpPr>
+          <p:nvPr>
+            <p:ph type="dt" sz="half" idx="10"/>
+          </p:nvPr>
+        </p:nvSpPr>
+        <p:spPr/>
+        <p:txBody>
+          <a:bodyPr/>
+          <a:lstStyle/>
+          <a:p>
+            <a:fld id="{603F06EE-F07F-4A2D-9CB8-B5E6AC9AF85B}" type="datetimeFigureOut">
+              <a:rPr lang="en-US" smtClean="0"/>
+              <a:t>11/7/2018</a:t>
+            </a:fld>
+            <a:endParaRPr lang="en-US"/>
+          </a:p>
+        </p:txBody>
+      </p:sp>
+      <p:sp>
+        <p:nvSpPr>
+          <p:cNvPr id="6" name="Footer Placeholder 5"/>
+          <p:cNvSpPr>
+            <a:spLocks noGrp="1"/>
+          </p:cNvSpPr>
+          <p:nvPr>
+            <p:ph type="ftr" sz="quarter" idx="11"/>
+          </p:nvPr>
+        </p:nvSpPr>
+        <p:spPr/>
+        <p:txBody>
+          <a:bodyPr/>
+          <a:lstStyle/>
+          <a:p>
+            <a:endParaRPr lang="en-US"/>
+          </a:p>
+        </p:txBody>
+      </p:sp>
+      <p:sp>
+        <p:nvSpPr>
+          <p:cNvPr id="7" name="Slide Number Placeholder 6"/>
+          <p:cNvSpPr>
+            <a:spLocks noGrp="1"/>
+          </p:cNvSpPr>
+          <p:nvPr>
+            <p:ph type="sldNum" sz="quarter" idx="12"/>
+          </p:nvPr>
+        </p:nvSpPr>
+        <p:spPr/>
+        <p:txBody>
+          <a:bodyPr/>
+          <a:lstStyle/>
+          <a:p>
+            <a:fld id="{CF32A4A4-F9A1-4A91-B19B-F6A1E6D83435}" type="slidenum">
+              <a:rPr lang="en-US" smtClean="0"/>
+              <a:t>‹#›</a:t>
+            </a:fld>
+            <a:endParaRPr lang="en-US"/>
+          </a:p>
+        </p:txBody>
+      </p:sp>
+    </p:spTree>
+    <p:extLst>
+      <p:ext uri="{BB962C8B-B14F-4D97-AF65-F5344CB8AC3E}">
+        <p14:creationId xmlns:p14="http://schemas.microsoft.com/office/powerpoint/2010/main" val="2685007538"/>
+      </p:ext>
+    </p:extLst>
+  </p:cSld>
+  <p:clrMapOvr>
+    <a:masterClrMapping/>
+  </p:clrMapOvr>
+</p:sldLayout>
+</file>
+
+<file path=ppt/slideLayouts/slideLayout11.xml><?xml version="1.0" encoding="utf-8"?>
+<p:sldLayout xmlns:a="http://schemas.openxmlformats.org/drawingml/2006/main" xmlns:r="http://schemas.openxmlformats.org/officeDocument/2006/relationships" xmlns:p="http://schemas.openxmlformats.org/presentationml/2006/main" preserve="1">
+  <p:cSld name="Title and Caption">
+    <p:spTree>
+      <p:nvGrpSpPr>
+        <p:cNvPr id="1" name=""/>
+        <p:cNvGrpSpPr/>
+        <p:nvPr/>
+      </p:nvGrpSpPr>
+      <p:grpSpPr>
+        <a:xfrm>
+          <a:off x="0" y="0"/>
+          <a:ext cx="0" cy="0"/>
+          <a:chOff x="0" y="0"/>
+          <a:chExt cx="0" cy="0"/>
+        </a:xfrm>
+      </p:grpSpPr>
+      <p:sp>
+        <p:nvSpPr>
+          <p:cNvPr id="2" name="Title 1"/>
+          <p:cNvSpPr>
+            <a:spLocks noGrp="1"/>
+          </p:cNvSpPr>
+          <p:nvPr>
+            <p:ph type="title"/>
+          </p:nvPr>
+        </p:nvSpPr>
+        <p:spPr>
+          <a:xfrm>
+            <a:off x="913795" y="608437"/>
+            <a:ext cx="10353762" cy="3534344"/>
+          </a:xfrm>
+        </p:spPr>
+        <p:txBody>
+          <a:bodyPr anchor="ctr"/>
+          <a:lstStyle>
+            <a:lvl1pPr>
+              <a:defRPr sz="3200"/>
+            </a:lvl1pPr>
+          </a:lstStyle>
+          <a:p>
+            <a:r>
+              <a:rPr lang="en-US"/>
+              <a:t>Click to edit Master title style</a:t>
+            </a:r>
+            <a:endParaRPr lang="en-US" dirty="0"/>
+          </a:p>
+        </p:txBody>
+      </p:sp>
+      <p:sp>
+        <p:nvSpPr>
+          <p:cNvPr id="4" name="Text Placeholder 3"/>
+          <p:cNvSpPr>
+            <a:spLocks noGrp="1"/>
+          </p:cNvSpPr>
+          <p:nvPr>
+            <p:ph type="body" sz="half" idx="2"/>
+          </p:nvPr>
+        </p:nvSpPr>
+        <p:spPr>
+          <a:xfrm>
+            <a:off x="913794" y="4295180"/>
+            <a:ext cx="10353763" cy="1501826"/>
+          </a:xfrm>
+        </p:spPr>
+        <p:txBody>
+          <a:bodyPr anchor="ctr"/>
+          <a:lstStyle>
+            <a:lvl1pPr marL="0" indent="0" algn="ctr">
+              <a:buNone/>
+              <a:defRPr sz="1600"/>
+            </a:lvl1pPr>
+            <a:lvl2pPr marL="457200" indent="0">
+              <a:buNone/>
+              <a:defRPr sz="1400"/>
+            </a:lvl2pPr>
+            <a:lvl3pPr marL="914400" indent="0">
+              <a:buNone/>
+              <a:defRPr sz="1200"/>
+            </a:lvl3pPr>
+            <a:lvl4pPr marL="1371600" indent="0">
+              <a:buNone/>
+              <a:defRPr sz="1000"/>
+            </a:lvl4pPr>
+            <a:lvl5pPr marL="1828800" indent="0">
+              <a:buNone/>
+              <a:defRPr sz="1000"/>
+            </a:lvl5pPr>
+            <a:lvl6pPr marL="2286000" indent="0">
+              <a:buNone/>
+              <a:defRPr sz="1000"/>
+            </a:lvl6pPr>
+            <a:lvl7pPr marL="2743200" indent="0">
+              <a:buNone/>
+              <a:defRPr sz="1000"/>
+            </a:lvl7pPr>
+            <a:lvl8pPr marL="3200400" indent="0">
+              <a:buNone/>
+              <a:defRPr sz="1000"/>
+            </a:lvl8pPr>
+            <a:lvl9pPr marL="3657600" indent="0">
+              <a:buNone/>
+              <a:defRPr sz="1000"/>
+            </a:lvl9pPr>
+          </a:lstStyle>
+          <a:p>
+            <a:pPr lvl="0"/>
+            <a:r>
+              <a:rPr lang="en-US"/>
+              <a:t>Edit Master text styles</a:t>
+            </a:r>
+          </a:p>
+        </p:txBody>
+      </p:sp>
+      <p:sp>
+        <p:nvSpPr>
+          <p:cNvPr id="5" name="Date Placeholder 4"/>
+          <p:cNvSpPr>
+            <a:spLocks noGrp="1"/>
+          </p:cNvSpPr>
+          <p:nvPr>
+            <p:ph type="dt" sz="half" idx="10"/>
+          </p:nvPr>
+        </p:nvSpPr>
+        <p:spPr/>
+        <p:txBody>
+          <a:bodyPr/>
+          <a:lstStyle/>
+          <a:p>
+            <a:fld id="{603F06EE-F07F-4A2D-9CB8-B5E6AC9AF85B}" type="datetimeFigureOut">
+              <a:rPr lang="en-US" smtClean="0"/>
+              <a:t>11/7/2018</a:t>
+            </a:fld>
+            <a:endParaRPr lang="en-US"/>
+          </a:p>
+        </p:txBody>
+      </p:sp>
+      <p:sp>
+        <p:nvSpPr>
+          <p:cNvPr id="6" name="Footer Placeholder 5"/>
+          <p:cNvSpPr>
+            <a:spLocks noGrp="1"/>
+          </p:cNvSpPr>
+          <p:nvPr>
+            <p:ph type="ftr" sz="quarter" idx="11"/>
+          </p:nvPr>
+        </p:nvSpPr>
+        <p:spPr/>
+        <p:txBody>
+          <a:bodyPr/>
+          <a:lstStyle/>
+          <a:p>
+            <a:endParaRPr lang="en-US"/>
+          </a:p>
+        </p:txBody>
+      </p:sp>
+      <p:sp>
+        <p:nvSpPr>
+          <p:cNvPr id="7" name="Slide Number Placeholder 6"/>
+          <p:cNvSpPr>
+            <a:spLocks noGrp="1"/>
+          </p:cNvSpPr>
+          <p:nvPr>
+            <p:ph type="sldNum" sz="quarter" idx="12"/>
+          </p:nvPr>
+        </p:nvSpPr>
+        <p:spPr/>
+        <p:txBody>
+          <a:bodyPr/>
+          <a:lstStyle/>
+          <a:p>
+            <a:fld id="{CF32A4A4-F9A1-4A91-B19B-F6A1E6D83435}" type="slidenum">
+              <a:rPr lang="en-US" smtClean="0"/>
+              <a:t>‹#›</a:t>
+            </a:fld>
+            <a:endParaRPr lang="en-US"/>
+          </a:p>
+        </p:txBody>
+      </p:sp>
+    </p:spTree>
+    <p:extLst>
+      <p:ext uri="{BB962C8B-B14F-4D97-AF65-F5344CB8AC3E}">
+        <p14:creationId xmlns:p14="http://schemas.microsoft.com/office/powerpoint/2010/main" val="959514587"/>
+      </p:ext>
+    </p:extLst>
+  </p:cSld>
+  <p:clrMapOvr>
+    <a:masterClrMapping/>
+  </p:clrMapOvr>
+</p:sldLayout>
+</file>
+
+<file path=ppt/slideLayouts/slideLayout12.xml><?xml version="1.0" encoding="utf-8"?>
+<p:sldLayout xmlns:a="http://schemas.openxmlformats.org/drawingml/2006/main" xmlns:r="http://schemas.openxmlformats.org/officeDocument/2006/relationships" xmlns:p="http://schemas.openxmlformats.org/presentationml/2006/main" preserve="1">
+  <p:cSld name="Quote with Caption">
+    <p:spTree>
+      <p:nvGrpSpPr>
+        <p:cNvPr id="1" name=""/>
+        <p:cNvGrpSpPr/>
+        <p:nvPr/>
+      </p:nvGrpSpPr>
+      <p:grpSpPr>
+        <a:xfrm>
+          <a:off x="0" y="0"/>
+          <a:ext cx="0" cy="0"/>
+          <a:chOff x="0" y="0"/>
+          <a:chExt cx="0" cy="0"/>
+        </a:xfrm>
+      </p:grpSpPr>
+      <p:sp>
+        <p:nvSpPr>
+          <p:cNvPr id="2" name="Title 1"/>
+          <p:cNvSpPr>
+            <a:spLocks noGrp="1"/>
+          </p:cNvSpPr>
+          <p:nvPr>
+            <p:ph type="title"/>
+          </p:nvPr>
+        </p:nvSpPr>
+        <p:spPr>
+          <a:xfrm>
+            <a:off x="1446212" y="609600"/>
+            <a:ext cx="9302752" cy="2992904"/>
+          </a:xfrm>
+        </p:spPr>
+        <p:txBody>
+          <a:bodyPr anchor="ctr"/>
+          <a:lstStyle>
+            <a:lvl1pPr>
+              <a:defRPr sz="3200"/>
+            </a:lvl1pPr>
+          </a:lstStyle>
+          <a:p>
+            <a:r>
+              <a:rPr lang="en-US"/>
+              <a:t>Click to edit Master title style</a:t>
+            </a:r>
+            <a:endParaRPr lang="en-US" dirty="0"/>
+          </a:p>
+        </p:txBody>
+      </p:sp>
+      <p:sp>
+        <p:nvSpPr>
+          <p:cNvPr id="12" name="Text Placeholder 3"/>
+          <p:cNvSpPr>
+            <a:spLocks noGrp="1"/>
+          </p:cNvSpPr>
+          <p:nvPr>
+            <p:ph type="body" sz="half" idx="13"/>
+          </p:nvPr>
+        </p:nvSpPr>
+        <p:spPr>
+          <a:xfrm>
+            <a:off x="1720644" y="3610032"/>
+            <a:ext cx="8752299" cy="532749"/>
+          </a:xfrm>
+        </p:spPr>
+        <p:txBody>
+          <a:bodyPr anchor="t">
+            <a:normAutofit/>
+          </a:bodyPr>
+          <a:lstStyle>
+            <a:lvl1pPr marL="0" indent="0" algn="r">
+              <a:buNone/>
+              <a:defRPr sz="1400"/>
+            </a:lvl1pPr>
+            <a:lvl2pPr marL="457200" indent="0">
+              <a:buNone/>
+              <a:defRPr sz="1400"/>
+            </a:lvl2pPr>
+            <a:lvl3pPr marL="914400" indent="0">
+              <a:buNone/>
+              <a:defRPr sz="1200"/>
+            </a:lvl3pPr>
+            <a:lvl4pPr marL="1371600" indent="0">
+              <a:buNone/>
+              <a:defRPr sz="1000"/>
+            </a:lvl4pPr>
+            <a:lvl5pPr marL="1828800" indent="0">
+              <a:buNone/>
+              <a:defRPr sz="1000"/>
+            </a:lvl5pPr>
+            <a:lvl6pPr marL="2286000" indent="0">
+              <a:buNone/>
+              <a:defRPr sz="1000"/>
+            </a:lvl6pPr>
+            <a:lvl7pPr marL="2743200" indent="0">
+              <a:buNone/>
+              <a:defRPr sz="1000"/>
+            </a:lvl7pPr>
+            <a:lvl8pPr marL="3200400" indent="0">
+              <a:buNone/>
+              <a:defRPr sz="1000"/>
+            </a:lvl8pPr>
+            <a:lvl9pPr marL="3657600" indent="0">
+              <a:buNone/>
+              <a:defRPr sz="1000"/>
+            </a:lvl9pPr>
+          </a:lstStyle>
+          <a:p>
+            <a:pPr lvl="0"/>
+            <a:r>
+              <a:rPr lang="en-US"/>
+              <a:t>Edit Master text styles</a:t>
+            </a:r>
+          </a:p>
+        </p:txBody>
+      </p:sp>
+      <p:sp>
+        <p:nvSpPr>
+          <p:cNvPr id="4" name="Text Placeholder 3"/>
+          <p:cNvSpPr>
+            <a:spLocks noGrp="1"/>
+          </p:cNvSpPr>
+          <p:nvPr>
+            <p:ph type="body" sz="half" idx="2"/>
+          </p:nvPr>
+        </p:nvSpPr>
+        <p:spPr>
+          <a:xfrm>
+            <a:off x="913794" y="4304353"/>
+            <a:ext cx="10353763" cy="1489496"/>
+          </a:xfrm>
+        </p:spPr>
+        <p:txBody>
+          <a:bodyPr anchor="ctr">
+            <a:normAutofit/>
+          </a:bodyPr>
+          <a:lstStyle>
+            <a:lvl1pPr marL="0" indent="0" algn="ctr">
+              <a:buNone/>
+              <a:defRPr sz="1600"/>
+            </a:lvl1pPr>
+            <a:lvl2pPr marL="457200" indent="0">
+              <a:buNone/>
+              <a:defRPr sz="1400"/>
+            </a:lvl2pPr>
+            <a:lvl3pPr marL="914400" indent="0">
+              <a:buNone/>
+              <a:defRPr sz="1200"/>
+            </a:lvl3pPr>
+            <a:lvl4pPr marL="1371600" indent="0">
+              <a:buNone/>
+              <a:defRPr sz="1000"/>
+            </a:lvl4pPr>
+            <a:lvl5pPr marL="1828800" indent="0">
+              <a:buNone/>
+              <a:defRPr sz="1000"/>
+            </a:lvl5pPr>
+            <a:lvl6pPr marL="2286000" indent="0">
+              <a:buNone/>
+              <a:defRPr sz="1000"/>
+            </a:lvl6pPr>
+            <a:lvl7pPr marL="2743200" indent="0">
+              <a:buNone/>
+              <a:defRPr sz="1000"/>
+            </a:lvl7pPr>
+            <a:lvl8pPr marL="3200400" indent="0">
+              <a:buNone/>
+              <a:defRPr sz="1000"/>
+            </a:lvl8pPr>
+            <a:lvl9pPr marL="3657600" indent="0">
+              <a:buNone/>
+              <a:defRPr sz="1000"/>
+            </a:lvl9pPr>
+          </a:lstStyle>
+          <a:p>
+            <a:pPr lvl="0"/>
+            <a:r>
+              <a:rPr lang="en-US"/>
+              <a:t>Edit Master text styles</a:t>
+            </a:r>
+          </a:p>
+        </p:txBody>
+      </p:sp>
+      <p:sp>
+        <p:nvSpPr>
+          <p:cNvPr id="5" name="Date Placeholder 4"/>
+          <p:cNvSpPr>
+            <a:spLocks noGrp="1"/>
+          </p:cNvSpPr>
+          <p:nvPr>
+            <p:ph type="dt" sz="half" idx="10"/>
+          </p:nvPr>
+        </p:nvSpPr>
+        <p:spPr/>
+        <p:txBody>
+          <a:bodyPr/>
+          <a:lstStyle/>
+          <a:p>
+            <a:fld id="{603F06EE-F07F-4A2D-9CB8-B5E6AC9AF85B}" type="datetimeFigureOut">
+              <a:rPr lang="en-US" smtClean="0"/>
+              <a:t>11/7/2018</a:t>
+            </a:fld>
+            <a:endParaRPr lang="en-US"/>
+          </a:p>
+        </p:txBody>
+      </p:sp>
+      <p:sp>
+        <p:nvSpPr>
+          <p:cNvPr id="6" name="Footer Placeholder 5"/>
+          <p:cNvSpPr>
+            <a:spLocks noGrp="1"/>
+          </p:cNvSpPr>
+          <p:nvPr>
+            <p:ph type="ftr" sz="quarter" idx="11"/>
+          </p:nvPr>
+        </p:nvSpPr>
+        <p:spPr/>
+        <p:txBody>
+          <a:bodyPr/>
+          <a:lstStyle/>
+          <a:p>
+            <a:endParaRPr lang="en-US"/>
+          </a:p>
+        </p:txBody>
+      </p:sp>
+      <p:sp>
+        <p:nvSpPr>
+          <p:cNvPr id="7" name="Slide Number Placeholder 6"/>
+          <p:cNvSpPr>
+            <a:spLocks noGrp="1"/>
+          </p:cNvSpPr>
+          <p:nvPr>
+            <p:ph type="sldNum" sz="quarter" idx="12"/>
+          </p:nvPr>
+        </p:nvSpPr>
+        <p:spPr/>
+        <p:txBody>
+          <a:bodyPr/>
+          <a:lstStyle/>
+          <a:p>
+            <a:fld id="{CF32A4A4-F9A1-4A91-B19B-F6A1E6D83435}" type="slidenum">
+              <a:rPr lang="en-US" smtClean="0"/>
+              <a:t>‹#›</a:t>
+            </a:fld>
+            <a:endParaRPr lang="en-US"/>
+          </a:p>
+        </p:txBody>
+      </p:sp>
+      <p:sp>
+        <p:nvSpPr>
+          <p:cNvPr id="11" name="TextBox 10"/>
+          <p:cNvSpPr txBox="1"/>
+          <p:nvPr/>
+        </p:nvSpPr>
+        <p:spPr>
+          <a:xfrm>
+            <a:off x="990600" y="884796"/>
+            <a:ext cx="609600" cy="584776"/>
+          </a:xfrm>
+          <a:prstGeom prst="rect">
+            <a:avLst/>
+          </a:prstGeom>
+        </p:spPr>
+        <p:txBody>
+          <a:bodyPr vert="horz" lIns="91440" tIns="45720" rIns="91440" bIns="45720" rtlCol="0" anchor="ctr">
+            <a:noAutofit/>
+          </a:bodyPr>
+          <a:lstStyle>
+            <a:lvl1pPr>
+              <a:spcBef>
+                <a:spcPct val="0"/>
+              </a:spcBef>
+              <a:buNone/>
+              <a:defRPr sz="3200" b="0" cap="all">
+                <a:ln w="3175" cmpd="sng">
+                  <a:noFill/>
+                </a:ln>
+                <a:effectLst>
+                  <a:glow rad="38100">
+                    <a:schemeClr val="bg1">
+                      <a:lumMod val="65000"/>
+                      <a:lumOff val="35000"/>
+                      <a:alpha val="40000"/>
+                    </a:schemeClr>
+                  </a:glow>
+                  <a:outerShdw blurRad="28575" dist="38100" dir="14040000" algn="tl" rotWithShape="0">
+                    <a:srgbClr val="000000">
+                      <a:alpha val="25000"/>
+                    </a:srgbClr>
+                  </a:outerShdw>
+                </a:effectLst>
+              </a:defRPr>
+            </a:lvl1pPr>
+            <a:lvl2pPr>
+              <a:defRPr>
+                <a:solidFill>
+                  <a:schemeClr val="tx2"/>
+                </a:solidFill>
+              </a:defRPr>
+            </a:lvl2pPr>
+            <a:lvl3pPr>
+              <a:defRPr>
+                <a:solidFill>
+                  <a:schemeClr val="tx2"/>
+                </a:solidFill>
+              </a:defRPr>
+            </a:lvl3pPr>
+            <a:lvl4pPr>
+              <a:defRPr>
+                <a:solidFill>
+                  <a:schemeClr val="tx2"/>
+                </a:solidFill>
+              </a:defRPr>
+            </a:lvl4pPr>
+            <a:lvl5pPr>
+              <a:defRPr>
+                <a:solidFill>
+                  <a:schemeClr val="tx2"/>
+                </a:solidFill>
+              </a:defRPr>
+            </a:lvl5pPr>
+            <a:lvl6pPr>
+              <a:defRPr>
+                <a:solidFill>
+                  <a:schemeClr val="tx2"/>
+                </a:solidFill>
+              </a:defRPr>
+            </a:lvl6pPr>
+            <a:lvl7pPr>
+              <a:defRPr>
+                <a:solidFill>
+                  <a:schemeClr val="tx2"/>
+                </a:solidFill>
+              </a:defRPr>
+            </a:lvl7pPr>
+            <a:lvl8pPr>
+              <a:defRPr>
+                <a:solidFill>
+                  <a:schemeClr val="tx2"/>
+                </a:solidFill>
+              </a:defRPr>
+            </a:lvl8pPr>
+            <a:lvl9pPr>
+              <a:defRPr>
+                <a:solidFill>
+                  <a:schemeClr val="tx2"/>
+                </a:solidFill>
+              </a:defRPr>
+            </a:lvl9pPr>
+          </a:lstStyle>
+          <a:p>
+            <a:pPr lvl="0"/>
+            <a:r>
+              <a:rPr lang="en-US" sz="8000" dirty="0">
+                <a:solidFill>
+                  <a:schemeClr val="tx1"/>
+                </a:solidFill>
+                <a:effectLst/>
+              </a:rPr>
+              <a:t>“</a:t>
+            </a:r>
+          </a:p>
+        </p:txBody>
+      </p:sp>
+      <p:sp>
+        <p:nvSpPr>
+          <p:cNvPr id="13" name="TextBox 12"/>
+          <p:cNvSpPr txBox="1"/>
+          <p:nvPr/>
+        </p:nvSpPr>
+        <p:spPr>
+          <a:xfrm>
+            <a:off x="10504716" y="2928258"/>
+            <a:ext cx="609600" cy="584776"/>
+          </a:xfrm>
+          <a:prstGeom prst="rect">
+            <a:avLst/>
+          </a:prstGeom>
+        </p:spPr>
+        <p:txBody>
+          <a:bodyPr vert="horz" lIns="91440" tIns="45720" rIns="91440" bIns="45720" rtlCol="0" anchor="ctr">
+            <a:noAutofit/>
+          </a:bodyPr>
+          <a:lstStyle>
+            <a:lvl1pPr>
+              <a:spcBef>
+                <a:spcPct val="0"/>
+              </a:spcBef>
+              <a:buNone/>
+              <a:defRPr sz="3200" b="0" cap="all">
+                <a:ln w="3175" cmpd="sng">
+                  <a:noFill/>
+                </a:ln>
+                <a:effectLst>
+                  <a:glow rad="38100">
+                    <a:schemeClr val="bg1">
+                      <a:lumMod val="65000"/>
+                      <a:lumOff val="35000"/>
+                      <a:alpha val="40000"/>
+                    </a:schemeClr>
+                  </a:glow>
+                  <a:outerShdw blurRad="28575" dist="38100" dir="14040000" algn="tl" rotWithShape="0">
+                    <a:srgbClr val="000000">
+                      <a:alpha val="25000"/>
+                    </a:srgbClr>
+                  </a:outerShdw>
+                </a:effectLst>
+              </a:defRPr>
+            </a:lvl1pPr>
+            <a:lvl2pPr>
+              <a:defRPr>
+                <a:solidFill>
+                  <a:schemeClr val="tx2"/>
+                </a:solidFill>
+              </a:defRPr>
+            </a:lvl2pPr>
+            <a:lvl3pPr>
+              <a:defRPr>
+                <a:solidFill>
+                  <a:schemeClr val="tx2"/>
+                </a:solidFill>
+              </a:defRPr>
+            </a:lvl3pPr>
+            <a:lvl4pPr>
+              <a:defRPr>
+                <a:solidFill>
+                  <a:schemeClr val="tx2"/>
+                </a:solidFill>
+              </a:defRPr>
+            </a:lvl4pPr>
+            <a:lvl5pPr>
+              <a:defRPr>
+                <a:solidFill>
+                  <a:schemeClr val="tx2"/>
+                </a:solidFill>
+              </a:defRPr>
+            </a:lvl5pPr>
+            <a:lvl6pPr>
+              <a:defRPr>
+                <a:solidFill>
+                  <a:schemeClr val="tx2"/>
+                </a:solidFill>
+              </a:defRPr>
+            </a:lvl6pPr>
+            <a:lvl7pPr>
+              <a:defRPr>
+                <a:solidFill>
+                  <a:schemeClr val="tx2"/>
+                </a:solidFill>
+              </a:defRPr>
+            </a:lvl7pPr>
+            <a:lvl8pPr>
+              <a:defRPr>
+                <a:solidFill>
+                  <a:schemeClr val="tx2"/>
+                </a:solidFill>
+              </a:defRPr>
+            </a:lvl8pPr>
+            <a:lvl9pPr>
+              <a:defRPr>
+                <a:solidFill>
+                  <a:schemeClr val="tx2"/>
+                </a:solidFill>
+              </a:defRPr>
+            </a:lvl9pPr>
+          </a:lstStyle>
+          <a:p>
+            <a:pPr lvl="0" algn="r"/>
+            <a:r>
+              <a:rPr lang="en-US" sz="8000" dirty="0">
+                <a:solidFill>
+                  <a:schemeClr val="tx1"/>
+                </a:solidFill>
+                <a:effectLst/>
+              </a:rPr>
+              <a:t>”</a:t>
+            </a:r>
+          </a:p>
+        </p:txBody>
+      </p:sp>
+    </p:spTree>
+    <p:extLst>
+      <p:ext uri="{BB962C8B-B14F-4D97-AF65-F5344CB8AC3E}">
+        <p14:creationId xmlns:p14="http://schemas.microsoft.com/office/powerpoint/2010/main" val="3735441273"/>
+      </p:ext>
+    </p:extLst>
+  </p:cSld>
+  <p:clrMapOvr>
+    <a:masterClrMapping/>
+  </p:clrMapOvr>
+</p:sldLayout>
+</file>
+
+<file path=ppt/slideLayouts/slideLayout13.xml><?xml version="1.0" encoding="utf-8"?>
+<p:sldLayout xmlns:a="http://schemas.openxmlformats.org/drawingml/2006/main" xmlns:r="http://schemas.openxmlformats.org/officeDocument/2006/relationships" xmlns:p="http://schemas.openxmlformats.org/presentationml/2006/main" preserve="1">
+  <p:cSld name="Name Card">
+    <p:spTree>
+      <p:nvGrpSpPr>
+        <p:cNvPr id="1" name=""/>
+        <p:cNvGrpSpPr/>
+        <p:nvPr/>
+      </p:nvGrpSpPr>
+      <p:grpSpPr>
+        <a:xfrm>
+          <a:off x="0" y="0"/>
+          <a:ext cx="0" cy="0"/>
+          <a:chOff x="0" y="0"/>
+          <a:chExt cx="0" cy="0"/>
+        </a:xfrm>
+      </p:grpSpPr>
+      <p:sp>
+        <p:nvSpPr>
+          <p:cNvPr id="2" name="Title 1"/>
+          <p:cNvSpPr>
+            <a:spLocks noGrp="1"/>
+          </p:cNvSpPr>
+          <p:nvPr>
+            <p:ph type="title"/>
+          </p:nvPr>
+        </p:nvSpPr>
+        <p:spPr>
+          <a:xfrm>
+            <a:off x="913794" y="2126942"/>
+            <a:ext cx="10353763" cy="2511835"/>
+          </a:xfrm>
+        </p:spPr>
+        <p:txBody>
+          <a:bodyPr anchor="b"/>
+          <a:lstStyle>
+            <a:lvl1pPr>
+              <a:defRPr sz="3200"/>
+            </a:lvl1pPr>
+          </a:lstStyle>
+          <a:p>
+            <a:r>
+              <a:rPr lang="en-US"/>
+              <a:t>Click to edit Master title style</a:t>
+            </a:r>
+            <a:endParaRPr lang="en-US" dirty="0"/>
+          </a:p>
+        </p:txBody>
+      </p:sp>
+      <p:sp>
+        <p:nvSpPr>
+          <p:cNvPr id="4" name="Text Placeholder 3"/>
+          <p:cNvSpPr>
+            <a:spLocks noGrp="1"/>
+          </p:cNvSpPr>
+          <p:nvPr>
+            <p:ph type="body" sz="half" idx="2"/>
+          </p:nvPr>
+        </p:nvSpPr>
+        <p:spPr>
+          <a:xfrm>
+            <a:off x="913784" y="4650556"/>
+            <a:ext cx="10352199" cy="1140644"/>
+          </a:xfrm>
+        </p:spPr>
+        <p:txBody>
+          <a:bodyPr anchor="t"/>
+          <a:lstStyle>
+            <a:lvl1pPr marL="0" indent="0" algn="ctr">
+              <a:buNone/>
+              <a:defRPr sz="1600"/>
+            </a:lvl1pPr>
+            <a:lvl2pPr marL="457200" indent="0">
+              <a:buNone/>
+              <a:defRPr sz="1400"/>
+            </a:lvl2pPr>
+            <a:lvl3pPr marL="914400" indent="0">
+              <a:buNone/>
+              <a:defRPr sz="1200"/>
+            </a:lvl3pPr>
+            <a:lvl4pPr marL="1371600" indent="0">
+              <a:buNone/>
+              <a:defRPr sz="1000"/>
+            </a:lvl4pPr>
+            <a:lvl5pPr marL="1828800" indent="0">
+              <a:buNone/>
+              <a:defRPr sz="1000"/>
+            </a:lvl5pPr>
+            <a:lvl6pPr marL="2286000" indent="0">
+              <a:buNone/>
+              <a:defRPr sz="1000"/>
+            </a:lvl6pPr>
+            <a:lvl7pPr marL="2743200" indent="0">
+              <a:buNone/>
+              <a:defRPr sz="1000"/>
+            </a:lvl7pPr>
+            <a:lvl8pPr marL="3200400" indent="0">
+              <a:buNone/>
+              <a:defRPr sz="1000"/>
+            </a:lvl8pPr>
+            <a:lvl9pPr marL="3657600" indent="0">
+              <a:buNone/>
+              <a:defRPr sz="1000"/>
+            </a:lvl9pPr>
+          </a:lstStyle>
+          <a:p>
+            <a:pPr lvl="0"/>
+            <a:r>
+              <a:rPr lang="en-US"/>
+              <a:t>Edit Master text styles</a:t>
+            </a:r>
+          </a:p>
+        </p:txBody>
+      </p:sp>
+      <p:sp>
+        <p:nvSpPr>
+          <p:cNvPr id="5" name="Date Placeholder 4"/>
+          <p:cNvSpPr>
+            <a:spLocks noGrp="1"/>
+          </p:cNvSpPr>
+          <p:nvPr>
+            <p:ph type="dt" sz="half" idx="10"/>
+          </p:nvPr>
+        </p:nvSpPr>
+        <p:spPr/>
+        <p:txBody>
+          <a:bodyPr/>
+          <a:lstStyle/>
+          <a:p>
+            <a:fld id="{603F06EE-F07F-4A2D-9CB8-B5E6AC9AF85B}" type="datetimeFigureOut">
+              <a:rPr lang="en-US" smtClean="0"/>
+              <a:t>11/7/2018</a:t>
+            </a:fld>
+            <a:endParaRPr lang="en-US"/>
+          </a:p>
+        </p:txBody>
+      </p:sp>
+      <p:sp>
+        <p:nvSpPr>
+          <p:cNvPr id="6" name="Footer Placeholder 5"/>
+          <p:cNvSpPr>
+            <a:spLocks noGrp="1"/>
+          </p:cNvSpPr>
+          <p:nvPr>
+            <p:ph type="ftr" sz="quarter" idx="11"/>
+          </p:nvPr>
+        </p:nvSpPr>
+        <p:spPr/>
+        <p:txBody>
+          <a:bodyPr/>
+          <a:lstStyle/>
+          <a:p>
+            <a:endParaRPr lang="en-US"/>
+          </a:p>
+        </p:txBody>
+      </p:sp>
+      <p:sp>
+        <p:nvSpPr>
+          <p:cNvPr id="7" name="Slide Number Placeholder 6"/>
+          <p:cNvSpPr>
+            <a:spLocks noGrp="1"/>
+          </p:cNvSpPr>
+          <p:nvPr>
+            <p:ph type="sldNum" sz="quarter" idx="12"/>
+          </p:nvPr>
+        </p:nvSpPr>
+        <p:spPr/>
+        <p:txBody>
+          <a:bodyPr/>
+          <a:lstStyle/>
+          <a:p>
+            <a:fld id="{CF32A4A4-F9A1-4A91-B19B-F6A1E6D83435}" type="slidenum">
+              <a:rPr lang="en-US" smtClean="0"/>
+              <a:t>‹#›</a:t>
+            </a:fld>
+            <a:endParaRPr lang="en-US"/>
+          </a:p>
+        </p:txBody>
+      </p:sp>
+    </p:spTree>
+    <p:extLst>
+      <p:ext uri="{BB962C8B-B14F-4D97-AF65-F5344CB8AC3E}">
+        <p14:creationId xmlns:p14="http://schemas.microsoft.com/office/powerpoint/2010/main" val="658933130"/>
+      </p:ext>
+    </p:extLst>
+  </p:cSld>
+  <p:clrMapOvr>
+    <a:masterClrMapping/>
+  </p:clrMapOvr>
+</p:sldLayout>
+</file>
+
+<file path=ppt/slideLayouts/slideLayout14.xml><?xml version="1.0" encoding="utf-8"?>
+<p:sldLayout xmlns:a="http://schemas.openxmlformats.org/drawingml/2006/main" xmlns:r="http://schemas.openxmlformats.org/officeDocument/2006/relationships" xmlns:p="http://schemas.openxmlformats.org/presentationml/2006/main" preserve="1">
+  <p:cSld name="3 Column">
+    <p:spTree>
+      <p:nvGrpSpPr>
+        <p:cNvPr id="1" name=""/>
+        <p:cNvGrpSpPr/>
+        <p:nvPr/>
+      </p:nvGrpSpPr>
+      <p:grpSpPr>
+        <a:xfrm>
+          <a:off x="0" y="0"/>
+          <a:ext cx="0" cy="0"/>
+          <a:chOff x="0" y="0"/>
+          <a:chExt cx="0" cy="0"/>
+        </a:xfrm>
+      </p:grpSpPr>
+      <p:sp>
+        <p:nvSpPr>
+          <p:cNvPr id="15" name="Title 1"/>
+          <p:cNvSpPr>
+            <a:spLocks noGrp="1"/>
+          </p:cNvSpPr>
+          <p:nvPr>
+            <p:ph type="title"/>
+          </p:nvPr>
+        </p:nvSpPr>
+        <p:spPr>
+          <a:xfrm>
+            <a:off x="913795" y="609600"/>
+            <a:ext cx="10353762" cy="970450"/>
+          </a:xfrm>
+        </p:spPr>
+        <p:txBody>
+          <a:bodyPr/>
+          <a:lstStyle/>
+          <a:p>
+            <a:r>
+              <a:rPr lang="en-US"/>
+              <a:t>Click to edit Master title style</a:t>
+            </a:r>
+            <a:endParaRPr lang="en-US" dirty="0"/>
+          </a:p>
+        </p:txBody>
+      </p:sp>
+      <p:sp>
+        <p:nvSpPr>
+          <p:cNvPr id="7" name="Text Placeholder 2"/>
+          <p:cNvSpPr>
+            <a:spLocks noGrp="1"/>
+          </p:cNvSpPr>
+          <p:nvPr>
+            <p:ph type="body" idx="1"/>
+          </p:nvPr>
+        </p:nvSpPr>
+        <p:spPr>
+          <a:xfrm>
+            <a:off x="913795" y="1885950"/>
+            <a:ext cx="3300984" cy="576262"/>
+          </a:xfrm>
+        </p:spPr>
+        <p:txBody>
+          <a:bodyPr anchor="b">
+            <a:noAutofit/>
+          </a:bodyPr>
+          <a:lstStyle>
+            <a:lvl1pPr marL="0" indent="0" algn="ctr">
+              <a:buNone/>
+              <a:defRPr sz="2400" b="0">
+                <a:solidFill>
+                  <a:schemeClr val="tx1"/>
+                </a:solidFill>
+              </a:defRPr>
+            </a:lvl1pPr>
+            <a:lvl2pPr marL="457200" indent="0">
+              <a:buNone/>
+              <a:defRPr sz="2000" b="1"/>
+            </a:lvl2pPr>
+            <a:lvl3pPr marL="914400" indent="0">
+              <a:buNone/>
+              <a:defRPr sz="1800" b="1"/>
+            </a:lvl3pPr>
+            <a:lvl4pPr marL="1371600" indent="0">
+              <a:buNone/>
+              <a:defRPr sz="1600" b="1"/>
+            </a:lvl4pPr>
+            <a:lvl5pPr marL="1828800" indent="0">
+              <a:buNone/>
+              <a:defRPr sz="1600" b="1"/>
+            </a:lvl5pPr>
+            <a:lvl6pPr marL="2286000" indent="0">
+              <a:buNone/>
+              <a:defRPr sz="1600" b="1"/>
+            </a:lvl6pPr>
+            <a:lvl7pPr marL="2743200" indent="0">
+              <a:buNone/>
+              <a:defRPr sz="1600" b="1"/>
+            </a:lvl7pPr>
+            <a:lvl8pPr marL="3200400" indent="0">
+              <a:buNone/>
+              <a:defRPr sz="1600" b="1"/>
+            </a:lvl8pPr>
+            <a:lvl9pPr marL="3657600" indent="0">
+              <a:buNone/>
+              <a:defRPr sz="1600" b="1"/>
+            </a:lvl9pPr>
+          </a:lstStyle>
+          <a:p>
+            <a:pPr lvl="0"/>
+            <a:r>
+              <a:rPr lang="en-US"/>
+              <a:t>Edit Master text styles</a:t>
+            </a:r>
+          </a:p>
+        </p:txBody>
+      </p:sp>
+      <p:sp>
+        <p:nvSpPr>
+          <p:cNvPr id="8" name="Text Placeholder 3"/>
+          <p:cNvSpPr>
+            <a:spLocks noGrp="1"/>
+          </p:cNvSpPr>
+          <p:nvPr>
+            <p:ph type="body" sz="half" idx="15"/>
+          </p:nvPr>
+        </p:nvSpPr>
+        <p:spPr>
+          <a:xfrm>
+            <a:off x="913795" y="2571750"/>
+            <a:ext cx="3300984" cy="3219450"/>
+          </a:xfrm>
+        </p:spPr>
+        <p:txBody>
+          <a:bodyPr anchor="t">
+            <a:normAutofit/>
+          </a:bodyPr>
+          <a:lstStyle>
+            <a:lvl1pPr marL="0" indent="0" algn="ctr">
+              <a:buNone/>
+              <a:defRPr sz="1400"/>
+            </a:lvl1pPr>
+            <a:lvl2pPr marL="457200" indent="0">
+              <a:buNone/>
+              <a:defRPr sz="1200"/>
+            </a:lvl2pPr>
+            <a:lvl3pPr marL="914400" indent="0">
+              <a:buNone/>
+              <a:defRPr sz="1000"/>
+            </a:lvl3pPr>
+            <a:lvl4pPr marL="1371600" indent="0">
+              <a:buNone/>
+              <a:defRPr sz="900"/>
+            </a:lvl4pPr>
+            <a:lvl5pPr marL="1828800" indent="0">
+              <a:buNone/>
+              <a:defRPr sz="900"/>
+            </a:lvl5pPr>
+            <a:lvl6pPr marL="2286000" indent="0">
+              <a:buNone/>
+              <a:defRPr sz="900"/>
+            </a:lvl6pPr>
+            <a:lvl7pPr marL="2743200" indent="0">
+              <a:buNone/>
+              <a:defRPr sz="900"/>
+            </a:lvl7pPr>
+            <a:lvl8pPr marL="3200400" indent="0">
+              <a:buNone/>
+              <a:defRPr sz="900"/>
+            </a:lvl8pPr>
+            <a:lvl9pPr marL="3657600" indent="0">
+              <a:buNone/>
+              <a:defRPr sz="900"/>
+            </a:lvl9pPr>
+          </a:lstStyle>
+          <a:p>
+            <a:pPr lvl="0"/>
+            <a:r>
+              <a:rPr lang="en-US"/>
+              <a:t>Edit Master text styles</a:t>
+            </a:r>
+          </a:p>
+        </p:txBody>
+      </p:sp>
+      <p:sp>
+        <p:nvSpPr>
+          <p:cNvPr id="9" name="Text Placeholder 4"/>
+          <p:cNvSpPr>
+            <a:spLocks noGrp="1"/>
+          </p:cNvSpPr>
+          <p:nvPr>
+            <p:ph type="body" sz="quarter" idx="3"/>
+          </p:nvPr>
+        </p:nvSpPr>
+        <p:spPr>
+          <a:xfrm>
+            <a:off x="4446711" y="1885950"/>
+            <a:ext cx="3300984" cy="576262"/>
+          </a:xfrm>
+        </p:spPr>
+        <p:txBody>
+          <a:bodyPr anchor="b">
+            <a:noAutofit/>
+          </a:bodyPr>
+          <a:lstStyle>
+            <a:lvl1pPr marL="0" indent="0" algn="ctr">
+              <a:buNone/>
+              <a:defRPr sz="2400" b="0">
+                <a:solidFill>
+                  <a:schemeClr val="tx1"/>
+                </a:solidFill>
+              </a:defRPr>
+            </a:lvl1pPr>
+            <a:lvl2pPr marL="457200" indent="0">
+              <a:buNone/>
+              <a:defRPr sz="2000" b="1"/>
+            </a:lvl2pPr>
+            <a:lvl3pPr marL="914400" indent="0">
+              <a:buNone/>
+              <a:defRPr sz="1800" b="1"/>
+            </a:lvl3pPr>
+            <a:lvl4pPr marL="1371600" indent="0">
+              <a:buNone/>
+              <a:defRPr sz="1600" b="1"/>
+            </a:lvl4pPr>
+            <a:lvl5pPr marL="1828800" indent="0">
+              <a:buNone/>
+              <a:defRPr sz="1600" b="1"/>
+            </a:lvl5pPr>
+            <a:lvl6pPr marL="2286000" indent="0">
+              <a:buNone/>
+              <a:defRPr sz="1600" b="1"/>
+            </a:lvl6pPr>
+            <a:lvl7pPr marL="2743200" indent="0">
+              <a:buNone/>
+              <a:defRPr sz="1600" b="1"/>
+            </a:lvl7pPr>
+            <a:lvl8pPr marL="3200400" indent="0">
+              <a:buNone/>
+              <a:defRPr sz="1600" b="1"/>
+            </a:lvl8pPr>
+            <a:lvl9pPr marL="3657600" indent="0">
+              <a:buNone/>
+              <a:defRPr sz="1600" b="1"/>
+            </a:lvl9pPr>
+          </a:lstStyle>
+          <a:p>
+            <a:pPr lvl="0"/>
+            <a:r>
+              <a:rPr lang="en-US"/>
+              <a:t>Edit Master text styles</a:t>
+            </a:r>
+          </a:p>
+        </p:txBody>
+      </p:sp>
+      <p:sp>
+        <p:nvSpPr>
+          <p:cNvPr id="10" name="Text Placeholder 3"/>
+          <p:cNvSpPr>
+            <a:spLocks noGrp="1"/>
+          </p:cNvSpPr>
+          <p:nvPr>
+            <p:ph type="body" sz="half" idx="16"/>
+          </p:nvPr>
+        </p:nvSpPr>
+        <p:spPr>
+          <a:xfrm>
+            <a:off x="4441435" y="2571750"/>
+            <a:ext cx="3300984" cy="3219450"/>
+          </a:xfrm>
+        </p:spPr>
+        <p:txBody>
+          <a:bodyPr anchor="t">
+            <a:normAutofit/>
+          </a:bodyPr>
+          <a:lstStyle>
+            <a:lvl1pPr marL="0" indent="0" algn="ctr">
+              <a:buNone/>
+              <a:defRPr sz="1400"/>
+            </a:lvl1pPr>
+            <a:lvl2pPr marL="457200" indent="0">
+              <a:buNone/>
+              <a:defRPr sz="1200"/>
+            </a:lvl2pPr>
+            <a:lvl3pPr marL="914400" indent="0">
+              <a:buNone/>
+              <a:defRPr sz="1000"/>
+            </a:lvl3pPr>
+            <a:lvl4pPr marL="1371600" indent="0">
+              <a:buNone/>
+              <a:defRPr sz="900"/>
+            </a:lvl4pPr>
+            <a:lvl5pPr marL="1828800" indent="0">
+              <a:buNone/>
+              <a:defRPr sz="900"/>
+            </a:lvl5pPr>
+            <a:lvl6pPr marL="2286000" indent="0">
+              <a:buNone/>
+              <a:defRPr sz="900"/>
+            </a:lvl6pPr>
+            <a:lvl7pPr marL="2743200" indent="0">
+              <a:buNone/>
+              <a:defRPr sz="900"/>
+            </a:lvl7pPr>
+            <a:lvl8pPr marL="3200400" indent="0">
+              <a:buNone/>
+              <a:defRPr sz="900"/>
+            </a:lvl8pPr>
+            <a:lvl9pPr marL="3657600" indent="0">
+              <a:buNone/>
+              <a:defRPr sz="900"/>
+            </a:lvl9pPr>
+          </a:lstStyle>
+          <a:p>
+            <a:pPr lvl="0"/>
+            <a:r>
+              <a:rPr lang="en-US"/>
+              <a:t>Edit Master text styles</a:t>
+            </a:r>
+          </a:p>
+        </p:txBody>
+      </p:sp>
+      <p:sp>
+        <p:nvSpPr>
+          <p:cNvPr id="11" name="Text Placeholder 4"/>
+          <p:cNvSpPr>
+            <a:spLocks noGrp="1"/>
+          </p:cNvSpPr>
+          <p:nvPr>
+            <p:ph type="body" sz="quarter" idx="13"/>
+          </p:nvPr>
+        </p:nvSpPr>
+        <p:spPr>
+          <a:xfrm>
+            <a:off x="7966572" y="1885950"/>
+            <a:ext cx="3300984" cy="576262"/>
+          </a:xfrm>
+        </p:spPr>
+        <p:txBody>
+          <a:bodyPr anchor="b">
+            <a:noAutofit/>
+          </a:bodyPr>
+          <a:lstStyle>
+            <a:lvl1pPr marL="0" indent="0" algn="ctr">
+              <a:buNone/>
+              <a:defRPr sz="2400" b="0">
+                <a:solidFill>
+                  <a:schemeClr val="tx1"/>
+                </a:solidFill>
+              </a:defRPr>
+            </a:lvl1pPr>
+            <a:lvl2pPr marL="457200" indent="0">
+              <a:buNone/>
+              <a:defRPr sz="2000" b="1"/>
+            </a:lvl2pPr>
+            <a:lvl3pPr marL="914400" indent="0">
+              <a:buNone/>
+              <a:defRPr sz="1800" b="1"/>
+            </a:lvl3pPr>
+            <a:lvl4pPr marL="1371600" indent="0">
+              <a:buNone/>
+              <a:defRPr sz="1600" b="1"/>
+            </a:lvl4pPr>
+            <a:lvl5pPr marL="1828800" indent="0">
+              <a:buNone/>
+              <a:defRPr sz="1600" b="1"/>
+            </a:lvl5pPr>
+            <a:lvl6pPr marL="2286000" indent="0">
+              <a:buNone/>
+              <a:defRPr sz="1600" b="1"/>
+            </a:lvl6pPr>
+            <a:lvl7pPr marL="2743200" indent="0">
+              <a:buNone/>
+              <a:defRPr sz="1600" b="1"/>
+            </a:lvl7pPr>
+            <a:lvl8pPr marL="3200400" indent="0">
+              <a:buNone/>
+              <a:defRPr sz="1600" b="1"/>
+            </a:lvl8pPr>
+            <a:lvl9pPr marL="3657600" indent="0">
+              <a:buNone/>
+              <a:defRPr sz="1600" b="1"/>
+            </a:lvl9pPr>
+          </a:lstStyle>
+          <a:p>
+            <a:pPr lvl="0"/>
+            <a:r>
+              <a:rPr lang="en-US"/>
+              <a:t>Edit Master text styles</a:t>
+            </a:r>
+          </a:p>
+        </p:txBody>
+      </p:sp>
+      <p:sp>
+        <p:nvSpPr>
+          <p:cNvPr id="12" name="Text Placeholder 3"/>
+          <p:cNvSpPr>
+            <a:spLocks noGrp="1"/>
+          </p:cNvSpPr>
+          <p:nvPr>
+            <p:ph type="body" sz="half" idx="17"/>
+          </p:nvPr>
+        </p:nvSpPr>
+        <p:spPr>
+          <a:xfrm>
+            <a:off x="7966572" y="2571750"/>
+            <a:ext cx="3300984" cy="3219450"/>
+          </a:xfrm>
+        </p:spPr>
+        <p:txBody>
+          <a:bodyPr anchor="t">
+            <a:normAutofit/>
+          </a:bodyPr>
+          <a:lstStyle>
+            <a:lvl1pPr marL="0" indent="0" algn="ctr">
+              <a:buNone/>
+              <a:defRPr sz="1400"/>
+            </a:lvl1pPr>
+            <a:lvl2pPr marL="457200" indent="0">
+              <a:buNone/>
+              <a:defRPr sz="1200"/>
+            </a:lvl2pPr>
+            <a:lvl3pPr marL="914400" indent="0">
+              <a:buNone/>
+              <a:defRPr sz="1000"/>
+            </a:lvl3pPr>
+            <a:lvl4pPr marL="1371600" indent="0">
+              <a:buNone/>
+              <a:defRPr sz="900"/>
+            </a:lvl4pPr>
+            <a:lvl5pPr marL="1828800" indent="0">
+              <a:buNone/>
+              <a:defRPr sz="900"/>
+            </a:lvl5pPr>
+            <a:lvl6pPr marL="2286000" indent="0">
+              <a:buNone/>
+              <a:defRPr sz="900"/>
+            </a:lvl6pPr>
+            <a:lvl7pPr marL="2743200" indent="0">
+              <a:buNone/>
+              <a:defRPr sz="900"/>
+            </a:lvl7pPr>
+            <a:lvl8pPr marL="3200400" indent="0">
+              <a:buNone/>
+              <a:defRPr sz="900"/>
+            </a:lvl8pPr>
+            <a:lvl9pPr marL="3657600" indent="0">
+              <a:buNone/>
+              <a:defRPr sz="900"/>
+            </a:lvl9pPr>
+          </a:lstStyle>
+          <a:p>
+            <a:pPr lvl="0"/>
+            <a:r>
+              <a:rPr lang="en-US"/>
+              <a:t>Edit Master text styles</a:t>
+            </a:r>
+          </a:p>
+        </p:txBody>
+      </p:sp>
+      <p:sp>
+        <p:nvSpPr>
+          <p:cNvPr id="3" name="Date Placeholder 2"/>
+          <p:cNvSpPr>
+            <a:spLocks noGrp="1"/>
+          </p:cNvSpPr>
+          <p:nvPr>
+            <p:ph type="dt" sz="half" idx="10"/>
+          </p:nvPr>
+        </p:nvSpPr>
+        <p:spPr/>
+        <p:txBody>
+          <a:bodyPr/>
+          <a:lstStyle/>
+          <a:p>
+            <a:fld id="{603F06EE-F07F-4A2D-9CB8-B5E6AC9AF85B}" type="datetimeFigureOut">
+              <a:rPr lang="en-US" smtClean="0"/>
+              <a:t>11/7/2018</a:t>
+            </a:fld>
+            <a:endParaRPr lang="en-US"/>
+          </a:p>
+        </p:txBody>
+      </p:sp>
+      <p:sp>
+        <p:nvSpPr>
+          <p:cNvPr id="4" name="Footer Placeholder 3"/>
+          <p:cNvSpPr>
+            <a:spLocks noGrp="1"/>
+          </p:cNvSpPr>
+          <p:nvPr>
+            <p:ph type="ftr" sz="quarter" idx="11"/>
+          </p:nvPr>
+        </p:nvSpPr>
+        <p:spPr/>
+        <p:txBody>
+          <a:bodyPr/>
+          <a:lstStyle/>
+          <a:p>
+            <a:endParaRPr lang="en-US"/>
+          </a:p>
+        </p:txBody>
+      </p:sp>
+      <p:sp>
+        <p:nvSpPr>
+          <p:cNvPr id="5" name="Slide Number Placeholder 4"/>
+          <p:cNvSpPr>
+            <a:spLocks noGrp="1"/>
+          </p:cNvSpPr>
+          <p:nvPr>
+            <p:ph type="sldNum" sz="quarter" idx="12"/>
+          </p:nvPr>
+        </p:nvSpPr>
+        <p:spPr/>
+        <p:txBody>
+          <a:bodyPr/>
+          <a:lstStyle/>
+          <a:p>
+            <a:fld id="{CF32A4A4-F9A1-4A91-B19B-F6A1E6D83435}" type="slidenum">
+              <a:rPr lang="en-US" smtClean="0"/>
+              <a:t>‹#›</a:t>
+            </a:fld>
+            <a:endParaRPr lang="en-US"/>
+          </a:p>
+        </p:txBody>
+      </p:sp>
+    </p:spTree>
+    <p:extLst>
+      <p:ext uri="{BB962C8B-B14F-4D97-AF65-F5344CB8AC3E}">
+        <p14:creationId xmlns:p14="http://schemas.microsoft.com/office/powerpoint/2010/main" val="3520540085"/>
+      </p:ext>
+    </p:extLst>
+  </p:cSld>
+  <p:clrMapOvr>
+    <a:masterClrMapping/>
+  </p:clrMapOvr>
+</p:sldLayout>
+</file>
+
+<file path=ppt/slideLayouts/slideLayout15.xml><?xml version="1.0" encoding="utf-8"?>
+<p:sldLayout xmlns:a="http://schemas.openxmlformats.org/drawingml/2006/main" xmlns:r="http://schemas.openxmlformats.org/officeDocument/2006/relationships" xmlns:p="http://schemas.openxmlformats.org/presentationml/2006/main" preserve="1">
+  <p:cSld name="3 Picture Column">
+    <p:spTree>
+      <p:nvGrpSpPr>
+        <p:cNvPr id="1" name=""/>
+        <p:cNvGrpSpPr/>
+        <p:nvPr/>
+      </p:nvGrpSpPr>
+      <p:grpSpPr>
+        <a:xfrm>
+          <a:off x="0" y="0"/>
+          <a:ext cx="0" cy="0"/>
+          <a:chOff x="0" y="0"/>
+          <a:chExt cx="0" cy="0"/>
+        </a:xfrm>
+      </p:grpSpPr>
+      <p:pic>
+        <p:nvPicPr>
+          <p:cNvPr id="2" name="Picture 1" descr="Slate-V2-HD-3colPhotoInset.png"/>
+          <p:cNvPicPr>
+            <a:picLocks noChangeAspect="1"/>
+          </p:cNvPicPr>
+          <p:nvPr/>
+        </p:nvPicPr>
+        <p:blipFill>
+          <a:blip r:embed="rId2">
+            <a:extLst>
+              <a:ext uri="{28A0092B-C50C-407E-A947-70E740481C1C}">
+                <a14:useLocalDpi xmlns:a14="http://schemas.microsoft.com/office/drawing/2010/main" val="0"/>
+              </a:ext>
+            </a:extLst>
+          </a:blip>
+          <a:stretch>
+            <a:fillRect/>
+          </a:stretch>
+        </p:blipFill>
+        <p:spPr>
+          <a:xfrm>
+            <a:off x="897962" y="1818214"/>
+            <a:ext cx="3339972" cy="1847851"/>
+          </a:xfrm>
+          <a:prstGeom prst="rect">
+            <a:avLst/>
+          </a:prstGeom>
+        </p:spPr>
+      </p:pic>
+      <p:pic>
+        <p:nvPicPr>
+          <p:cNvPr id="36" name="Picture 35" descr="Slate-V2-HD-3colPhotoInset.png"/>
+          <p:cNvPicPr>
+            <a:picLocks noChangeAspect="1"/>
+          </p:cNvPicPr>
+          <p:nvPr/>
+        </p:nvPicPr>
+        <p:blipFill>
+          <a:blip r:embed="rId2">
+            <a:extLst>
+              <a:ext uri="{28A0092B-C50C-407E-A947-70E740481C1C}">
+                <a14:useLocalDpi xmlns:a14="http://schemas.microsoft.com/office/drawing/2010/main" val="0"/>
+              </a:ext>
+            </a:extLst>
+          </a:blip>
+          <a:stretch>
+            <a:fillRect/>
+          </a:stretch>
+        </p:blipFill>
+        <p:spPr>
+          <a:xfrm>
+            <a:off x="4403800" y="1818214"/>
+            <a:ext cx="3339972" cy="1847851"/>
+          </a:xfrm>
+          <a:prstGeom prst="rect">
+            <a:avLst/>
+          </a:prstGeom>
+        </p:spPr>
+      </p:pic>
+      <p:pic>
+        <p:nvPicPr>
+          <p:cNvPr id="37" name="Picture 36" descr="Slate-V2-HD-3colPhotoInset.png"/>
+          <p:cNvPicPr>
+            <a:picLocks noChangeAspect="1"/>
+          </p:cNvPicPr>
+          <p:nvPr/>
+        </p:nvPicPr>
+        <p:blipFill>
+          <a:blip r:embed="rId2">
+            <a:extLst>
+              <a:ext uri="{28A0092B-C50C-407E-A947-70E740481C1C}">
+                <a14:useLocalDpi xmlns:a14="http://schemas.microsoft.com/office/drawing/2010/main" val="0"/>
+              </a:ext>
+            </a:extLst>
+          </a:blip>
+          <a:stretch>
+            <a:fillRect/>
+          </a:stretch>
+        </p:blipFill>
+        <p:spPr>
+          <a:xfrm>
+            <a:off x="7936051" y="1818214"/>
+            <a:ext cx="3339972" cy="1847851"/>
+          </a:xfrm>
+          <a:prstGeom prst="rect">
+            <a:avLst/>
+          </a:prstGeom>
+        </p:spPr>
+      </p:pic>
+      <p:sp>
+        <p:nvSpPr>
+          <p:cNvPr id="30" name="Title 1"/>
+          <p:cNvSpPr>
+            <a:spLocks noGrp="1"/>
+          </p:cNvSpPr>
+          <p:nvPr>
+            <p:ph type="title"/>
+          </p:nvPr>
+        </p:nvSpPr>
+        <p:spPr>
+          <a:xfrm>
+            <a:off x="913794" y="609600"/>
+            <a:ext cx="10353763" cy="970450"/>
+          </a:xfrm>
+        </p:spPr>
+        <p:txBody>
+          <a:bodyPr/>
+          <a:lstStyle/>
+          <a:p>
+            <a:r>
+              <a:rPr lang="en-US"/>
+              <a:t>Click to edit Master title style</a:t>
+            </a:r>
+            <a:endParaRPr lang="en-US" dirty="0"/>
+          </a:p>
+        </p:txBody>
+      </p:sp>
+      <p:sp>
+        <p:nvSpPr>
+          <p:cNvPr id="19" name="Text Placeholder 2"/>
+          <p:cNvSpPr>
+            <a:spLocks noGrp="1"/>
+          </p:cNvSpPr>
+          <p:nvPr>
+            <p:ph type="body" idx="1"/>
+          </p:nvPr>
+        </p:nvSpPr>
+        <p:spPr>
+          <a:xfrm>
+            <a:off x="913795" y="3904106"/>
+            <a:ext cx="3300984" cy="576262"/>
+          </a:xfrm>
+        </p:spPr>
+        <p:txBody>
+          <a:bodyPr anchor="b">
+            <a:noAutofit/>
+          </a:bodyPr>
+          <a:lstStyle>
+            <a:lvl1pPr marL="0" indent="0" algn="ctr">
+              <a:buNone/>
+              <a:defRPr sz="2000" b="0">
+                <a:solidFill>
+                  <a:schemeClr val="tx1"/>
+                </a:solidFill>
+              </a:defRPr>
+            </a:lvl1pPr>
+            <a:lvl2pPr marL="457200" indent="0">
+              <a:buNone/>
+              <a:defRPr sz="2000" b="1"/>
+            </a:lvl2pPr>
+            <a:lvl3pPr marL="914400" indent="0">
+              <a:buNone/>
+              <a:defRPr sz="1800" b="1"/>
+            </a:lvl3pPr>
+            <a:lvl4pPr marL="1371600" indent="0">
+              <a:buNone/>
+              <a:defRPr sz="1600" b="1"/>
+            </a:lvl4pPr>
+            <a:lvl5pPr marL="1828800" indent="0">
+              <a:buNone/>
+              <a:defRPr sz="1600" b="1"/>
+            </a:lvl5pPr>
+            <a:lvl6pPr marL="2286000" indent="0">
+              <a:buNone/>
+              <a:defRPr sz="1600" b="1"/>
+            </a:lvl6pPr>
+            <a:lvl7pPr marL="2743200" indent="0">
+              <a:buNone/>
+              <a:defRPr sz="1600" b="1"/>
+            </a:lvl7pPr>
+            <a:lvl8pPr marL="3200400" indent="0">
+              <a:buNone/>
+              <a:defRPr sz="1600" b="1"/>
+            </a:lvl8pPr>
+            <a:lvl9pPr marL="3657600" indent="0">
+              <a:buNone/>
+              <a:defRPr sz="1600" b="1"/>
+            </a:lvl9pPr>
+          </a:lstStyle>
+          <a:p>
+            <a:pPr lvl="0"/>
+            <a:r>
+              <a:rPr lang="en-US"/>
+              <a:t>Edit Master text styles</a:t>
+            </a:r>
+          </a:p>
+        </p:txBody>
+      </p:sp>
+      <p:sp>
+        <p:nvSpPr>
+          <p:cNvPr id="20" name="Picture Placeholder 2"/>
+          <p:cNvSpPr>
+            <a:spLocks noGrp="1" noChangeAspect="1"/>
+          </p:cNvSpPr>
+          <p:nvPr>
+            <p:ph type="pic" idx="15"/>
+          </p:nvPr>
+        </p:nvSpPr>
+        <p:spPr>
+          <a:xfrm>
+            <a:off x="1018102" y="1938918"/>
+            <a:ext cx="3092368" cy="1602954"/>
+          </a:xfrm>
+          <a:prstGeom prst="roundRect">
+            <a:avLst>
+              <a:gd name="adj" fmla="val 1858"/>
+            </a:avLst>
+          </a:prstGeom>
+          <a:effectLst>
+            <a:outerShdw blurRad="38100" dist="25400" dir="4440000">
+              <a:srgbClr val="000000">
+                <a:alpha val="36000"/>
+              </a:srgbClr>
+            </a:outerShdw>
+          </a:effectLst>
+        </p:spPr>
+        <p:txBody>
+          <a:bodyPr anchor="t">
+            <a:normAutofit/>
+          </a:bodyPr>
+          <a:lstStyle>
+            <a:lvl1pPr marL="0" indent="0" algn="ctr">
+              <a:buNone/>
+              <a:defRPr sz="1600"/>
+            </a:lvl1pPr>
+            <a:lvl2pPr marL="457200" indent="0">
+              <a:buNone/>
+              <a:defRPr sz="1600"/>
+            </a:lvl2pPr>
+            <a:lvl3pPr marL="914400" indent="0">
+              <a:buNone/>
+              <a:defRPr sz="1600"/>
+            </a:lvl3pPr>
+            <a:lvl4pPr marL="1371600" indent="0">
+              <a:buNone/>
+              <a:defRPr sz="1600"/>
+            </a:lvl4pPr>
+            <a:lvl5pPr marL="1828800" indent="0">
+              <a:buNone/>
+              <a:defRPr sz="1600"/>
+            </a:lvl5pPr>
+            <a:lvl6pPr marL="2286000" indent="0">
+              <a:buNone/>
+              <a:defRPr sz="1600"/>
+            </a:lvl6pPr>
+            <a:lvl7pPr marL="2743200" indent="0">
+              <a:buNone/>
+              <a:defRPr sz="1600"/>
+            </a:lvl7pPr>
+            <a:lvl8pPr marL="3200400" indent="0">
+              <a:buNone/>
+              <a:defRPr sz="1600"/>
+            </a:lvl8pPr>
+            <a:lvl9pPr marL="3657600" indent="0">
+              <a:buNone/>
+              <a:defRPr sz="1600"/>
+            </a:lvl9pPr>
+          </a:lstStyle>
+          <a:p>
+            <a:r>
+              <a:rPr lang="en-US"/>
+              <a:t>Click icon to add picture</a:t>
+            </a:r>
+            <a:endParaRPr lang="en-US" dirty="0"/>
+          </a:p>
+        </p:txBody>
+      </p:sp>
+      <p:sp>
+        <p:nvSpPr>
+          <p:cNvPr id="21" name="Text Placeholder 3"/>
+          <p:cNvSpPr>
+            <a:spLocks noGrp="1"/>
+          </p:cNvSpPr>
+          <p:nvPr>
+            <p:ph type="body" sz="half" idx="18"/>
+          </p:nvPr>
+        </p:nvSpPr>
+        <p:spPr>
+          <a:xfrm>
+            <a:off x="913795" y="4480368"/>
+            <a:ext cx="3300984" cy="1310833"/>
+          </a:xfrm>
+        </p:spPr>
+        <p:txBody>
+          <a:bodyPr anchor="t">
+            <a:normAutofit/>
+          </a:bodyPr>
+          <a:lstStyle>
+            <a:lvl1pPr marL="0" indent="0" algn="ctr">
+              <a:buNone/>
+              <a:defRPr sz="1400"/>
+            </a:lvl1pPr>
+            <a:lvl2pPr marL="457200" indent="0">
+              <a:buNone/>
+              <a:defRPr sz="1200"/>
+            </a:lvl2pPr>
+            <a:lvl3pPr marL="914400" indent="0">
+              <a:buNone/>
+              <a:defRPr sz="1000"/>
+            </a:lvl3pPr>
+            <a:lvl4pPr marL="1371600" indent="0">
+              <a:buNone/>
+              <a:defRPr sz="900"/>
+            </a:lvl4pPr>
+            <a:lvl5pPr marL="1828800" indent="0">
+              <a:buNone/>
+              <a:defRPr sz="900"/>
+            </a:lvl5pPr>
+            <a:lvl6pPr marL="2286000" indent="0">
+              <a:buNone/>
+              <a:defRPr sz="900"/>
+            </a:lvl6pPr>
+            <a:lvl7pPr marL="2743200" indent="0">
+              <a:buNone/>
+              <a:defRPr sz="900"/>
+            </a:lvl7pPr>
+            <a:lvl8pPr marL="3200400" indent="0">
+              <a:buNone/>
+              <a:defRPr sz="900"/>
+            </a:lvl8pPr>
+            <a:lvl9pPr marL="3657600" indent="0">
+              <a:buNone/>
+              <a:defRPr sz="900"/>
+            </a:lvl9pPr>
+          </a:lstStyle>
+          <a:p>
+            <a:pPr lvl="0"/>
+            <a:r>
+              <a:rPr lang="en-US"/>
+              <a:t>Edit Master text styles</a:t>
+            </a:r>
+          </a:p>
+        </p:txBody>
+      </p:sp>
+      <p:sp>
+        <p:nvSpPr>
+          <p:cNvPr id="22" name="Text Placeholder 4"/>
+          <p:cNvSpPr>
+            <a:spLocks noGrp="1"/>
+          </p:cNvSpPr>
+          <p:nvPr>
+            <p:ph type="body" sz="quarter" idx="3"/>
+          </p:nvPr>
+        </p:nvSpPr>
+        <p:spPr>
+          <a:xfrm>
+            <a:off x="4442788" y="3904106"/>
+            <a:ext cx="3300984" cy="576262"/>
+          </a:xfrm>
+        </p:spPr>
+        <p:txBody>
+          <a:bodyPr anchor="b">
+            <a:noAutofit/>
+          </a:bodyPr>
+          <a:lstStyle>
+            <a:lvl1pPr marL="0" indent="0" algn="ctr">
+              <a:buNone/>
+              <a:defRPr sz="2000" b="0">
+                <a:solidFill>
+                  <a:schemeClr val="tx1"/>
+                </a:solidFill>
+              </a:defRPr>
+            </a:lvl1pPr>
+            <a:lvl2pPr marL="457200" indent="0">
+              <a:buNone/>
+              <a:defRPr sz="2000" b="1"/>
+            </a:lvl2pPr>
+            <a:lvl3pPr marL="914400" indent="0">
+              <a:buNone/>
+              <a:defRPr sz="1800" b="1"/>
+            </a:lvl3pPr>
+            <a:lvl4pPr marL="1371600" indent="0">
+              <a:buNone/>
+              <a:defRPr sz="1600" b="1"/>
+            </a:lvl4pPr>
+            <a:lvl5pPr marL="1828800" indent="0">
+              <a:buNone/>
+              <a:defRPr sz="1600" b="1"/>
+            </a:lvl5pPr>
+            <a:lvl6pPr marL="2286000" indent="0">
+              <a:buNone/>
+              <a:defRPr sz="1600" b="1"/>
+            </a:lvl6pPr>
+            <a:lvl7pPr marL="2743200" indent="0">
+              <a:buNone/>
+              <a:defRPr sz="1600" b="1"/>
+            </a:lvl7pPr>
+            <a:lvl8pPr marL="3200400" indent="0">
+              <a:buNone/>
+              <a:defRPr sz="1600" b="1"/>
+            </a:lvl8pPr>
+            <a:lvl9pPr marL="3657600" indent="0">
+              <a:buNone/>
+              <a:defRPr sz="1600" b="1"/>
+            </a:lvl9pPr>
+          </a:lstStyle>
+          <a:p>
+            <a:pPr lvl="0"/>
+            <a:r>
+              <a:rPr lang="en-US"/>
+              <a:t>Edit Master text styles</a:t>
+            </a:r>
+          </a:p>
+        </p:txBody>
+      </p:sp>
+      <p:sp>
+        <p:nvSpPr>
+          <p:cNvPr id="23" name="Picture Placeholder 2"/>
+          <p:cNvSpPr>
+            <a:spLocks noGrp="1" noChangeAspect="1"/>
+          </p:cNvSpPr>
+          <p:nvPr>
+            <p:ph type="pic" idx="21"/>
+          </p:nvPr>
+        </p:nvSpPr>
+        <p:spPr>
+          <a:xfrm>
+            <a:off x="4545743" y="1939094"/>
+            <a:ext cx="3092368" cy="1608164"/>
+          </a:xfrm>
+          <a:prstGeom prst="roundRect">
+            <a:avLst>
+              <a:gd name="adj" fmla="val 1858"/>
+            </a:avLst>
+          </a:prstGeom>
+          <a:effectLst>
+            <a:outerShdw blurRad="38100" dist="25400" dir="4440000">
+              <a:srgbClr val="000000">
+                <a:alpha val="36000"/>
+              </a:srgbClr>
+            </a:outerShdw>
+          </a:effectLst>
+        </p:spPr>
+        <p:txBody>
+          <a:bodyPr anchor="t">
+            <a:normAutofit/>
+          </a:bodyPr>
+          <a:lstStyle>
+            <a:lvl1pPr marL="0" indent="0" algn="ctr">
+              <a:buNone/>
+              <a:defRPr sz="1600"/>
+            </a:lvl1pPr>
+            <a:lvl2pPr marL="457200" indent="0">
+              <a:buNone/>
+              <a:defRPr sz="1600"/>
+            </a:lvl2pPr>
+            <a:lvl3pPr marL="914400" indent="0">
+              <a:buNone/>
+              <a:defRPr sz="1600"/>
+            </a:lvl3pPr>
+            <a:lvl4pPr marL="1371600" indent="0">
+              <a:buNone/>
+              <a:defRPr sz="1600"/>
+            </a:lvl4pPr>
+            <a:lvl5pPr marL="1828800" indent="0">
+              <a:buNone/>
+              <a:defRPr sz="1600"/>
+            </a:lvl5pPr>
+            <a:lvl6pPr marL="2286000" indent="0">
+              <a:buNone/>
+              <a:defRPr sz="1600"/>
+            </a:lvl6pPr>
+            <a:lvl7pPr marL="2743200" indent="0">
+              <a:buNone/>
+              <a:defRPr sz="1600"/>
+            </a:lvl7pPr>
+            <a:lvl8pPr marL="3200400" indent="0">
+              <a:buNone/>
+              <a:defRPr sz="1600"/>
+            </a:lvl8pPr>
+            <a:lvl9pPr marL="3657600" indent="0">
+              <a:buNone/>
+              <a:defRPr sz="1600"/>
+            </a:lvl9pPr>
+          </a:lstStyle>
+          <a:p>
+            <a:r>
+              <a:rPr lang="en-US"/>
+              <a:t>Click icon to add picture</a:t>
+            </a:r>
+            <a:endParaRPr lang="en-US" dirty="0"/>
+          </a:p>
+        </p:txBody>
+      </p:sp>
+      <p:sp>
+        <p:nvSpPr>
+          <p:cNvPr id="24" name="Text Placeholder 3"/>
+          <p:cNvSpPr>
+            <a:spLocks noGrp="1"/>
+          </p:cNvSpPr>
+          <p:nvPr>
+            <p:ph type="body" sz="half" idx="19"/>
+          </p:nvPr>
+        </p:nvSpPr>
+        <p:spPr>
+          <a:xfrm>
+            <a:off x="4441435" y="4480367"/>
+            <a:ext cx="3300984" cy="1310833"/>
+          </a:xfrm>
+        </p:spPr>
+        <p:txBody>
+          <a:bodyPr anchor="t">
+            <a:normAutofit/>
+          </a:bodyPr>
+          <a:lstStyle>
+            <a:lvl1pPr marL="0" indent="0" algn="ctr">
+              <a:buNone/>
+              <a:defRPr sz="1400"/>
+            </a:lvl1pPr>
+            <a:lvl2pPr marL="457200" indent="0">
+              <a:buNone/>
+              <a:defRPr sz="1200"/>
+            </a:lvl2pPr>
+            <a:lvl3pPr marL="914400" indent="0">
+              <a:buNone/>
+              <a:defRPr sz="1000"/>
+            </a:lvl3pPr>
+            <a:lvl4pPr marL="1371600" indent="0">
+              <a:buNone/>
+              <a:defRPr sz="900"/>
+            </a:lvl4pPr>
+            <a:lvl5pPr marL="1828800" indent="0">
+              <a:buNone/>
+              <a:defRPr sz="900"/>
+            </a:lvl5pPr>
+            <a:lvl6pPr marL="2286000" indent="0">
+              <a:buNone/>
+              <a:defRPr sz="900"/>
+            </a:lvl6pPr>
+            <a:lvl7pPr marL="2743200" indent="0">
+              <a:buNone/>
+              <a:defRPr sz="900"/>
+            </a:lvl7pPr>
+            <a:lvl8pPr marL="3200400" indent="0">
+              <a:buNone/>
+              <a:defRPr sz="900"/>
+            </a:lvl8pPr>
+            <a:lvl9pPr marL="3657600" indent="0">
+              <a:buNone/>
+              <a:defRPr sz="900"/>
+            </a:lvl9pPr>
+          </a:lstStyle>
+          <a:p>
+            <a:pPr lvl="0"/>
+            <a:r>
+              <a:rPr lang="en-US"/>
+              <a:t>Edit Master text styles</a:t>
+            </a:r>
+          </a:p>
+        </p:txBody>
+      </p:sp>
+      <p:sp>
+        <p:nvSpPr>
+          <p:cNvPr id="25" name="Text Placeholder 4"/>
+          <p:cNvSpPr>
+            <a:spLocks noGrp="1"/>
+          </p:cNvSpPr>
+          <p:nvPr>
+            <p:ph type="body" sz="quarter" idx="13"/>
+          </p:nvPr>
+        </p:nvSpPr>
+        <p:spPr>
+          <a:xfrm>
+            <a:off x="7966697" y="3904106"/>
+            <a:ext cx="3300984" cy="576262"/>
+          </a:xfrm>
+        </p:spPr>
+        <p:txBody>
+          <a:bodyPr anchor="b">
+            <a:noAutofit/>
+          </a:bodyPr>
+          <a:lstStyle>
+            <a:lvl1pPr marL="0" indent="0" algn="ctr">
+              <a:buNone/>
+              <a:defRPr sz="2000" b="0">
+                <a:solidFill>
+                  <a:schemeClr val="tx1"/>
+                </a:solidFill>
+              </a:defRPr>
+            </a:lvl1pPr>
+            <a:lvl2pPr marL="457200" indent="0">
+              <a:buNone/>
+              <a:defRPr sz="2000" b="1"/>
+            </a:lvl2pPr>
+            <a:lvl3pPr marL="914400" indent="0">
+              <a:buNone/>
+              <a:defRPr sz="1800" b="1"/>
+            </a:lvl3pPr>
+            <a:lvl4pPr marL="1371600" indent="0">
+              <a:buNone/>
+              <a:defRPr sz="1600" b="1"/>
+            </a:lvl4pPr>
+            <a:lvl5pPr marL="1828800" indent="0">
+              <a:buNone/>
+              <a:defRPr sz="1600" b="1"/>
+            </a:lvl5pPr>
+            <a:lvl6pPr marL="2286000" indent="0">
+              <a:buNone/>
+              <a:defRPr sz="1600" b="1"/>
+            </a:lvl6pPr>
+            <a:lvl7pPr marL="2743200" indent="0">
+              <a:buNone/>
+              <a:defRPr sz="1600" b="1"/>
+            </a:lvl7pPr>
+            <a:lvl8pPr marL="3200400" indent="0">
+              <a:buNone/>
+              <a:defRPr sz="1600" b="1"/>
+            </a:lvl8pPr>
+            <a:lvl9pPr marL="3657600" indent="0">
+              <a:buNone/>
+              <a:defRPr sz="1600" b="1"/>
+            </a:lvl9pPr>
+          </a:lstStyle>
+          <a:p>
+            <a:pPr lvl="0"/>
+            <a:r>
+              <a:rPr lang="en-US"/>
+              <a:t>Edit Master text styles</a:t>
+            </a:r>
+          </a:p>
+        </p:txBody>
+      </p:sp>
+      <p:sp>
+        <p:nvSpPr>
+          <p:cNvPr id="26" name="Picture Placeholder 2"/>
+          <p:cNvSpPr>
+            <a:spLocks noGrp="1" noChangeAspect="1"/>
+          </p:cNvSpPr>
+          <p:nvPr>
+            <p:ph type="pic" idx="22"/>
+          </p:nvPr>
+        </p:nvSpPr>
+        <p:spPr>
+          <a:xfrm>
+            <a:off x="8075698" y="1934432"/>
+            <a:ext cx="3092368" cy="1607294"/>
+          </a:xfrm>
+          <a:prstGeom prst="roundRect">
+            <a:avLst>
+              <a:gd name="adj" fmla="val 1858"/>
+            </a:avLst>
+          </a:prstGeom>
+          <a:effectLst>
+            <a:outerShdw blurRad="38100" dist="25400" dir="4440000">
+              <a:srgbClr val="000000">
+                <a:alpha val="36000"/>
+              </a:srgbClr>
+            </a:outerShdw>
+          </a:effectLst>
+        </p:spPr>
+        <p:txBody>
+          <a:bodyPr anchor="t">
+            <a:normAutofit/>
+          </a:bodyPr>
+          <a:lstStyle>
+            <a:lvl1pPr marL="0" indent="0" algn="ctr">
+              <a:buNone/>
+              <a:defRPr sz="1600"/>
+            </a:lvl1pPr>
+            <a:lvl2pPr marL="457200" indent="0">
+              <a:buNone/>
+              <a:defRPr sz="1600"/>
+            </a:lvl2pPr>
+            <a:lvl3pPr marL="914400" indent="0">
+              <a:buNone/>
+              <a:defRPr sz="1600"/>
+            </a:lvl3pPr>
+            <a:lvl4pPr marL="1371600" indent="0">
+              <a:buNone/>
+              <a:defRPr sz="1600"/>
+            </a:lvl4pPr>
+            <a:lvl5pPr marL="1828800" indent="0">
+              <a:buNone/>
+              <a:defRPr sz="1600"/>
+            </a:lvl5pPr>
+            <a:lvl6pPr marL="2286000" indent="0">
+              <a:buNone/>
+              <a:defRPr sz="1600"/>
+            </a:lvl6pPr>
+            <a:lvl7pPr marL="2743200" indent="0">
+              <a:buNone/>
+              <a:defRPr sz="1600"/>
+            </a:lvl7pPr>
+            <a:lvl8pPr marL="3200400" indent="0">
+              <a:buNone/>
+              <a:defRPr sz="1600"/>
+            </a:lvl8pPr>
+            <a:lvl9pPr marL="3657600" indent="0">
+              <a:buNone/>
+              <a:defRPr sz="1600"/>
+            </a:lvl9pPr>
+          </a:lstStyle>
+          <a:p>
+            <a:r>
+              <a:rPr lang="en-US"/>
+              <a:t>Click icon to add picture</a:t>
+            </a:r>
+            <a:endParaRPr lang="en-US" dirty="0"/>
+          </a:p>
+        </p:txBody>
+      </p:sp>
+      <p:sp>
+        <p:nvSpPr>
+          <p:cNvPr id="27" name="Text Placeholder 3"/>
+          <p:cNvSpPr>
+            <a:spLocks noGrp="1"/>
+          </p:cNvSpPr>
+          <p:nvPr>
+            <p:ph type="body" sz="half" idx="20"/>
+          </p:nvPr>
+        </p:nvSpPr>
+        <p:spPr>
+          <a:xfrm>
+            <a:off x="7966572" y="4480365"/>
+            <a:ext cx="3300984" cy="1310835"/>
+          </a:xfrm>
+        </p:spPr>
+        <p:txBody>
+          <a:bodyPr anchor="t">
+            <a:normAutofit/>
+          </a:bodyPr>
+          <a:lstStyle>
+            <a:lvl1pPr marL="0" indent="0" algn="ctr">
+              <a:buNone/>
+              <a:defRPr sz="1400"/>
+            </a:lvl1pPr>
+            <a:lvl2pPr marL="457200" indent="0">
+              <a:buNone/>
+              <a:defRPr sz="1200"/>
+            </a:lvl2pPr>
+            <a:lvl3pPr marL="914400" indent="0">
+              <a:buNone/>
+              <a:defRPr sz="1000"/>
+            </a:lvl3pPr>
+            <a:lvl4pPr marL="1371600" indent="0">
+              <a:buNone/>
+              <a:defRPr sz="900"/>
+            </a:lvl4pPr>
+            <a:lvl5pPr marL="1828800" indent="0">
+              <a:buNone/>
+              <a:defRPr sz="900"/>
+            </a:lvl5pPr>
+            <a:lvl6pPr marL="2286000" indent="0">
+              <a:buNone/>
+              <a:defRPr sz="900"/>
+            </a:lvl6pPr>
+            <a:lvl7pPr marL="2743200" indent="0">
+              <a:buNone/>
+              <a:defRPr sz="900"/>
+            </a:lvl7pPr>
+            <a:lvl8pPr marL="3200400" indent="0">
+              <a:buNone/>
+              <a:defRPr sz="900"/>
+            </a:lvl8pPr>
+            <a:lvl9pPr marL="3657600" indent="0">
+              <a:buNone/>
+              <a:defRPr sz="900"/>
+            </a:lvl9pPr>
+          </a:lstStyle>
+          <a:p>
+            <a:pPr lvl="0"/>
+            <a:r>
+              <a:rPr lang="en-US"/>
+              <a:t>Edit Master text styles</a:t>
+            </a:r>
+          </a:p>
+        </p:txBody>
+      </p:sp>
+      <p:sp>
+        <p:nvSpPr>
+          <p:cNvPr id="3" name="Date Placeholder 2"/>
+          <p:cNvSpPr>
+            <a:spLocks noGrp="1"/>
+          </p:cNvSpPr>
+          <p:nvPr>
+            <p:ph type="dt" sz="half" idx="10"/>
+          </p:nvPr>
+        </p:nvSpPr>
+        <p:spPr/>
+        <p:txBody>
+          <a:bodyPr/>
+          <a:lstStyle/>
+          <a:p>
+            <a:fld id="{603F06EE-F07F-4A2D-9CB8-B5E6AC9AF85B}" type="datetimeFigureOut">
+              <a:rPr lang="en-US" smtClean="0"/>
+              <a:t>11/7/2018</a:t>
+            </a:fld>
+            <a:endParaRPr lang="en-US"/>
+          </a:p>
+        </p:txBody>
+      </p:sp>
+      <p:sp>
+        <p:nvSpPr>
+          <p:cNvPr id="4" name="Footer Placeholder 3"/>
+          <p:cNvSpPr>
+            <a:spLocks noGrp="1"/>
+          </p:cNvSpPr>
+          <p:nvPr>
+            <p:ph type="ftr" sz="quarter" idx="11"/>
+          </p:nvPr>
+        </p:nvSpPr>
+        <p:spPr/>
+        <p:txBody>
+          <a:bodyPr/>
+          <a:lstStyle/>
+          <a:p>
+            <a:endParaRPr lang="en-US"/>
+          </a:p>
+        </p:txBody>
+      </p:sp>
+      <p:sp>
+        <p:nvSpPr>
+          <p:cNvPr id="5" name="Slide Number Placeholder 4"/>
+          <p:cNvSpPr>
+            <a:spLocks noGrp="1"/>
+          </p:cNvSpPr>
+          <p:nvPr>
+            <p:ph type="sldNum" sz="quarter" idx="12"/>
+          </p:nvPr>
+        </p:nvSpPr>
+        <p:spPr/>
+        <p:txBody>
+          <a:bodyPr/>
+          <a:lstStyle/>
+          <a:p>
+            <a:fld id="{CF32A4A4-F9A1-4A91-B19B-F6A1E6D83435}" type="slidenum">
+              <a:rPr lang="en-US" smtClean="0"/>
+              <a:t>‹#›</a:t>
+            </a:fld>
+            <a:endParaRPr lang="en-US"/>
+          </a:p>
+        </p:txBody>
+      </p:sp>
+    </p:spTree>
+    <p:extLst>
+      <p:ext uri="{BB962C8B-B14F-4D97-AF65-F5344CB8AC3E}">
+        <p14:creationId xmlns:p14="http://schemas.microsoft.com/office/powerpoint/2010/main" val="2569489574"/>
+      </p:ext>
+    </p:extLst>
+  </p:cSld>
+  <p:clrMapOvr>
+    <a:masterClrMapping/>
+  </p:clrMapOvr>
+</p:sldLayout>
+</file>
+
+<file path=ppt/slideLayouts/slideLayout16.xml><?xml version="1.0" encoding="utf-8"?>
 <p:sldLayout xmlns:a="http://schemas.openxmlformats.org/drawingml/2006/main" xmlns:r="http://schemas.openxmlformats.org/officeDocument/2006/relationships" xmlns:p="http://schemas.openxmlformats.org/presentationml/2006/main" type="vertTx" preserve="1">
   <p:cSld name="Title and Vertical Text">
     <p:spTree>
@@ -341,10 +2971,10 @@
           <a:lstStyle/>
           <a:p>
             <a:r>
-              <a:rPr lang="en-US" smtClean="0"/>
+              <a:rPr lang="en-US"/>
               <a:t>Click to edit Master title style</a:t>
             </a:r>
-            <a:endParaRPr lang="en-US"/>
+            <a:endParaRPr lang="en-US" dirty="0"/>
           </a:p>
         </p:txBody>
       </p:sp>
@@ -360,43 +2990,43 @@
         </p:nvSpPr>
         <p:spPr/>
         <p:txBody>
-          <a:bodyPr vert="eaVert"/>
+          <a:bodyPr vert="eaVert" anchor="t"/>
           <a:lstStyle/>
           <a:p>
             <a:pPr lvl="0"/>
             <a:r>
-              <a:rPr lang="en-US" smtClean="0"/>
+              <a:rPr lang="en-US"/>
               <a:t>Edit Master text styles</a:t>
             </a:r>
           </a:p>
           <a:p>
             <a:pPr lvl="1"/>
             <a:r>
-              <a:rPr lang="en-US" smtClean="0"/>
+              <a:rPr lang="en-US"/>
               <a:t>Second level</a:t>
             </a:r>
           </a:p>
           <a:p>
             <a:pPr lvl="2"/>
             <a:r>
-              <a:rPr lang="en-US" smtClean="0"/>
+              <a:rPr lang="en-US"/>
               <a:t>Third level</a:t>
             </a:r>
           </a:p>
           <a:p>
             <a:pPr lvl="3"/>
             <a:r>
-              <a:rPr lang="en-US" smtClean="0"/>
+              <a:rPr lang="en-US"/>
               <a:t>Fourth level</a:t>
             </a:r>
           </a:p>
           <a:p>
             <a:pPr lvl="4"/>
             <a:r>
-              <a:rPr lang="en-US" smtClean="0"/>
+              <a:rPr lang="en-US"/>
               <a:t>Fifth level</a:t>
             </a:r>
-            <a:endParaRPr lang="en-US"/>
+            <a:endParaRPr lang="en-US" dirty="0"/>
           </a:p>
         </p:txBody>
       </p:sp>
@@ -417,7 +3047,7 @@
           <a:p>
             <a:fld id="{603F06EE-F07F-4A2D-9CB8-B5E6AC9AF85B}" type="datetimeFigureOut">
               <a:rPr lang="en-US" smtClean="0"/>
-              <a:t>10/29/2018</a:t>
+              <a:t>11/7/2018</a:t>
             </a:fld>
             <a:endParaRPr lang="en-US"/>
           </a:p>
@@ -468,7 +3098,7 @@
     </p:spTree>
     <p:extLst>
       <p:ext uri="{BB962C8B-B14F-4D97-AF65-F5344CB8AC3E}">
-        <p14:creationId xmlns:p14="http://schemas.microsoft.com/office/powerpoint/2010/main" val="1662427380"/>
+        <p14:creationId xmlns:p14="http://schemas.microsoft.com/office/powerpoint/2010/main" val="3674881338"/>
       </p:ext>
     </p:extLst>
   </p:cSld>
@@ -478,7 +3108,7 @@
 </p:sldLayout>
 </file>
 
-<file path=ppt/slideLayouts/slideLayout11.xml><?xml version="1.0" encoding="utf-8"?>
+<file path=ppt/slideLayouts/slideLayout17.xml><?xml version="1.0" encoding="utf-8"?>
 <p:sldLayout xmlns:a="http://schemas.openxmlformats.org/drawingml/2006/main" xmlns:r="http://schemas.openxmlformats.org/officeDocument/2006/relationships" xmlns:p="http://schemas.openxmlformats.org/presentationml/2006/main" type="vertTitleAndTx" preserve="1">
   <p:cSld name="Vertical Title and Text">
     <p:spTree>
@@ -507,19 +3137,23 @@
         </p:nvSpPr>
         <p:spPr>
           <a:xfrm>
-            <a:off x="8724900" y="365125"/>
-            <a:ext cx="2628900" cy="5811838"/>
+            <a:off x="8983068" y="609599"/>
+            <a:ext cx="2284487" cy="5181601"/>
           </a:xfrm>
         </p:spPr>
         <p:txBody>
           <a:bodyPr vert="eaVert"/>
-          <a:lstStyle/>
-          <a:p>
-            <a:r>
-              <a:rPr lang="en-US" smtClean="0"/>
+          <a:lstStyle>
+            <a:lvl1pPr algn="l">
+              <a:defRPr/>
+            </a:lvl1pPr>
+          </a:lstStyle>
+          <a:p>
+            <a:r>
+              <a:rPr lang="en-US"/>
               <a:t>Click to edit Master title style</a:t>
             </a:r>
-            <a:endParaRPr lang="en-US"/>
+            <a:endParaRPr lang="en-US" dirty="0"/>
           </a:p>
         </p:txBody>
       </p:sp>
@@ -535,48 +3169,48 @@
         </p:nvSpPr>
         <p:spPr>
           <a:xfrm>
-            <a:off x="838200" y="365125"/>
-            <a:ext cx="7734300" cy="5811838"/>
+            <a:off x="913796" y="609599"/>
+            <a:ext cx="7916872" cy="5181601"/>
           </a:xfrm>
         </p:spPr>
         <p:txBody>
-          <a:bodyPr vert="eaVert"/>
+          <a:bodyPr vert="eaVert" anchor="t"/>
           <a:lstStyle/>
           <a:p>
             <a:pPr lvl="0"/>
             <a:r>
-              <a:rPr lang="en-US" smtClean="0"/>
+              <a:rPr lang="en-US"/>
               <a:t>Edit Master text styles</a:t>
             </a:r>
           </a:p>
           <a:p>
             <a:pPr lvl="1"/>
             <a:r>
-              <a:rPr lang="en-US" smtClean="0"/>
+              <a:rPr lang="en-US"/>
               <a:t>Second level</a:t>
             </a:r>
           </a:p>
           <a:p>
             <a:pPr lvl="2"/>
             <a:r>
-              <a:rPr lang="en-US" smtClean="0"/>
+              <a:rPr lang="en-US"/>
               <a:t>Third level</a:t>
             </a:r>
           </a:p>
           <a:p>
             <a:pPr lvl="3"/>
             <a:r>
-              <a:rPr lang="en-US" smtClean="0"/>
+              <a:rPr lang="en-US"/>
               <a:t>Fourth level</a:t>
             </a:r>
           </a:p>
           <a:p>
             <a:pPr lvl="4"/>
             <a:r>
-              <a:rPr lang="en-US" smtClean="0"/>
+              <a:rPr lang="en-US"/>
               <a:t>Fifth level</a:t>
             </a:r>
-            <a:endParaRPr lang="en-US"/>
+            <a:endParaRPr lang="en-US" dirty="0"/>
           </a:p>
         </p:txBody>
       </p:sp>
@@ -597,7 +3231,7 @@
           <a:p>
             <a:fld id="{603F06EE-F07F-4A2D-9CB8-B5E6AC9AF85B}" type="datetimeFigureOut">
               <a:rPr lang="en-US" smtClean="0"/>
-              <a:t>10/29/2018</a:t>
+              <a:t>11/7/2018</a:t>
             </a:fld>
             <a:endParaRPr lang="en-US"/>
           </a:p>
@@ -648,7 +3282,7 @@
     </p:spTree>
     <p:extLst>
       <p:ext uri="{BB962C8B-B14F-4D97-AF65-F5344CB8AC3E}">
-        <p14:creationId xmlns:p14="http://schemas.microsoft.com/office/powerpoint/2010/main" val="3910905253"/>
+        <p14:creationId xmlns:p14="http://schemas.microsoft.com/office/powerpoint/2010/main" val="2577835126"/>
       </p:ext>
     </p:extLst>
   </p:cSld>
@@ -691,10 +3325,10 @@
           <a:lstStyle/>
           <a:p>
             <a:r>
-              <a:rPr lang="en-US" smtClean="0"/>
+              <a:rPr lang="en-US"/>
               <a:t>Click to edit Master title style</a:t>
             </a:r>
-            <a:endParaRPr lang="en-US"/>
+            <a:endParaRPr lang="en-US" dirty="0"/>
           </a:p>
         </p:txBody>
       </p:sp>
@@ -715,38 +3349,38 @@
           <a:p>
             <a:pPr lvl="0"/>
             <a:r>
-              <a:rPr lang="en-US" smtClean="0"/>
+              <a:rPr lang="en-US"/>
               <a:t>Edit Master text styles</a:t>
             </a:r>
           </a:p>
           <a:p>
             <a:pPr lvl="1"/>
             <a:r>
-              <a:rPr lang="en-US" smtClean="0"/>
+              <a:rPr lang="en-US"/>
               <a:t>Second level</a:t>
             </a:r>
           </a:p>
           <a:p>
             <a:pPr lvl="2"/>
             <a:r>
-              <a:rPr lang="en-US" smtClean="0"/>
+              <a:rPr lang="en-US"/>
               <a:t>Third level</a:t>
             </a:r>
           </a:p>
           <a:p>
             <a:pPr lvl="3"/>
             <a:r>
-              <a:rPr lang="en-US" smtClean="0"/>
+              <a:rPr lang="en-US"/>
               <a:t>Fourth level</a:t>
             </a:r>
           </a:p>
           <a:p>
             <a:pPr lvl="4"/>
             <a:r>
-              <a:rPr lang="en-US" smtClean="0"/>
+              <a:rPr lang="en-US"/>
               <a:t>Fifth level</a:t>
             </a:r>
-            <a:endParaRPr lang="en-US"/>
+            <a:endParaRPr lang="en-US" dirty="0"/>
           </a:p>
         </p:txBody>
       </p:sp>
@@ -767,7 +3401,7 @@
           <a:p>
             <a:fld id="{603F06EE-F07F-4A2D-9CB8-B5E6AC9AF85B}" type="datetimeFigureOut">
               <a:rPr lang="en-US" smtClean="0"/>
-              <a:t>10/29/2018</a:t>
+              <a:t>11/7/2018</a:t>
             </a:fld>
             <a:endParaRPr lang="en-US"/>
           </a:p>
@@ -818,7 +3452,7 @@
     </p:spTree>
     <p:extLst>
       <p:ext uri="{BB962C8B-B14F-4D97-AF65-F5344CB8AC3E}">
-        <p14:creationId xmlns:p14="http://schemas.microsoft.com/office/powerpoint/2010/main" val="2940112854"/>
+        <p14:creationId xmlns:p14="http://schemas.microsoft.com/office/powerpoint/2010/main" val="2273234090"/>
       </p:ext>
     </p:extLst>
   </p:cSld>
@@ -857,23 +3491,23 @@
         </p:nvSpPr>
         <p:spPr>
           <a:xfrm>
-            <a:off x="831850" y="1709738"/>
-            <a:ext cx="10515600" cy="2852737"/>
+            <a:off x="1295401" y="1761067"/>
+            <a:ext cx="9590550" cy="1828813"/>
           </a:xfrm>
         </p:spPr>
         <p:txBody>
           <a:bodyPr anchor="b"/>
           <a:lstStyle>
-            <a:lvl1pPr>
-              <a:defRPr sz="6000"/>
+            <a:lvl1pPr algn="ctr">
+              <a:defRPr sz="4000" b="0" cap="none"/>
             </a:lvl1pPr>
           </a:lstStyle>
           <a:p>
             <a:r>
-              <a:rPr lang="en-US" smtClean="0"/>
+              <a:rPr lang="en-US"/>
               <a:t>Click to edit Master title style</a:t>
             </a:r>
-            <a:endParaRPr lang="en-US"/>
+            <a:endParaRPr lang="en-US" dirty="0"/>
           </a:p>
         </p:txBody>
       </p:sp>
@@ -889,26 +3523,24 @@
         </p:nvSpPr>
         <p:spPr>
           <a:xfrm>
-            <a:off x="831850" y="4589463"/>
-            <a:ext cx="10515600" cy="1500187"/>
+            <a:off x="1295401" y="3589879"/>
+            <a:ext cx="9590550" cy="1507054"/>
           </a:xfrm>
         </p:spPr>
         <p:txBody>
-          <a:bodyPr/>
+          <a:bodyPr anchor="t"/>
           <a:lstStyle>
-            <a:lvl1pPr marL="0" indent="0">
-              <a:buNone/>
-              <a:defRPr sz="2400">
+            <a:lvl1pPr marL="0" indent="0" algn="ctr">
+              <a:buNone/>
+              <a:defRPr sz="2000">
                 <a:solidFill>
-                  <a:schemeClr val="tx1">
-                    <a:tint val="75000"/>
-                  </a:schemeClr>
+                  <a:schemeClr val="tx1"/>
                 </a:solidFill>
               </a:defRPr>
             </a:lvl1pPr>
             <a:lvl2pPr marL="457200" indent="0">
               <a:buNone/>
-              <a:defRPr sz="2000">
+              <a:defRPr sz="1800">
                 <a:solidFill>
                   <a:schemeClr val="tx1">
                     <a:tint val="75000"/>
@@ -918,7 +3550,7 @@
             </a:lvl2pPr>
             <a:lvl3pPr marL="914400" indent="0">
               <a:buNone/>
-              <a:defRPr sz="1800">
+              <a:defRPr sz="1600">
                 <a:solidFill>
                   <a:schemeClr val="tx1">
                     <a:tint val="75000"/>
@@ -928,7 +3560,7 @@
             </a:lvl3pPr>
             <a:lvl4pPr marL="1371600" indent="0">
               <a:buNone/>
-              <a:defRPr sz="1600">
+              <a:defRPr sz="1400">
                 <a:solidFill>
                   <a:schemeClr val="tx1">
                     <a:tint val="75000"/>
@@ -938,7 +3570,7 @@
             </a:lvl4pPr>
             <a:lvl5pPr marL="1828800" indent="0">
               <a:buNone/>
-              <a:defRPr sz="1600">
+              <a:defRPr sz="1400">
                 <a:solidFill>
                   <a:schemeClr val="tx1">
                     <a:tint val="75000"/>
@@ -948,7 +3580,7 @@
             </a:lvl5pPr>
             <a:lvl6pPr marL="2286000" indent="0">
               <a:buNone/>
-              <a:defRPr sz="1600">
+              <a:defRPr sz="1400">
                 <a:solidFill>
                   <a:schemeClr val="tx1">
                     <a:tint val="75000"/>
@@ -958,7 +3590,7 @@
             </a:lvl6pPr>
             <a:lvl7pPr marL="2743200" indent="0">
               <a:buNone/>
-              <a:defRPr sz="1600">
+              <a:defRPr sz="1400">
                 <a:solidFill>
                   <a:schemeClr val="tx1">
                     <a:tint val="75000"/>
@@ -968,7 +3600,7 @@
             </a:lvl7pPr>
             <a:lvl8pPr marL="3200400" indent="0">
               <a:buNone/>
-              <a:defRPr sz="1600">
+              <a:defRPr sz="1400">
                 <a:solidFill>
                   <a:schemeClr val="tx1">
                     <a:tint val="75000"/>
@@ -978,7 +3610,7 @@
             </a:lvl8pPr>
             <a:lvl9pPr marL="3657600" indent="0">
               <a:buNone/>
-              <a:defRPr sz="1600">
+              <a:defRPr sz="1400">
                 <a:solidFill>
                   <a:schemeClr val="tx1">
                     <a:tint val="75000"/>
@@ -990,7 +3622,7 @@
           <a:p>
             <a:pPr lvl="0"/>
             <a:r>
-              <a:rPr lang="en-US" smtClean="0"/>
+              <a:rPr lang="en-US"/>
               <a:t>Edit Master text styles</a:t>
             </a:r>
           </a:p>
@@ -1013,7 +3645,7 @@
           <a:p>
             <a:fld id="{603F06EE-F07F-4A2D-9CB8-B5E6AC9AF85B}" type="datetimeFigureOut">
               <a:rPr lang="en-US" smtClean="0"/>
-              <a:t>10/29/2018</a:t>
+              <a:t>11/7/2018</a:t>
             </a:fld>
             <a:endParaRPr lang="en-US"/>
           </a:p>
@@ -1064,7 +3696,7 @@
     </p:spTree>
     <p:extLst>
       <p:ext uri="{BB962C8B-B14F-4D97-AF65-F5344CB8AC3E}">
-        <p14:creationId xmlns:p14="http://schemas.microsoft.com/office/powerpoint/2010/main" val="577040726"/>
+        <p14:creationId xmlns:p14="http://schemas.microsoft.com/office/powerpoint/2010/main" val="2907055385"/>
       </p:ext>
     </p:extLst>
   </p:cSld>
@@ -1107,10 +3739,10 @@
           <a:lstStyle/>
           <a:p>
             <a:r>
-              <a:rPr lang="en-US" smtClean="0"/>
+              <a:rPr lang="en-US"/>
               <a:t>Click to edit Master title style</a:t>
             </a:r>
-            <a:endParaRPr lang="en-US"/>
+            <a:endParaRPr lang="en-US" dirty="0"/>
           </a:p>
         </p:txBody>
       </p:sp>
@@ -1126,126 +3758,130 @@
         </p:nvSpPr>
         <p:spPr>
           <a:xfrm>
-            <a:off x="838200" y="1825625"/>
-            <a:ext cx="5181600" cy="4351338"/>
+            <a:off x="913795" y="1732449"/>
+            <a:ext cx="5060497" cy="4058750"/>
           </a:xfrm>
         </p:spPr>
         <p:txBody>
+          <a:bodyPr anchor="t">
+            <a:normAutofit/>
+          </a:bodyPr>
+          <a:lstStyle/>
+          <a:p>
+            <a:pPr lvl="0"/>
+            <a:r>
+              <a:rPr lang="en-US"/>
+              <a:t>Edit Master text styles</a:t>
+            </a:r>
+          </a:p>
+          <a:p>
+            <a:pPr lvl="1"/>
+            <a:r>
+              <a:rPr lang="en-US"/>
+              <a:t>Second level</a:t>
+            </a:r>
+          </a:p>
+          <a:p>
+            <a:pPr lvl="2"/>
+            <a:r>
+              <a:rPr lang="en-US"/>
+              <a:t>Third level</a:t>
+            </a:r>
+          </a:p>
+          <a:p>
+            <a:pPr lvl="3"/>
+            <a:r>
+              <a:rPr lang="en-US"/>
+              <a:t>Fourth level</a:t>
+            </a:r>
+          </a:p>
+          <a:p>
+            <a:pPr lvl="4"/>
+            <a:r>
+              <a:rPr lang="en-US"/>
+              <a:t>Fifth level</a:t>
+            </a:r>
+            <a:endParaRPr lang="en-US" dirty="0"/>
+          </a:p>
+        </p:txBody>
+      </p:sp>
+      <p:sp>
+        <p:nvSpPr>
+          <p:cNvPr id="4" name="Content Placeholder 3"/>
+          <p:cNvSpPr>
+            <a:spLocks noGrp="1"/>
+          </p:cNvSpPr>
+          <p:nvPr>
+            <p:ph sz="half" idx="2"/>
+          </p:nvPr>
+        </p:nvSpPr>
+        <p:spPr>
+          <a:xfrm>
+            <a:off x="6202892" y="1732449"/>
+            <a:ext cx="5064665" cy="4058751"/>
+          </a:xfrm>
+        </p:spPr>
+        <p:txBody>
+          <a:bodyPr anchor="t">
+            <a:normAutofit/>
+          </a:bodyPr>
+          <a:lstStyle/>
+          <a:p>
+            <a:pPr lvl="0"/>
+            <a:r>
+              <a:rPr lang="en-US"/>
+              <a:t>Edit Master text styles</a:t>
+            </a:r>
+          </a:p>
+          <a:p>
+            <a:pPr lvl="1"/>
+            <a:r>
+              <a:rPr lang="en-US"/>
+              <a:t>Second level</a:t>
+            </a:r>
+          </a:p>
+          <a:p>
+            <a:pPr lvl="2"/>
+            <a:r>
+              <a:rPr lang="en-US"/>
+              <a:t>Third level</a:t>
+            </a:r>
+          </a:p>
+          <a:p>
+            <a:pPr lvl="3"/>
+            <a:r>
+              <a:rPr lang="en-US"/>
+              <a:t>Fourth level</a:t>
+            </a:r>
+          </a:p>
+          <a:p>
+            <a:pPr lvl="4"/>
+            <a:r>
+              <a:rPr lang="en-US"/>
+              <a:t>Fifth level</a:t>
+            </a:r>
+            <a:endParaRPr lang="en-US" dirty="0"/>
+          </a:p>
+        </p:txBody>
+      </p:sp>
+      <p:sp>
+        <p:nvSpPr>
+          <p:cNvPr id="5" name="Date Placeholder 4"/>
+          <p:cNvSpPr>
+            <a:spLocks noGrp="1"/>
+          </p:cNvSpPr>
+          <p:nvPr>
+            <p:ph type="dt" sz="half" idx="10"/>
+          </p:nvPr>
+        </p:nvSpPr>
+        <p:spPr/>
+        <p:txBody>
           <a:bodyPr/>
           <a:lstStyle/>
           <a:p>
-            <a:pPr lvl="0"/>
-            <a:r>
-              <a:rPr lang="en-US" smtClean="0"/>
-              <a:t>Edit Master text styles</a:t>
-            </a:r>
-          </a:p>
-          <a:p>
-            <a:pPr lvl="1"/>
-            <a:r>
-              <a:rPr lang="en-US" smtClean="0"/>
-              <a:t>Second level</a:t>
-            </a:r>
-          </a:p>
-          <a:p>
-            <a:pPr lvl="2"/>
-            <a:r>
-              <a:rPr lang="en-US" smtClean="0"/>
-              <a:t>Third level</a:t>
-            </a:r>
-          </a:p>
-          <a:p>
-            <a:pPr lvl="3"/>
-            <a:r>
-              <a:rPr lang="en-US" smtClean="0"/>
-              <a:t>Fourth level</a:t>
-            </a:r>
-          </a:p>
-          <a:p>
-            <a:pPr lvl="4"/>
-            <a:r>
-              <a:rPr lang="en-US" smtClean="0"/>
-              <a:t>Fifth level</a:t>
-            </a:r>
-            <a:endParaRPr lang="en-US"/>
-          </a:p>
-        </p:txBody>
-      </p:sp>
-      <p:sp>
-        <p:nvSpPr>
-          <p:cNvPr id="4" name="Content Placeholder 3"/>
-          <p:cNvSpPr>
-            <a:spLocks noGrp="1"/>
-          </p:cNvSpPr>
-          <p:nvPr>
-            <p:ph sz="half" idx="2"/>
-          </p:nvPr>
-        </p:nvSpPr>
-        <p:spPr>
-          <a:xfrm>
-            <a:off x="6172200" y="1825625"/>
-            <a:ext cx="5181600" cy="4351338"/>
-          </a:xfrm>
-        </p:spPr>
-        <p:txBody>
-          <a:bodyPr/>
-          <a:lstStyle/>
-          <a:p>
-            <a:pPr lvl="0"/>
-            <a:r>
-              <a:rPr lang="en-US" smtClean="0"/>
-              <a:t>Edit Master text styles</a:t>
-            </a:r>
-          </a:p>
-          <a:p>
-            <a:pPr lvl="1"/>
-            <a:r>
-              <a:rPr lang="en-US" smtClean="0"/>
-              <a:t>Second level</a:t>
-            </a:r>
-          </a:p>
-          <a:p>
-            <a:pPr lvl="2"/>
-            <a:r>
-              <a:rPr lang="en-US" smtClean="0"/>
-              <a:t>Third level</a:t>
-            </a:r>
-          </a:p>
-          <a:p>
-            <a:pPr lvl="3"/>
-            <a:r>
-              <a:rPr lang="en-US" smtClean="0"/>
-              <a:t>Fourth level</a:t>
-            </a:r>
-          </a:p>
-          <a:p>
-            <a:pPr lvl="4"/>
-            <a:r>
-              <a:rPr lang="en-US" smtClean="0"/>
-              <a:t>Fifth level</a:t>
-            </a:r>
-            <a:endParaRPr lang="en-US"/>
-          </a:p>
-        </p:txBody>
-      </p:sp>
-      <p:sp>
-        <p:nvSpPr>
-          <p:cNvPr id="5" name="Date Placeholder 4"/>
-          <p:cNvSpPr>
-            <a:spLocks noGrp="1"/>
-          </p:cNvSpPr>
-          <p:nvPr>
-            <p:ph type="dt" sz="half" idx="10"/>
-          </p:nvPr>
-        </p:nvSpPr>
-        <p:spPr/>
-        <p:txBody>
-          <a:bodyPr/>
-          <a:lstStyle/>
-          <a:p>
             <a:fld id="{603F06EE-F07F-4A2D-9CB8-B5E6AC9AF85B}" type="datetimeFigureOut">
               <a:rPr lang="en-US" smtClean="0"/>
-              <a:t>10/29/2018</a:t>
+              <a:t>11/7/2018</a:t>
             </a:fld>
             <a:endParaRPr lang="en-US"/>
           </a:p>
@@ -1296,7 +3932,7 @@
     </p:spTree>
     <p:extLst>
       <p:ext uri="{BB962C8B-B14F-4D97-AF65-F5344CB8AC3E}">
-        <p14:creationId xmlns:p14="http://schemas.microsoft.com/office/powerpoint/2010/main" val="1609636640"/>
+        <p14:creationId xmlns:p14="http://schemas.microsoft.com/office/powerpoint/2010/main" val="4123893105"/>
       </p:ext>
     </p:extLst>
   </p:cSld>
@@ -1323,56 +3959,117 @@
           <a:chExt cx="0" cy="0"/>
         </a:xfrm>
       </p:grpSpPr>
-      <p:sp>
-        <p:nvSpPr>
-          <p:cNvPr id="2" name="Title 1"/>
-          <p:cNvSpPr>
-            <a:spLocks noGrp="1"/>
-          </p:cNvSpPr>
-          <p:nvPr>
-            <p:ph type="title"/>
-          </p:nvPr>
-        </p:nvSpPr>
+      <p:pic>
+        <p:nvPicPr>
+          <p:cNvPr id="20" name="Picture 19" descr="Slate-V2-HD-compPhotoInset.png"/>
+          <p:cNvPicPr>
+            <a:picLocks noChangeAspect="1"/>
+          </p:cNvPicPr>
+          <p:nvPr/>
+        </p:nvPicPr>
+        <p:blipFill>
+          <a:blip r:embed="rId2">
+            <a:extLst>
+              <a:ext uri="{28A0092B-C50C-407E-A947-70E740481C1C}">
+                <a14:useLocalDpi xmlns:a14="http://schemas.microsoft.com/office/drawing/2010/main" val="0"/>
+              </a:ext>
+            </a:extLst>
+          </a:blip>
+          <a:stretch>
+            <a:fillRect/>
+          </a:stretch>
+        </p:blipFill>
         <p:spPr>
           <a:xfrm>
-            <a:off x="839788" y="365125"/>
-            <a:ext cx="10515600" cy="1325563"/>
+            <a:off x="913795" y="1734506"/>
+            <a:ext cx="5089072" cy="4148769"/>
+          </a:xfrm>
+          <a:prstGeom prst="rect">
+            <a:avLst/>
+          </a:prstGeom>
+        </p:spPr>
+      </p:pic>
+      <p:pic>
+        <p:nvPicPr>
+          <p:cNvPr id="21" name="Picture 20" descr="Slate-V2-HD-compPhotoInset.png"/>
+          <p:cNvPicPr>
+            <a:picLocks noChangeAspect="1"/>
+          </p:cNvPicPr>
+          <p:nvPr/>
+        </p:nvPicPr>
+        <p:blipFill>
+          <a:blip r:embed="rId2">
+            <a:extLst>
+              <a:ext uri="{28A0092B-C50C-407E-A947-70E740481C1C}">
+                <a14:useLocalDpi xmlns:a14="http://schemas.microsoft.com/office/drawing/2010/main" val="0"/>
+              </a:ext>
+            </a:extLst>
+          </a:blip>
+          <a:stretch>
+            <a:fillRect/>
+          </a:stretch>
+        </p:blipFill>
+        <p:spPr>
+          <a:xfrm>
+            <a:off x="6178485" y="1734506"/>
+            <a:ext cx="5089072" cy="4148769"/>
+          </a:xfrm>
+          <a:prstGeom prst="rect">
+            <a:avLst/>
+          </a:prstGeom>
+        </p:spPr>
+      </p:pic>
+      <p:sp>
+        <p:nvSpPr>
+          <p:cNvPr id="2" name="Title 1"/>
+          <p:cNvSpPr>
+            <a:spLocks noGrp="1"/>
+          </p:cNvSpPr>
+          <p:nvPr>
+            <p:ph type="title"/>
+          </p:nvPr>
+        </p:nvSpPr>
+        <p:spPr/>
+        <p:txBody>
+          <a:bodyPr/>
+          <a:lstStyle>
+            <a:lvl1pPr>
+              <a:defRPr/>
+            </a:lvl1pPr>
+          </a:lstStyle>
+          <a:p>
+            <a:r>
+              <a:rPr lang="en-US"/>
+              <a:t>Click to edit Master title style</a:t>
+            </a:r>
+            <a:endParaRPr lang="en-US" dirty="0"/>
+          </a:p>
+        </p:txBody>
+      </p:sp>
+      <p:sp>
+        <p:nvSpPr>
+          <p:cNvPr id="3" name="Text Placeholder 2"/>
+          <p:cNvSpPr>
+            <a:spLocks noGrp="1"/>
+          </p:cNvSpPr>
+          <p:nvPr>
+            <p:ph type="body" idx="1"/>
+          </p:nvPr>
+        </p:nvSpPr>
+        <p:spPr>
+          <a:xfrm>
+            <a:off x="1005872" y="1835254"/>
+            <a:ext cx="4876344" cy="544884"/>
           </a:xfrm>
         </p:spPr>
         <p:txBody>
-          <a:bodyPr/>
-          <a:lstStyle/>
-          <a:p>
-            <a:r>
-              <a:rPr lang="en-US" smtClean="0"/>
-              <a:t>Click to edit Master title style</a:t>
-            </a:r>
-            <a:endParaRPr lang="en-US"/>
-          </a:p>
-        </p:txBody>
-      </p:sp>
-      <p:sp>
-        <p:nvSpPr>
-          <p:cNvPr id="3" name="Text Placeholder 2"/>
-          <p:cNvSpPr>
-            <a:spLocks noGrp="1"/>
-          </p:cNvSpPr>
-          <p:nvPr>
-            <p:ph type="body" idx="1"/>
-          </p:nvPr>
-        </p:nvSpPr>
-        <p:spPr>
-          <a:xfrm>
-            <a:off x="839788" y="1681163"/>
-            <a:ext cx="5157787" cy="823912"/>
-          </a:xfrm>
-        </p:spPr>
-        <p:txBody>
-          <a:bodyPr anchor="b"/>
+          <a:bodyPr anchor="b">
+            <a:noAutofit/>
+          </a:bodyPr>
           <a:lstStyle>
-            <a:lvl1pPr marL="0" indent="0">
-              <a:buNone/>
-              <a:defRPr sz="2400" b="1"/>
+            <a:lvl1pPr marL="0" indent="0" algn="ctr">
+              <a:buNone/>
+              <a:defRPr sz="2400" b="0"/>
             </a:lvl1pPr>
             <a:lvl2pPr marL="457200" indent="0">
               <a:buNone/>
@@ -1410,7 +4107,7 @@
           <a:p>
             <a:pPr lvl="0"/>
             <a:r>
-              <a:rPr lang="en-US" smtClean="0"/>
+              <a:rPr lang="en-US"/>
               <a:t>Edit Master text styles</a:t>
             </a:r>
           </a:p>
@@ -1428,48 +4125,66 @@
         </p:nvSpPr>
         <p:spPr>
           <a:xfrm>
-            <a:off x="839788" y="2505075"/>
-            <a:ext cx="5157787" cy="3684588"/>
+            <a:off x="1005872" y="2380137"/>
+            <a:ext cx="4876344" cy="3411063"/>
           </a:xfrm>
         </p:spPr>
         <p:txBody>
-          <a:bodyPr/>
-          <a:lstStyle/>
+          <a:bodyPr anchor="t">
+            <a:normAutofit/>
+          </a:bodyPr>
+          <a:lstStyle>
+            <a:lvl1pPr>
+              <a:defRPr sz="1800"/>
+            </a:lvl1pPr>
+            <a:lvl2pPr>
+              <a:defRPr sz="1600"/>
+            </a:lvl2pPr>
+            <a:lvl3pPr>
+              <a:defRPr sz="1400"/>
+            </a:lvl3pPr>
+            <a:lvl4pPr>
+              <a:defRPr sz="1200"/>
+            </a:lvl4pPr>
+            <a:lvl5pPr>
+              <a:defRPr sz="1200"/>
+            </a:lvl5pPr>
+          </a:lstStyle>
           <a:p>
             <a:pPr lvl="0"/>
             <a:r>
-              <a:rPr lang="en-US" smtClean="0"/>
+              <a:rPr lang="en-US"/>
               <a:t>Edit Master text styles</a:t>
             </a:r>
           </a:p>
           <a:p>
             <a:pPr lvl="1"/>
             <a:r>
-              <a:rPr lang="en-US" smtClean="0"/>
+              <a:rPr lang="en-US"/>
               <a:t>Second level</a:t>
             </a:r>
           </a:p>
           <a:p>
             <a:pPr lvl="2"/>
             <a:r>
-              <a:rPr lang="en-US" smtClean="0"/>
+              <a:rPr lang="en-US"/>
               <a:t>Third level</a:t>
             </a:r>
           </a:p>
           <a:p>
             <a:pPr lvl="3"/>
             <a:r>
-              <a:rPr lang="en-US" smtClean="0"/>
+              <a:rPr lang="en-US"/>
               <a:t>Fourth level</a:t>
             </a:r>
           </a:p>
           <a:p>
             <a:pPr lvl="4"/>
             <a:r>
-              <a:rPr lang="en-US" smtClean="0"/>
+              <a:rPr lang="en-US"/>
               <a:t>Fifth level</a:t>
             </a:r>
-            <a:endParaRPr lang="en-US"/>
+            <a:endParaRPr lang="en-US" dirty="0"/>
           </a:p>
         </p:txBody>
       </p:sp>
@@ -1485,16 +4200,18 @@
         </p:nvSpPr>
         <p:spPr>
           <a:xfrm>
-            <a:off x="6172200" y="1681163"/>
-            <a:ext cx="5183188" cy="823912"/>
+            <a:off x="6294967" y="1835254"/>
+            <a:ext cx="4895330" cy="544883"/>
           </a:xfrm>
         </p:spPr>
         <p:txBody>
-          <a:bodyPr anchor="b"/>
+          <a:bodyPr anchor="b">
+            <a:noAutofit/>
+          </a:bodyPr>
           <a:lstStyle>
-            <a:lvl1pPr marL="0" indent="0">
-              <a:buNone/>
-              <a:defRPr sz="2400" b="1"/>
+            <a:lvl1pPr marL="0" indent="0" algn="ctr">
+              <a:buNone/>
+              <a:defRPr sz="2400" b="0"/>
             </a:lvl1pPr>
             <a:lvl2pPr marL="457200" indent="0">
               <a:buNone/>
@@ -1532,7 +4249,7 @@
           <a:p>
             <a:pPr lvl="0"/>
             <a:r>
-              <a:rPr lang="en-US" smtClean="0"/>
+              <a:rPr lang="en-US"/>
               <a:t>Edit Master text styles</a:t>
             </a:r>
           </a:p>
@@ -1550,69 +4267,87 @@
         </p:nvSpPr>
         <p:spPr>
           <a:xfrm>
-            <a:off x="6172200" y="2505075"/>
-            <a:ext cx="5183188" cy="3684588"/>
+            <a:off x="6294967" y="2380137"/>
+            <a:ext cx="4895330" cy="3411063"/>
           </a:xfrm>
         </p:spPr>
         <p:txBody>
+          <a:bodyPr anchor="t">
+            <a:normAutofit/>
+          </a:bodyPr>
+          <a:lstStyle>
+            <a:lvl1pPr>
+              <a:defRPr sz="1800"/>
+            </a:lvl1pPr>
+            <a:lvl2pPr>
+              <a:defRPr sz="1600"/>
+            </a:lvl2pPr>
+            <a:lvl3pPr>
+              <a:defRPr sz="1400"/>
+            </a:lvl3pPr>
+            <a:lvl4pPr>
+              <a:defRPr sz="1200"/>
+            </a:lvl4pPr>
+            <a:lvl5pPr>
+              <a:defRPr sz="1200"/>
+            </a:lvl5pPr>
+          </a:lstStyle>
+          <a:p>
+            <a:pPr lvl="0"/>
+            <a:r>
+              <a:rPr lang="en-US"/>
+              <a:t>Edit Master text styles</a:t>
+            </a:r>
+          </a:p>
+          <a:p>
+            <a:pPr lvl="1"/>
+            <a:r>
+              <a:rPr lang="en-US"/>
+              <a:t>Second level</a:t>
+            </a:r>
+          </a:p>
+          <a:p>
+            <a:pPr lvl="2"/>
+            <a:r>
+              <a:rPr lang="en-US"/>
+              <a:t>Third level</a:t>
+            </a:r>
+          </a:p>
+          <a:p>
+            <a:pPr lvl="3"/>
+            <a:r>
+              <a:rPr lang="en-US"/>
+              <a:t>Fourth level</a:t>
+            </a:r>
+          </a:p>
+          <a:p>
+            <a:pPr lvl="4"/>
+            <a:r>
+              <a:rPr lang="en-US"/>
+              <a:t>Fifth level</a:t>
+            </a:r>
+            <a:endParaRPr lang="en-US" dirty="0"/>
+          </a:p>
+        </p:txBody>
+      </p:sp>
+      <p:sp>
+        <p:nvSpPr>
+          <p:cNvPr id="7" name="Date Placeholder 6"/>
+          <p:cNvSpPr>
+            <a:spLocks noGrp="1"/>
+          </p:cNvSpPr>
+          <p:nvPr>
+            <p:ph type="dt" sz="half" idx="10"/>
+          </p:nvPr>
+        </p:nvSpPr>
+        <p:spPr/>
+        <p:txBody>
           <a:bodyPr/>
           <a:lstStyle/>
           <a:p>
-            <a:pPr lvl="0"/>
-            <a:r>
-              <a:rPr lang="en-US" smtClean="0"/>
-              <a:t>Edit Master text styles</a:t>
-            </a:r>
-          </a:p>
-          <a:p>
-            <a:pPr lvl="1"/>
-            <a:r>
-              <a:rPr lang="en-US" smtClean="0"/>
-              <a:t>Second level</a:t>
-            </a:r>
-          </a:p>
-          <a:p>
-            <a:pPr lvl="2"/>
-            <a:r>
-              <a:rPr lang="en-US" smtClean="0"/>
-              <a:t>Third level</a:t>
-            </a:r>
-          </a:p>
-          <a:p>
-            <a:pPr lvl="3"/>
-            <a:r>
-              <a:rPr lang="en-US" smtClean="0"/>
-              <a:t>Fourth level</a:t>
-            </a:r>
-          </a:p>
-          <a:p>
-            <a:pPr lvl="4"/>
-            <a:r>
-              <a:rPr lang="en-US" smtClean="0"/>
-              <a:t>Fifth level</a:t>
-            </a:r>
-            <a:endParaRPr lang="en-US"/>
-          </a:p>
-        </p:txBody>
-      </p:sp>
-      <p:sp>
-        <p:nvSpPr>
-          <p:cNvPr id="7" name="Date Placeholder 6"/>
-          <p:cNvSpPr>
-            <a:spLocks noGrp="1"/>
-          </p:cNvSpPr>
-          <p:nvPr>
-            <p:ph type="dt" sz="half" idx="10"/>
-          </p:nvPr>
-        </p:nvSpPr>
-        <p:spPr/>
-        <p:txBody>
-          <a:bodyPr/>
-          <a:lstStyle/>
-          <a:p>
             <a:fld id="{603F06EE-F07F-4A2D-9CB8-B5E6AC9AF85B}" type="datetimeFigureOut">
               <a:rPr lang="en-US" smtClean="0"/>
-              <a:t>10/29/2018</a:t>
+              <a:t>11/7/2018</a:t>
             </a:fld>
             <a:endParaRPr lang="en-US"/>
           </a:p>
@@ -1663,7 +4398,7 @@
     </p:spTree>
     <p:extLst>
       <p:ext uri="{BB962C8B-B14F-4D97-AF65-F5344CB8AC3E}">
-        <p14:creationId xmlns:p14="http://schemas.microsoft.com/office/powerpoint/2010/main" val="3881189374"/>
+        <p14:creationId xmlns:p14="http://schemas.microsoft.com/office/powerpoint/2010/main" val="3473939989"/>
       </p:ext>
     </p:extLst>
   </p:cSld>
@@ -1706,10 +4441,10 @@
           <a:lstStyle/>
           <a:p>
             <a:r>
-              <a:rPr lang="en-US" smtClean="0"/>
+              <a:rPr lang="en-US"/>
               <a:t>Click to edit Master title style</a:t>
             </a:r>
-            <a:endParaRPr lang="en-US"/>
+            <a:endParaRPr lang="en-US" dirty="0"/>
           </a:p>
         </p:txBody>
       </p:sp>
@@ -1730,7 +4465,7 @@
           <a:p>
             <a:fld id="{603F06EE-F07F-4A2D-9CB8-B5E6AC9AF85B}" type="datetimeFigureOut">
               <a:rPr lang="en-US" smtClean="0"/>
-              <a:t>10/29/2018</a:t>
+              <a:t>11/7/2018</a:t>
             </a:fld>
             <a:endParaRPr lang="en-US"/>
           </a:p>
@@ -1781,7 +4516,7 @@
     </p:spTree>
     <p:extLst>
       <p:ext uri="{BB962C8B-B14F-4D97-AF65-F5344CB8AC3E}">
-        <p14:creationId xmlns:p14="http://schemas.microsoft.com/office/powerpoint/2010/main" val="1421583994"/>
+        <p14:creationId xmlns:p14="http://schemas.microsoft.com/office/powerpoint/2010/main" val="2543098699"/>
       </p:ext>
     </p:extLst>
   </p:cSld>
@@ -1825,7 +4560,7 @@
           <a:p>
             <a:fld id="{603F06EE-F07F-4A2D-9CB8-B5E6AC9AF85B}" type="datetimeFigureOut">
               <a:rPr lang="en-US" smtClean="0"/>
-              <a:t>10/29/2018</a:t>
+              <a:t>11/7/2018</a:t>
             </a:fld>
             <a:endParaRPr lang="en-US"/>
           </a:p>
@@ -1876,7 +4611,7 @@
     </p:spTree>
     <p:extLst>
       <p:ext uri="{BB962C8B-B14F-4D97-AF65-F5344CB8AC3E}">
-        <p14:creationId xmlns:p14="http://schemas.microsoft.com/office/powerpoint/2010/main" val="115470712"/>
+        <p14:creationId xmlns:p14="http://schemas.microsoft.com/office/powerpoint/2010/main" val="1220531943"/>
       </p:ext>
     </p:extLst>
   </p:cSld>
@@ -1915,23 +4650,25 @@
         </p:nvSpPr>
         <p:spPr>
           <a:xfrm>
-            <a:off x="839788" y="457200"/>
-            <a:ext cx="3932237" cy="1600200"/>
+            <a:off x="913795" y="609600"/>
+            <a:ext cx="3706889" cy="1821918"/>
           </a:xfrm>
         </p:spPr>
         <p:txBody>
-          <a:bodyPr anchor="b"/>
+          <a:bodyPr anchor="b">
+            <a:normAutofit/>
+          </a:bodyPr>
           <a:lstStyle>
-            <a:lvl1pPr>
-              <a:defRPr sz="3200"/>
+            <a:lvl1pPr algn="ctr">
+              <a:defRPr sz="2400" b="0"/>
             </a:lvl1pPr>
           </a:lstStyle>
           <a:p>
             <a:r>
-              <a:rPr lang="en-US" smtClean="0"/>
+              <a:rPr lang="en-US"/>
               <a:t>Click to edit Master title style</a:t>
             </a:r>
-            <a:endParaRPr lang="en-US"/>
+            <a:endParaRPr lang="en-US" dirty="0"/>
           </a:p>
         </p:txBody>
       </p:sp>
@@ -1947,76 +4684,50 @@
         </p:nvSpPr>
         <p:spPr>
           <a:xfrm>
-            <a:off x="5183188" y="987425"/>
-            <a:ext cx="6172200" cy="4873625"/>
+            <a:off x="4855633" y="609600"/>
+            <a:ext cx="6411924" cy="5181600"/>
           </a:xfrm>
         </p:spPr>
         <p:txBody>
-          <a:bodyPr/>
-          <a:lstStyle>
-            <a:lvl1pPr>
-              <a:defRPr sz="3200"/>
-            </a:lvl1pPr>
-            <a:lvl2pPr>
-              <a:defRPr sz="2800"/>
-            </a:lvl2pPr>
-            <a:lvl3pPr>
-              <a:defRPr sz="2400"/>
-            </a:lvl3pPr>
-            <a:lvl4pPr>
-              <a:defRPr sz="2000"/>
-            </a:lvl4pPr>
-            <a:lvl5pPr>
-              <a:defRPr sz="2000"/>
-            </a:lvl5pPr>
-            <a:lvl6pPr>
-              <a:defRPr sz="2000"/>
-            </a:lvl6pPr>
-            <a:lvl7pPr>
-              <a:defRPr sz="2000"/>
-            </a:lvl7pPr>
-            <a:lvl8pPr>
-              <a:defRPr sz="2000"/>
-            </a:lvl8pPr>
-            <a:lvl9pPr>
-              <a:defRPr sz="2000"/>
-            </a:lvl9pPr>
-          </a:lstStyle>
+          <a:bodyPr>
+            <a:normAutofit/>
+          </a:bodyPr>
+          <a:lstStyle/>
           <a:p>
             <a:pPr lvl="0"/>
             <a:r>
-              <a:rPr lang="en-US" smtClean="0"/>
+              <a:rPr lang="en-US"/>
               <a:t>Edit Master text styles</a:t>
             </a:r>
           </a:p>
           <a:p>
             <a:pPr lvl="1"/>
             <a:r>
-              <a:rPr lang="en-US" smtClean="0"/>
+              <a:rPr lang="en-US"/>
               <a:t>Second level</a:t>
             </a:r>
           </a:p>
           <a:p>
             <a:pPr lvl="2"/>
             <a:r>
-              <a:rPr lang="en-US" smtClean="0"/>
+              <a:rPr lang="en-US"/>
               <a:t>Third level</a:t>
             </a:r>
           </a:p>
           <a:p>
             <a:pPr lvl="3"/>
             <a:r>
-              <a:rPr lang="en-US" smtClean="0"/>
+              <a:rPr lang="en-US"/>
               <a:t>Fourth level</a:t>
             </a:r>
           </a:p>
           <a:p>
             <a:pPr lvl="4"/>
             <a:r>
-              <a:rPr lang="en-US" smtClean="0"/>
+              <a:rPr lang="en-US"/>
               <a:t>Fifth level</a:t>
             </a:r>
-            <a:endParaRPr lang="en-US"/>
+            <a:endParaRPr lang="en-US" dirty="0"/>
           </a:p>
         </p:txBody>
       </p:sp>
@@ -2032,54 +4743,56 @@
         </p:nvSpPr>
         <p:spPr>
           <a:xfrm>
-            <a:off x="839788" y="2057400"/>
-            <a:ext cx="3932237" cy="3811588"/>
+            <a:off x="913795" y="2431518"/>
+            <a:ext cx="3706889" cy="3359681"/>
           </a:xfrm>
         </p:spPr>
         <p:txBody>
-          <a:bodyPr/>
+          <a:bodyPr anchor="t">
+            <a:normAutofit/>
+          </a:bodyPr>
           <a:lstStyle>
-            <a:lvl1pPr marL="0" indent="0">
+            <a:lvl1pPr marL="0" indent="0" algn="ctr">
               <a:buNone/>
               <a:defRPr sz="1600"/>
             </a:lvl1pPr>
             <a:lvl2pPr marL="457200" indent="0">
               <a:buNone/>
-              <a:defRPr sz="1400"/>
+              <a:defRPr sz="1200"/>
             </a:lvl2pPr>
             <a:lvl3pPr marL="914400" indent="0">
               <a:buNone/>
-              <a:defRPr sz="1200"/>
+              <a:defRPr sz="1000"/>
             </a:lvl3pPr>
             <a:lvl4pPr marL="1371600" indent="0">
               <a:buNone/>
-              <a:defRPr sz="1000"/>
+              <a:defRPr sz="900"/>
             </a:lvl4pPr>
             <a:lvl5pPr marL="1828800" indent="0">
               <a:buNone/>
-              <a:defRPr sz="1000"/>
+              <a:defRPr sz="900"/>
             </a:lvl5pPr>
             <a:lvl6pPr marL="2286000" indent="0">
               <a:buNone/>
-              <a:defRPr sz="1000"/>
+              <a:defRPr sz="900"/>
             </a:lvl6pPr>
             <a:lvl7pPr marL="2743200" indent="0">
               <a:buNone/>
-              <a:defRPr sz="1000"/>
+              <a:defRPr sz="900"/>
             </a:lvl7pPr>
             <a:lvl8pPr marL="3200400" indent="0">
               <a:buNone/>
-              <a:defRPr sz="1000"/>
+              <a:defRPr sz="900"/>
             </a:lvl8pPr>
             <a:lvl9pPr marL="3657600" indent="0">
               <a:buNone/>
-              <a:defRPr sz="1000"/>
+              <a:defRPr sz="900"/>
             </a:lvl9pPr>
           </a:lstStyle>
           <a:p>
             <a:pPr lvl="0"/>
             <a:r>
-              <a:rPr lang="en-US" smtClean="0"/>
+              <a:rPr lang="en-US"/>
               <a:t>Edit Master text styles</a:t>
             </a:r>
           </a:p>
@@ -2102,7 +4815,7 @@
           <a:p>
             <a:fld id="{603F06EE-F07F-4A2D-9CB8-B5E6AC9AF85B}" type="datetimeFigureOut">
               <a:rPr lang="en-US" smtClean="0"/>
-              <a:t>10/29/2018</a:t>
+              <a:t>11/7/2018</a:t>
             </a:fld>
             <a:endParaRPr lang="en-US"/>
           </a:p>
@@ -2153,7 +4866,7 @@
     </p:spTree>
     <p:extLst>
       <p:ext uri="{BB962C8B-B14F-4D97-AF65-F5344CB8AC3E}">
-        <p14:creationId xmlns:p14="http://schemas.microsoft.com/office/powerpoint/2010/main" val="2846547424"/>
+        <p14:creationId xmlns:p14="http://schemas.microsoft.com/office/powerpoint/2010/main" val="2955877574"/>
       </p:ext>
     </p:extLst>
   </p:cSld>
@@ -2180,990 +4893,9 @@
           <a:chExt cx="0" cy="0"/>
         </a:xfrm>
       </p:grpSpPr>
-      <p:sp>
-        <p:nvSpPr>
-          <p:cNvPr id="2" name="Title 1"/>
-          <p:cNvSpPr>
-            <a:spLocks noGrp="1"/>
-          </p:cNvSpPr>
-          <p:nvPr>
-            <p:ph type="title"/>
-          </p:nvPr>
-        </p:nvSpPr>
-        <p:spPr>
-          <a:xfrm>
-            <a:off x="839788" y="457200"/>
-            <a:ext cx="3932237" cy="1600200"/>
-          </a:xfrm>
-        </p:spPr>
-        <p:txBody>
-          <a:bodyPr anchor="b"/>
-          <a:lstStyle>
-            <a:lvl1pPr>
-              <a:defRPr sz="3200"/>
-            </a:lvl1pPr>
-          </a:lstStyle>
-          <a:p>
-            <a:r>
-              <a:rPr lang="en-US" smtClean="0"/>
-              <a:t>Click to edit Master title style</a:t>
-            </a:r>
-            <a:endParaRPr lang="en-US"/>
-          </a:p>
-        </p:txBody>
-      </p:sp>
-      <p:sp>
-        <p:nvSpPr>
-          <p:cNvPr id="3" name="Picture Placeholder 2"/>
-          <p:cNvSpPr>
-            <a:spLocks noGrp="1"/>
-          </p:cNvSpPr>
-          <p:nvPr>
-            <p:ph type="pic" idx="1"/>
-          </p:nvPr>
-        </p:nvSpPr>
-        <p:spPr>
-          <a:xfrm>
-            <a:off x="5183188" y="987425"/>
-            <a:ext cx="6172200" cy="4873625"/>
-          </a:xfrm>
-        </p:spPr>
-        <p:txBody>
-          <a:bodyPr/>
-          <a:lstStyle>
-            <a:lvl1pPr marL="0" indent="0">
-              <a:buNone/>
-              <a:defRPr sz="3200"/>
-            </a:lvl1pPr>
-            <a:lvl2pPr marL="457200" indent="0">
-              <a:buNone/>
-              <a:defRPr sz="2800"/>
-            </a:lvl2pPr>
-            <a:lvl3pPr marL="914400" indent="0">
-              <a:buNone/>
-              <a:defRPr sz="2400"/>
-            </a:lvl3pPr>
-            <a:lvl4pPr marL="1371600" indent="0">
-              <a:buNone/>
-              <a:defRPr sz="2000"/>
-            </a:lvl4pPr>
-            <a:lvl5pPr marL="1828800" indent="0">
-              <a:buNone/>
-              <a:defRPr sz="2000"/>
-            </a:lvl5pPr>
-            <a:lvl6pPr marL="2286000" indent="0">
-              <a:buNone/>
-              <a:defRPr sz="2000"/>
-            </a:lvl6pPr>
-            <a:lvl7pPr marL="2743200" indent="0">
-              <a:buNone/>
-              <a:defRPr sz="2000"/>
-            </a:lvl7pPr>
-            <a:lvl8pPr marL="3200400" indent="0">
-              <a:buNone/>
-              <a:defRPr sz="2000"/>
-            </a:lvl8pPr>
-            <a:lvl9pPr marL="3657600" indent="0">
-              <a:buNone/>
-              <a:defRPr sz="2000"/>
-            </a:lvl9pPr>
-          </a:lstStyle>
-          <a:p>
-            <a:endParaRPr lang="en-US"/>
-          </a:p>
-        </p:txBody>
-      </p:sp>
-      <p:sp>
-        <p:nvSpPr>
-          <p:cNvPr id="4" name="Text Placeholder 3"/>
-          <p:cNvSpPr>
-            <a:spLocks noGrp="1"/>
-          </p:cNvSpPr>
-          <p:nvPr>
-            <p:ph type="body" sz="half" idx="2"/>
-          </p:nvPr>
-        </p:nvSpPr>
-        <p:spPr>
-          <a:xfrm>
-            <a:off x="839788" y="2057400"/>
-            <a:ext cx="3932237" cy="3811588"/>
-          </a:xfrm>
-        </p:spPr>
-        <p:txBody>
-          <a:bodyPr/>
-          <a:lstStyle>
-            <a:lvl1pPr marL="0" indent="0">
-              <a:buNone/>
-              <a:defRPr sz="1600"/>
-            </a:lvl1pPr>
-            <a:lvl2pPr marL="457200" indent="0">
-              <a:buNone/>
-              <a:defRPr sz="1400"/>
-            </a:lvl2pPr>
-            <a:lvl3pPr marL="914400" indent="0">
-              <a:buNone/>
-              <a:defRPr sz="1200"/>
-            </a:lvl3pPr>
-            <a:lvl4pPr marL="1371600" indent="0">
-              <a:buNone/>
-              <a:defRPr sz="1000"/>
-            </a:lvl4pPr>
-            <a:lvl5pPr marL="1828800" indent="0">
-              <a:buNone/>
-              <a:defRPr sz="1000"/>
-            </a:lvl5pPr>
-            <a:lvl6pPr marL="2286000" indent="0">
-              <a:buNone/>
-              <a:defRPr sz="1000"/>
-            </a:lvl6pPr>
-            <a:lvl7pPr marL="2743200" indent="0">
-              <a:buNone/>
-              <a:defRPr sz="1000"/>
-            </a:lvl7pPr>
-            <a:lvl8pPr marL="3200400" indent="0">
-              <a:buNone/>
-              <a:defRPr sz="1000"/>
-            </a:lvl8pPr>
-            <a:lvl9pPr marL="3657600" indent="0">
-              <a:buNone/>
-              <a:defRPr sz="1000"/>
-            </a:lvl9pPr>
-          </a:lstStyle>
-          <a:p>
-            <a:pPr lvl="0"/>
-            <a:r>
-              <a:rPr lang="en-US" smtClean="0"/>
-              <a:t>Edit Master text styles</a:t>
-            </a:r>
-          </a:p>
-        </p:txBody>
-      </p:sp>
-      <p:sp>
-        <p:nvSpPr>
-          <p:cNvPr id="5" name="Date Placeholder 4"/>
-          <p:cNvSpPr>
-            <a:spLocks noGrp="1"/>
-          </p:cNvSpPr>
-          <p:nvPr>
-            <p:ph type="dt" sz="half" idx="10"/>
-          </p:nvPr>
-        </p:nvSpPr>
-        <p:spPr/>
-        <p:txBody>
-          <a:bodyPr/>
-          <a:lstStyle/>
-          <a:p>
-            <a:fld id="{603F06EE-F07F-4A2D-9CB8-B5E6AC9AF85B}" type="datetimeFigureOut">
-              <a:rPr lang="en-US" smtClean="0"/>
-              <a:t>10/29/2018</a:t>
-            </a:fld>
-            <a:endParaRPr lang="en-US"/>
-          </a:p>
-        </p:txBody>
-      </p:sp>
-      <p:sp>
-        <p:nvSpPr>
-          <p:cNvPr id="6" name="Footer Placeholder 5"/>
-          <p:cNvSpPr>
-            <a:spLocks noGrp="1"/>
-          </p:cNvSpPr>
-          <p:nvPr>
-            <p:ph type="ftr" sz="quarter" idx="11"/>
-          </p:nvPr>
-        </p:nvSpPr>
-        <p:spPr/>
-        <p:txBody>
-          <a:bodyPr/>
-          <a:lstStyle/>
-          <a:p>
-            <a:endParaRPr lang="en-US"/>
-          </a:p>
-        </p:txBody>
-      </p:sp>
-      <p:sp>
-        <p:nvSpPr>
-          <p:cNvPr id="7" name="Slide Number Placeholder 6"/>
-          <p:cNvSpPr>
-            <a:spLocks noGrp="1"/>
-          </p:cNvSpPr>
-          <p:nvPr>
-            <p:ph type="sldNum" sz="quarter" idx="12"/>
-          </p:nvPr>
-        </p:nvSpPr>
-        <p:spPr/>
-        <p:txBody>
-          <a:bodyPr/>
-          <a:lstStyle/>
-          <a:p>
-            <a:fld id="{CF32A4A4-F9A1-4A91-B19B-F6A1E6D83435}" type="slidenum">
-              <a:rPr lang="en-US" smtClean="0"/>
-              <a:t>‹#›</a:t>
-            </a:fld>
-            <a:endParaRPr lang="en-US"/>
-          </a:p>
-        </p:txBody>
-      </p:sp>
-    </p:spTree>
-    <p:extLst>
-      <p:ext uri="{BB962C8B-B14F-4D97-AF65-F5344CB8AC3E}">
-        <p14:creationId xmlns:p14="http://schemas.microsoft.com/office/powerpoint/2010/main" val="4191868976"/>
-      </p:ext>
-    </p:extLst>
-  </p:cSld>
-  <p:clrMapOvr>
-    <a:masterClrMapping/>
-  </p:clrMapOvr>
-</p:sldLayout>
-</file>
-
-<file path=ppt/slideMasters/slideMaster1.xml><?xml version="1.0" encoding="utf-8"?>
-<p:sldMaster xmlns:a="http://schemas.openxmlformats.org/drawingml/2006/main" xmlns:r="http://schemas.openxmlformats.org/officeDocument/2006/relationships" xmlns:p="http://schemas.openxmlformats.org/presentationml/2006/main">
-  <p:cSld>
-    <p:bg>
-      <p:bgRef idx="1001">
-        <a:schemeClr val="bg1"/>
-      </p:bgRef>
-    </p:bg>
-    <p:spTree>
-      <p:nvGrpSpPr>
-        <p:cNvPr id="1" name=""/>
-        <p:cNvGrpSpPr/>
-        <p:nvPr/>
-      </p:nvGrpSpPr>
-      <p:grpSpPr>
-        <a:xfrm>
-          <a:off x="0" y="0"/>
-          <a:ext cx="0" cy="0"/>
-          <a:chOff x="0" y="0"/>
-          <a:chExt cx="0" cy="0"/>
-        </a:xfrm>
-      </p:grpSpPr>
-      <p:sp>
-        <p:nvSpPr>
-          <p:cNvPr id="2" name="Title Placeholder 1"/>
-          <p:cNvSpPr>
-            <a:spLocks noGrp="1"/>
-          </p:cNvSpPr>
-          <p:nvPr>
-            <p:ph type="title"/>
-          </p:nvPr>
-        </p:nvSpPr>
-        <p:spPr>
-          <a:xfrm>
-            <a:off x="838200" y="365125"/>
-            <a:ext cx="10515600" cy="1325563"/>
-          </a:xfrm>
-          <a:prstGeom prst="rect">
-            <a:avLst/>
-          </a:prstGeom>
-        </p:spPr>
-        <p:txBody>
-          <a:bodyPr vert="horz" lIns="91440" tIns="45720" rIns="91440" bIns="45720" rtlCol="0" anchor="ctr">
-            <a:normAutofit/>
-          </a:bodyPr>
-          <a:lstStyle/>
-          <a:p>
-            <a:r>
-              <a:rPr lang="en-US" smtClean="0"/>
-              <a:t>Click to edit Master title style</a:t>
-            </a:r>
-            <a:endParaRPr lang="en-US"/>
-          </a:p>
-        </p:txBody>
-      </p:sp>
-      <p:sp>
-        <p:nvSpPr>
-          <p:cNvPr id="3" name="Text Placeholder 2"/>
-          <p:cNvSpPr>
-            <a:spLocks noGrp="1"/>
-          </p:cNvSpPr>
-          <p:nvPr>
-            <p:ph type="body" idx="1"/>
-          </p:nvPr>
-        </p:nvSpPr>
-        <p:spPr>
-          <a:xfrm>
-            <a:off x="838200" y="1825625"/>
-            <a:ext cx="10515600" cy="4351338"/>
-          </a:xfrm>
-          <a:prstGeom prst="rect">
-            <a:avLst/>
-          </a:prstGeom>
-        </p:spPr>
-        <p:txBody>
-          <a:bodyPr vert="horz" lIns="91440" tIns="45720" rIns="91440" bIns="45720" rtlCol="0">
-            <a:normAutofit/>
-          </a:bodyPr>
-          <a:lstStyle/>
-          <a:p>
-            <a:pPr lvl="0"/>
-            <a:r>
-              <a:rPr lang="en-US" smtClean="0"/>
-              <a:t>Edit Master text styles</a:t>
-            </a:r>
-          </a:p>
-          <a:p>
-            <a:pPr lvl="1"/>
-            <a:r>
-              <a:rPr lang="en-US" smtClean="0"/>
-              <a:t>Second level</a:t>
-            </a:r>
-          </a:p>
-          <a:p>
-            <a:pPr lvl="2"/>
-            <a:r>
-              <a:rPr lang="en-US" smtClean="0"/>
-              <a:t>Third level</a:t>
-            </a:r>
-          </a:p>
-          <a:p>
-            <a:pPr lvl="3"/>
-            <a:r>
-              <a:rPr lang="en-US" smtClean="0"/>
-              <a:t>Fourth level</a:t>
-            </a:r>
-          </a:p>
-          <a:p>
-            <a:pPr lvl="4"/>
-            <a:r>
-              <a:rPr lang="en-US" smtClean="0"/>
-              <a:t>Fifth level</a:t>
-            </a:r>
-            <a:endParaRPr lang="en-US"/>
-          </a:p>
-        </p:txBody>
-      </p:sp>
-      <p:sp>
-        <p:nvSpPr>
-          <p:cNvPr id="4" name="Date Placeholder 3"/>
-          <p:cNvSpPr>
-            <a:spLocks noGrp="1"/>
-          </p:cNvSpPr>
-          <p:nvPr>
-            <p:ph type="dt" sz="half" idx="2"/>
-          </p:nvPr>
-        </p:nvSpPr>
-        <p:spPr>
-          <a:xfrm>
-            <a:off x="838200" y="6356350"/>
-            <a:ext cx="2743200" cy="365125"/>
-          </a:xfrm>
-          <a:prstGeom prst="rect">
-            <a:avLst/>
-          </a:prstGeom>
-        </p:spPr>
-        <p:txBody>
-          <a:bodyPr vert="horz" lIns="91440" tIns="45720" rIns="91440" bIns="45720" rtlCol="0" anchor="ctr"/>
-          <a:lstStyle>
-            <a:lvl1pPr algn="l">
-              <a:defRPr sz="1200">
-                <a:solidFill>
-                  <a:schemeClr val="tx1">
-                    <a:tint val="75000"/>
-                  </a:schemeClr>
-                </a:solidFill>
-              </a:defRPr>
-            </a:lvl1pPr>
-          </a:lstStyle>
-          <a:p>
-            <a:fld id="{603F06EE-F07F-4A2D-9CB8-B5E6AC9AF85B}" type="datetimeFigureOut">
-              <a:rPr lang="en-US" smtClean="0"/>
-              <a:t>10/29/2018</a:t>
-            </a:fld>
-            <a:endParaRPr lang="en-US"/>
-          </a:p>
-        </p:txBody>
-      </p:sp>
-      <p:sp>
-        <p:nvSpPr>
-          <p:cNvPr id="5" name="Footer Placeholder 4"/>
-          <p:cNvSpPr>
-            <a:spLocks noGrp="1"/>
-          </p:cNvSpPr>
-          <p:nvPr>
-            <p:ph type="ftr" sz="quarter" idx="3"/>
-          </p:nvPr>
-        </p:nvSpPr>
-        <p:spPr>
-          <a:xfrm>
-            <a:off x="4038600" y="6356350"/>
-            <a:ext cx="4114800" cy="365125"/>
-          </a:xfrm>
-          <a:prstGeom prst="rect">
-            <a:avLst/>
-          </a:prstGeom>
-        </p:spPr>
-        <p:txBody>
-          <a:bodyPr vert="horz" lIns="91440" tIns="45720" rIns="91440" bIns="45720" rtlCol="0" anchor="ctr"/>
-          <a:lstStyle>
-            <a:lvl1pPr algn="ctr">
-              <a:defRPr sz="1200">
-                <a:solidFill>
-                  <a:schemeClr val="tx1">
-                    <a:tint val="75000"/>
-                  </a:schemeClr>
-                </a:solidFill>
-              </a:defRPr>
-            </a:lvl1pPr>
-          </a:lstStyle>
-          <a:p>
-            <a:endParaRPr lang="en-US"/>
-          </a:p>
-        </p:txBody>
-      </p:sp>
-      <p:sp>
-        <p:nvSpPr>
-          <p:cNvPr id="6" name="Slide Number Placeholder 5"/>
-          <p:cNvSpPr>
-            <a:spLocks noGrp="1"/>
-          </p:cNvSpPr>
-          <p:nvPr>
-            <p:ph type="sldNum" sz="quarter" idx="4"/>
-          </p:nvPr>
-        </p:nvSpPr>
-        <p:spPr>
-          <a:xfrm>
-            <a:off x="8610600" y="6356350"/>
-            <a:ext cx="2743200" cy="365125"/>
-          </a:xfrm>
-          <a:prstGeom prst="rect">
-            <a:avLst/>
-          </a:prstGeom>
-        </p:spPr>
-        <p:txBody>
-          <a:bodyPr vert="horz" lIns="91440" tIns="45720" rIns="91440" bIns="45720" rtlCol="0" anchor="ctr"/>
-          <a:lstStyle>
-            <a:lvl1pPr algn="r">
-              <a:defRPr sz="1200">
-                <a:solidFill>
-                  <a:schemeClr val="tx1">
-                    <a:tint val="75000"/>
-                  </a:schemeClr>
-                </a:solidFill>
-              </a:defRPr>
-            </a:lvl1pPr>
-          </a:lstStyle>
-          <a:p>
-            <a:fld id="{CF32A4A4-F9A1-4A91-B19B-F6A1E6D83435}" type="slidenum">
-              <a:rPr lang="en-US" smtClean="0"/>
-              <a:t>‹#›</a:t>
-            </a:fld>
-            <a:endParaRPr lang="en-US"/>
-          </a:p>
-        </p:txBody>
-      </p:sp>
-    </p:spTree>
-    <p:extLst>
-      <p:ext uri="{BB962C8B-B14F-4D97-AF65-F5344CB8AC3E}">
-        <p14:creationId xmlns:p14="http://schemas.microsoft.com/office/powerpoint/2010/main" val="4183822758"/>
-      </p:ext>
-    </p:extLst>
-  </p:cSld>
-  <p:clrMap bg1="lt1" tx1="dk1" bg2="lt2" tx2="dk2" accent1="accent1" accent2="accent2" accent3="accent3" accent4="accent4" accent5="accent5" accent6="accent6" hlink="hlink" folHlink="folHlink"/>
-  <p:sldLayoutIdLst>
-    <p:sldLayoutId id="2147483649" r:id="rId1"/>
-    <p:sldLayoutId id="2147483650" r:id="rId2"/>
-    <p:sldLayoutId id="2147483651" r:id="rId3"/>
-    <p:sldLayoutId id="2147483652" r:id="rId4"/>
-    <p:sldLayoutId id="2147483653" r:id="rId5"/>
-    <p:sldLayoutId id="2147483654" r:id="rId6"/>
-    <p:sldLayoutId id="2147483655" r:id="rId7"/>
-    <p:sldLayoutId id="2147483656" r:id="rId8"/>
-    <p:sldLayoutId id="2147483657" r:id="rId9"/>
-    <p:sldLayoutId id="2147483658" r:id="rId10"/>
-    <p:sldLayoutId id="2147483659" r:id="rId11"/>
-  </p:sldLayoutIdLst>
-  <p:txStyles>
-    <p:titleStyle>
-      <a:lvl1pPr algn="l" defTabSz="914400" rtl="0" eaLnBrk="1" latinLnBrk="0" hangingPunct="1">
-        <a:lnSpc>
-          <a:spcPct val="90000"/>
-        </a:lnSpc>
-        <a:spcBef>
-          <a:spcPct val="0"/>
-        </a:spcBef>
-        <a:buNone/>
-        <a:defRPr sz="4400" kern="1200">
-          <a:solidFill>
-            <a:schemeClr val="tx1"/>
-          </a:solidFill>
-          <a:latin typeface="+mj-lt"/>
-          <a:ea typeface="+mj-ea"/>
-          <a:cs typeface="+mj-cs"/>
-        </a:defRPr>
-      </a:lvl1pPr>
-    </p:titleStyle>
-    <p:bodyStyle>
-      <a:lvl1pPr marL="228600" indent="-228600" algn="l" defTabSz="914400" rtl="0" eaLnBrk="1" latinLnBrk="0" hangingPunct="1">
-        <a:lnSpc>
-          <a:spcPct val="90000"/>
-        </a:lnSpc>
-        <a:spcBef>
-          <a:spcPts val="1000"/>
-        </a:spcBef>
-        <a:buFont typeface="Arial" panose="020B0604020202020204" pitchFamily="34" charset="0"/>
-        <a:buChar char="•"/>
-        <a:defRPr sz="2800" kern="1200">
-          <a:solidFill>
-            <a:schemeClr val="tx1"/>
-          </a:solidFill>
-          <a:latin typeface="+mn-lt"/>
-          <a:ea typeface="+mn-ea"/>
-          <a:cs typeface="+mn-cs"/>
-        </a:defRPr>
-      </a:lvl1pPr>
-      <a:lvl2pPr marL="685800" indent="-228600" algn="l" defTabSz="914400" rtl="0" eaLnBrk="1" latinLnBrk="0" hangingPunct="1">
-        <a:lnSpc>
-          <a:spcPct val="90000"/>
-        </a:lnSpc>
-        <a:spcBef>
-          <a:spcPts val="500"/>
-        </a:spcBef>
-        <a:buFont typeface="Arial" panose="020B0604020202020204" pitchFamily="34" charset="0"/>
-        <a:buChar char="•"/>
-        <a:defRPr sz="2400" kern="1200">
-          <a:solidFill>
-            <a:schemeClr val="tx1"/>
-          </a:solidFill>
-          <a:latin typeface="+mn-lt"/>
-          <a:ea typeface="+mn-ea"/>
-          <a:cs typeface="+mn-cs"/>
-        </a:defRPr>
-      </a:lvl2pPr>
-      <a:lvl3pPr marL="1143000" indent="-228600" algn="l" defTabSz="914400" rtl="0" eaLnBrk="1" latinLnBrk="0" hangingPunct="1">
-        <a:lnSpc>
-          <a:spcPct val="90000"/>
-        </a:lnSpc>
-        <a:spcBef>
-          <a:spcPts val="500"/>
-        </a:spcBef>
-        <a:buFont typeface="Arial" panose="020B0604020202020204" pitchFamily="34" charset="0"/>
-        <a:buChar char="•"/>
-        <a:defRPr sz="2000" kern="1200">
-          <a:solidFill>
-            <a:schemeClr val="tx1"/>
-          </a:solidFill>
-          <a:latin typeface="+mn-lt"/>
-          <a:ea typeface="+mn-ea"/>
-          <a:cs typeface="+mn-cs"/>
-        </a:defRPr>
-      </a:lvl3pPr>
-      <a:lvl4pPr marL="1600200" indent="-228600" algn="l" defTabSz="914400" rtl="0" eaLnBrk="1" latinLnBrk="0" hangingPunct="1">
-        <a:lnSpc>
-          <a:spcPct val="90000"/>
-        </a:lnSpc>
-        <a:spcBef>
-          <a:spcPts val="500"/>
-        </a:spcBef>
-        <a:buFont typeface="Arial" panose="020B0604020202020204" pitchFamily="34" charset="0"/>
-        <a:buChar char="•"/>
-        <a:defRPr sz="1800" kern="1200">
-          <a:solidFill>
-            <a:schemeClr val="tx1"/>
-          </a:solidFill>
-          <a:latin typeface="+mn-lt"/>
-          <a:ea typeface="+mn-ea"/>
-          <a:cs typeface="+mn-cs"/>
-        </a:defRPr>
-      </a:lvl4pPr>
-      <a:lvl5pPr marL="2057400" indent="-228600" algn="l" defTabSz="914400" rtl="0" eaLnBrk="1" latinLnBrk="0" hangingPunct="1">
-        <a:lnSpc>
-          <a:spcPct val="90000"/>
-        </a:lnSpc>
-        <a:spcBef>
-          <a:spcPts val="500"/>
-        </a:spcBef>
-        <a:buFont typeface="Arial" panose="020B0604020202020204" pitchFamily="34" charset="0"/>
-        <a:buChar char="•"/>
-        <a:defRPr sz="1800" kern="1200">
-          <a:solidFill>
-            <a:schemeClr val="tx1"/>
-          </a:solidFill>
-          <a:latin typeface="+mn-lt"/>
-          <a:ea typeface="+mn-ea"/>
-          <a:cs typeface="+mn-cs"/>
-        </a:defRPr>
-      </a:lvl5pPr>
-      <a:lvl6pPr marL="2514600" indent="-228600" algn="l" defTabSz="914400" rtl="0" eaLnBrk="1" latinLnBrk="0" hangingPunct="1">
-        <a:lnSpc>
-          <a:spcPct val="90000"/>
-        </a:lnSpc>
-        <a:spcBef>
-          <a:spcPts val="500"/>
-        </a:spcBef>
-        <a:buFont typeface="Arial" panose="020B0604020202020204" pitchFamily="34" charset="0"/>
-        <a:buChar char="•"/>
-        <a:defRPr sz="1800" kern="1200">
-          <a:solidFill>
-            <a:schemeClr val="tx1"/>
-          </a:solidFill>
-          <a:latin typeface="+mn-lt"/>
-          <a:ea typeface="+mn-ea"/>
-          <a:cs typeface="+mn-cs"/>
-        </a:defRPr>
-      </a:lvl6pPr>
-      <a:lvl7pPr marL="2971800" indent="-228600" algn="l" defTabSz="914400" rtl="0" eaLnBrk="1" latinLnBrk="0" hangingPunct="1">
-        <a:lnSpc>
-          <a:spcPct val="90000"/>
-        </a:lnSpc>
-        <a:spcBef>
-          <a:spcPts val="500"/>
-        </a:spcBef>
-        <a:buFont typeface="Arial" panose="020B0604020202020204" pitchFamily="34" charset="0"/>
-        <a:buChar char="•"/>
-        <a:defRPr sz="1800" kern="1200">
-          <a:solidFill>
-            <a:schemeClr val="tx1"/>
-          </a:solidFill>
-          <a:latin typeface="+mn-lt"/>
-          <a:ea typeface="+mn-ea"/>
-          <a:cs typeface="+mn-cs"/>
-        </a:defRPr>
-      </a:lvl7pPr>
-      <a:lvl8pPr marL="3429000" indent="-228600" algn="l" defTabSz="914400" rtl="0" eaLnBrk="1" latinLnBrk="0" hangingPunct="1">
-        <a:lnSpc>
-          <a:spcPct val="90000"/>
-        </a:lnSpc>
-        <a:spcBef>
-          <a:spcPts val="500"/>
-        </a:spcBef>
-        <a:buFont typeface="Arial" panose="020B0604020202020204" pitchFamily="34" charset="0"/>
-        <a:buChar char="•"/>
-        <a:defRPr sz="1800" kern="1200">
-          <a:solidFill>
-            <a:schemeClr val="tx1"/>
-          </a:solidFill>
-          <a:latin typeface="+mn-lt"/>
-          <a:ea typeface="+mn-ea"/>
-          <a:cs typeface="+mn-cs"/>
-        </a:defRPr>
-      </a:lvl8pPr>
-      <a:lvl9pPr marL="3886200" indent="-228600" algn="l" defTabSz="914400" rtl="0" eaLnBrk="1" latinLnBrk="0" hangingPunct="1">
-        <a:lnSpc>
-          <a:spcPct val="90000"/>
-        </a:lnSpc>
-        <a:spcBef>
-          <a:spcPts val="500"/>
-        </a:spcBef>
-        <a:buFont typeface="Arial" panose="020B0604020202020204" pitchFamily="34" charset="0"/>
-        <a:buChar char="•"/>
-        <a:defRPr sz="1800" kern="1200">
-          <a:solidFill>
-            <a:schemeClr val="tx1"/>
-          </a:solidFill>
-          <a:latin typeface="+mn-lt"/>
-          <a:ea typeface="+mn-ea"/>
-          <a:cs typeface="+mn-cs"/>
-        </a:defRPr>
-      </a:lvl9pPr>
-    </p:bodyStyle>
-    <p:otherStyle>
-      <a:defPPr>
-        <a:defRPr lang="en-US"/>
-      </a:defPPr>
-      <a:lvl1pPr marL="0" algn="l" defTabSz="914400" rtl="0" eaLnBrk="1" latinLnBrk="0" hangingPunct="1">
-        <a:defRPr sz="1800" kern="1200">
-          <a:solidFill>
-            <a:schemeClr val="tx1"/>
-          </a:solidFill>
-          <a:latin typeface="+mn-lt"/>
-          <a:ea typeface="+mn-ea"/>
-          <a:cs typeface="+mn-cs"/>
-        </a:defRPr>
-      </a:lvl1pPr>
-      <a:lvl2pPr marL="457200" algn="l" defTabSz="914400" rtl="0" eaLnBrk="1" latinLnBrk="0" hangingPunct="1">
-        <a:defRPr sz="1800" kern="1200">
-          <a:solidFill>
-            <a:schemeClr val="tx1"/>
-          </a:solidFill>
-          <a:latin typeface="+mn-lt"/>
-          <a:ea typeface="+mn-ea"/>
-          <a:cs typeface="+mn-cs"/>
-        </a:defRPr>
-      </a:lvl2pPr>
-      <a:lvl3pPr marL="914400" algn="l" defTabSz="914400" rtl="0" eaLnBrk="1" latinLnBrk="0" hangingPunct="1">
-        <a:defRPr sz="1800" kern="1200">
-          <a:solidFill>
-            <a:schemeClr val="tx1"/>
-          </a:solidFill>
-          <a:latin typeface="+mn-lt"/>
-          <a:ea typeface="+mn-ea"/>
-          <a:cs typeface="+mn-cs"/>
-        </a:defRPr>
-      </a:lvl3pPr>
-      <a:lvl4pPr marL="1371600" algn="l" defTabSz="914400" rtl="0" eaLnBrk="1" latinLnBrk="0" hangingPunct="1">
-        <a:defRPr sz="1800" kern="1200">
-          <a:solidFill>
-            <a:schemeClr val="tx1"/>
-          </a:solidFill>
-          <a:latin typeface="+mn-lt"/>
-          <a:ea typeface="+mn-ea"/>
-          <a:cs typeface="+mn-cs"/>
-        </a:defRPr>
-      </a:lvl4pPr>
-      <a:lvl5pPr marL="1828800" algn="l" defTabSz="914400" rtl="0" eaLnBrk="1" latinLnBrk="0" hangingPunct="1">
-        <a:defRPr sz="1800" kern="1200">
-          <a:solidFill>
-            <a:schemeClr val="tx1"/>
-          </a:solidFill>
-          <a:latin typeface="+mn-lt"/>
-          <a:ea typeface="+mn-ea"/>
-          <a:cs typeface="+mn-cs"/>
-        </a:defRPr>
-      </a:lvl5pPr>
-      <a:lvl6pPr marL="2286000" algn="l" defTabSz="914400" rtl="0" eaLnBrk="1" latinLnBrk="0" hangingPunct="1">
-        <a:defRPr sz="1800" kern="1200">
-          <a:solidFill>
-            <a:schemeClr val="tx1"/>
-          </a:solidFill>
-          <a:latin typeface="+mn-lt"/>
-          <a:ea typeface="+mn-ea"/>
-          <a:cs typeface="+mn-cs"/>
-        </a:defRPr>
-      </a:lvl6pPr>
-      <a:lvl7pPr marL="2743200" algn="l" defTabSz="914400" rtl="0" eaLnBrk="1" latinLnBrk="0" hangingPunct="1">
-        <a:defRPr sz="1800" kern="1200">
-          <a:solidFill>
-            <a:schemeClr val="tx1"/>
-          </a:solidFill>
-          <a:latin typeface="+mn-lt"/>
-          <a:ea typeface="+mn-ea"/>
-          <a:cs typeface="+mn-cs"/>
-        </a:defRPr>
-      </a:lvl7pPr>
-      <a:lvl8pPr marL="3200400" algn="l" defTabSz="914400" rtl="0" eaLnBrk="1" latinLnBrk="0" hangingPunct="1">
-        <a:defRPr sz="1800" kern="1200">
-          <a:solidFill>
-            <a:schemeClr val="tx1"/>
-          </a:solidFill>
-          <a:latin typeface="+mn-lt"/>
-          <a:ea typeface="+mn-ea"/>
-          <a:cs typeface="+mn-cs"/>
-        </a:defRPr>
-      </a:lvl8pPr>
-      <a:lvl9pPr marL="3657600" algn="l" defTabSz="914400" rtl="0" eaLnBrk="1" latinLnBrk="0" hangingPunct="1">
-        <a:defRPr sz="1800" kern="1200">
-          <a:solidFill>
-            <a:schemeClr val="tx1"/>
-          </a:solidFill>
-          <a:latin typeface="+mn-lt"/>
-          <a:ea typeface="+mn-ea"/>
-          <a:cs typeface="+mn-cs"/>
-        </a:defRPr>
-      </a:lvl9pPr>
-    </p:otherStyle>
-  </p:txStyles>
-</p:sldMaster>
-</file>
-
-<file path=ppt/slides/slide1.xml><?xml version="1.0" encoding="utf-8"?>
-<p:sld xmlns:a="http://schemas.openxmlformats.org/drawingml/2006/main" xmlns:r="http://schemas.openxmlformats.org/officeDocument/2006/relationships" xmlns:p="http://schemas.openxmlformats.org/presentationml/2006/main">
-  <p:cSld>
-    <p:spTree>
-      <p:nvGrpSpPr>
-        <p:cNvPr id="1" name=""/>
-        <p:cNvGrpSpPr/>
-        <p:nvPr/>
-      </p:nvGrpSpPr>
-      <p:grpSpPr>
-        <a:xfrm>
-          <a:off x="0" y="0"/>
-          <a:ext cx="0" cy="0"/>
-          <a:chOff x="0" y="0"/>
-          <a:chExt cx="0" cy="0"/>
-        </a:xfrm>
-      </p:grpSpPr>
-      <p:sp>
-        <p:nvSpPr>
-          <p:cNvPr id="2" name="Title 1"/>
-          <p:cNvSpPr>
-            <a:spLocks noGrp="1"/>
-          </p:cNvSpPr>
-          <p:nvPr>
-            <p:ph type="ctrTitle"/>
-          </p:nvPr>
-        </p:nvSpPr>
-        <p:spPr/>
-        <p:txBody>
-          <a:bodyPr/>
-          <a:lstStyle/>
-          <a:p>
-            <a:r>
-              <a:rPr lang="en-US" dirty="0" smtClean="0"/>
-              <a:t>HECC 2018</a:t>
-            </a:r>
-            <a:endParaRPr lang="en-US" dirty="0"/>
-          </a:p>
-        </p:txBody>
-      </p:sp>
-      <p:sp>
-        <p:nvSpPr>
-          <p:cNvPr id="3" name="Subtitle 2"/>
-          <p:cNvSpPr>
-            <a:spLocks noGrp="1"/>
-          </p:cNvSpPr>
-          <p:nvPr>
-            <p:ph type="subTitle" idx="1"/>
-          </p:nvPr>
-        </p:nvSpPr>
-        <p:spPr/>
-        <p:txBody>
-          <a:bodyPr/>
-          <a:lstStyle/>
-          <a:p>
-            <a:r>
-              <a:rPr lang="en-US" dirty="0" smtClean="0"/>
-              <a:t>Deploying Windows 10 With MDT</a:t>
-            </a:r>
-            <a:endParaRPr lang="en-US" dirty="0"/>
-          </a:p>
-        </p:txBody>
-      </p:sp>
-    </p:spTree>
-    <p:extLst>
-      <p:ext uri="{BB962C8B-B14F-4D97-AF65-F5344CB8AC3E}">
-        <p14:creationId xmlns:p14="http://schemas.microsoft.com/office/powerpoint/2010/main" val="3433840758"/>
-      </p:ext>
-    </p:extLst>
-  </p:cSld>
-  <p:clrMapOvr>
-    <a:masterClrMapping/>
-  </p:clrMapOvr>
-</p:sld>
-</file>
-
-<file path=ppt/slides/slide2.xml><?xml version="1.0" encoding="utf-8"?>
-<p:sld xmlns:a="http://schemas.openxmlformats.org/drawingml/2006/main" xmlns:r="http://schemas.openxmlformats.org/officeDocument/2006/relationships" xmlns:p="http://schemas.openxmlformats.org/presentationml/2006/main">
-  <p:cSld>
-    <p:spTree>
-      <p:nvGrpSpPr>
-        <p:cNvPr id="1" name=""/>
-        <p:cNvGrpSpPr/>
-        <p:nvPr/>
-      </p:nvGrpSpPr>
-      <p:grpSpPr>
-        <a:xfrm>
-          <a:off x="0" y="0"/>
-          <a:ext cx="0" cy="0"/>
-          <a:chOff x="0" y="0"/>
-          <a:chExt cx="0" cy="0"/>
-        </a:xfrm>
-      </p:grpSpPr>
-      <p:sp>
-        <p:nvSpPr>
-          <p:cNvPr id="2" name="Title 1"/>
-          <p:cNvSpPr>
-            <a:spLocks noGrp="1"/>
-          </p:cNvSpPr>
-          <p:nvPr>
-            <p:ph type="title"/>
-          </p:nvPr>
-        </p:nvSpPr>
-        <p:spPr/>
-        <p:txBody>
-          <a:bodyPr/>
-          <a:lstStyle/>
-          <a:p>
-            <a:r>
-              <a:rPr lang="en-US" dirty="0" smtClean="0"/>
-              <a:t>About Me</a:t>
-            </a:r>
-            <a:endParaRPr lang="en-US" dirty="0"/>
-          </a:p>
-        </p:txBody>
-      </p:sp>
-      <p:sp>
-        <p:nvSpPr>
-          <p:cNvPr id="3" name="Content Placeholder 2"/>
-          <p:cNvSpPr>
-            <a:spLocks noGrp="1"/>
-          </p:cNvSpPr>
-          <p:nvPr>
-            <p:ph idx="1"/>
-          </p:nvPr>
-        </p:nvSpPr>
-        <p:spPr>
-          <a:xfrm>
-            <a:off x="838200" y="1825625"/>
-            <a:ext cx="6731000" cy="4351338"/>
-          </a:xfrm>
-        </p:spPr>
-        <p:txBody>
-          <a:bodyPr>
-            <a:normAutofit fontScale="92500" lnSpcReduction="10000"/>
-          </a:bodyPr>
-          <a:lstStyle/>
-          <a:p>
-            <a:r>
-              <a:rPr lang="en-US" dirty="0" smtClean="0"/>
-              <a:t>Network Engineer @ Huntington County Community School Corporation</a:t>
-            </a:r>
-          </a:p>
-          <a:p>
-            <a:r>
-              <a:rPr lang="en-US" dirty="0" smtClean="0"/>
-              <a:t>Worked in IT for 15 + years</a:t>
-            </a:r>
-          </a:p>
-          <a:p>
-            <a:r>
-              <a:rPr lang="en-US" dirty="0" smtClean="0"/>
-              <a:t>This is my 6</a:t>
-            </a:r>
-            <a:r>
-              <a:rPr lang="en-US" baseline="30000" dirty="0" smtClean="0"/>
-              <a:t>th</a:t>
-            </a:r>
-            <a:r>
-              <a:rPr lang="en-US" dirty="0" smtClean="0"/>
-              <a:t> HECC</a:t>
-            </a:r>
-          </a:p>
-          <a:p>
-            <a:r>
-              <a:rPr lang="en-US" dirty="0" smtClean="0"/>
-              <a:t>2018 </a:t>
-            </a:r>
-            <a:r>
-              <a:rPr lang="en-US" dirty="0" err="1" smtClean="0"/>
-              <a:t>Vexpert</a:t>
-            </a:r>
-            <a:endParaRPr lang="en-US" dirty="0" smtClean="0"/>
-          </a:p>
-          <a:p>
-            <a:endParaRPr lang="en-US" dirty="0"/>
-          </a:p>
-          <a:p>
-            <a:r>
-              <a:rPr lang="en-US" dirty="0" smtClean="0"/>
-              <a:t>For fun I referee Soccer</a:t>
-            </a:r>
-          </a:p>
-          <a:p>
-            <a:r>
-              <a:rPr lang="en-US" dirty="0" smtClean="0"/>
-              <a:t>Love Purdue Men's Basketball</a:t>
-            </a:r>
-          </a:p>
-          <a:p>
-            <a:endParaRPr lang="en-US" dirty="0"/>
-          </a:p>
-          <a:p>
-            <a:r>
-              <a:rPr lang="en-US" dirty="0" smtClean="0"/>
-              <a:t>Twitter @</a:t>
-            </a:r>
-            <a:r>
-              <a:rPr lang="en-US" dirty="0" err="1" smtClean="0"/>
-              <a:t>jryanwall</a:t>
-            </a:r>
-            <a:endParaRPr lang="en-US" dirty="0" smtClean="0"/>
-          </a:p>
-        </p:txBody>
-      </p:sp>
       <p:pic>
         <p:nvPicPr>
-          <p:cNvPr id="4" name="Picture 3"/>
+          <p:cNvPr id="22" name="Picture 21" descr="Slate-V2-HD-vertPhotoInset.png"/>
           <p:cNvPicPr>
             <a:picLocks noChangeAspect="1"/>
           </p:cNvPicPr>
@@ -3183,14 +4915,1623 @@
         </p:blipFill>
         <p:spPr>
           <a:xfrm>
-            <a:off x="7788160" y="1027906"/>
-            <a:ext cx="3809388" cy="4940300"/>
+            <a:off x="7293665" y="609600"/>
+            <a:ext cx="3584166" cy="5204832"/>
           </a:xfrm>
           <a:prstGeom prst="rect">
             <a:avLst/>
           </a:prstGeom>
         </p:spPr>
       </p:pic>
+      <p:sp>
+        <p:nvSpPr>
+          <p:cNvPr id="2" name="Title 1"/>
+          <p:cNvSpPr>
+            <a:spLocks noGrp="1"/>
+          </p:cNvSpPr>
+          <p:nvPr>
+            <p:ph type="title"/>
+          </p:nvPr>
+        </p:nvSpPr>
+        <p:spPr>
+          <a:xfrm>
+            <a:off x="913795" y="609923"/>
+            <a:ext cx="5934949" cy="1829338"/>
+          </a:xfrm>
+        </p:spPr>
+        <p:txBody>
+          <a:bodyPr anchor="b">
+            <a:noAutofit/>
+          </a:bodyPr>
+          <a:lstStyle>
+            <a:lvl1pPr algn="ctr">
+              <a:defRPr sz="3200" b="0"/>
+            </a:lvl1pPr>
+          </a:lstStyle>
+          <a:p>
+            <a:r>
+              <a:rPr lang="en-US"/>
+              <a:t>Click to edit Master title style</a:t>
+            </a:r>
+            <a:endParaRPr lang="en-US" dirty="0"/>
+          </a:p>
+        </p:txBody>
+      </p:sp>
+      <p:sp>
+        <p:nvSpPr>
+          <p:cNvPr id="3" name="Picture Placeholder 2"/>
+          <p:cNvSpPr>
+            <a:spLocks noGrp="1" noChangeAspect="1"/>
+          </p:cNvSpPr>
+          <p:nvPr>
+            <p:ph type="pic" idx="1"/>
+          </p:nvPr>
+        </p:nvSpPr>
+        <p:spPr>
+          <a:xfrm>
+            <a:off x="7442551" y="763702"/>
+            <a:ext cx="3275751" cy="4912822"/>
+          </a:xfrm>
+          <a:effectLst>
+            <a:outerShdw blurRad="38100" dist="25400" dir="4440000">
+              <a:srgbClr val="000000">
+                <a:alpha val="36000"/>
+              </a:srgbClr>
+            </a:outerShdw>
+          </a:effectLst>
+        </p:spPr>
+        <p:txBody>
+          <a:bodyPr anchor="t">
+            <a:normAutofit/>
+          </a:bodyPr>
+          <a:lstStyle>
+            <a:lvl1pPr marL="0" indent="0" algn="ctr">
+              <a:buNone/>
+              <a:defRPr sz="1600"/>
+            </a:lvl1pPr>
+            <a:lvl2pPr marL="457200" indent="0">
+              <a:buNone/>
+              <a:defRPr sz="1600"/>
+            </a:lvl2pPr>
+            <a:lvl3pPr marL="914400" indent="0">
+              <a:buNone/>
+              <a:defRPr sz="1600"/>
+            </a:lvl3pPr>
+            <a:lvl4pPr marL="1371600" indent="0">
+              <a:buNone/>
+              <a:defRPr sz="1600"/>
+            </a:lvl4pPr>
+            <a:lvl5pPr marL="1828800" indent="0">
+              <a:buNone/>
+              <a:defRPr sz="1600"/>
+            </a:lvl5pPr>
+            <a:lvl6pPr marL="2286000" indent="0">
+              <a:buNone/>
+              <a:defRPr sz="1600"/>
+            </a:lvl6pPr>
+            <a:lvl7pPr marL="2743200" indent="0">
+              <a:buNone/>
+              <a:defRPr sz="1600"/>
+            </a:lvl7pPr>
+            <a:lvl8pPr marL="3200400" indent="0">
+              <a:buNone/>
+              <a:defRPr sz="1600"/>
+            </a:lvl8pPr>
+            <a:lvl9pPr marL="3657600" indent="0">
+              <a:buNone/>
+              <a:defRPr sz="1600"/>
+            </a:lvl9pPr>
+          </a:lstStyle>
+          <a:p>
+            <a:r>
+              <a:rPr lang="en-US"/>
+              <a:t>Click icon to add picture</a:t>
+            </a:r>
+            <a:endParaRPr lang="en-US" dirty="0"/>
+          </a:p>
+        </p:txBody>
+      </p:sp>
+      <p:sp>
+        <p:nvSpPr>
+          <p:cNvPr id="4" name="Text Placeholder 3"/>
+          <p:cNvSpPr>
+            <a:spLocks noGrp="1"/>
+          </p:cNvSpPr>
+          <p:nvPr>
+            <p:ph type="body" sz="half" idx="2"/>
+          </p:nvPr>
+        </p:nvSpPr>
+        <p:spPr>
+          <a:xfrm>
+            <a:off x="913795" y="2439261"/>
+            <a:ext cx="5934949" cy="3376134"/>
+          </a:xfrm>
+        </p:spPr>
+        <p:txBody>
+          <a:bodyPr anchor="t">
+            <a:normAutofit/>
+          </a:bodyPr>
+          <a:lstStyle>
+            <a:lvl1pPr marL="0" indent="0" algn="ctr">
+              <a:buNone/>
+              <a:defRPr sz="1600"/>
+            </a:lvl1pPr>
+            <a:lvl2pPr marL="457200" indent="0">
+              <a:buNone/>
+              <a:defRPr sz="1200"/>
+            </a:lvl2pPr>
+            <a:lvl3pPr marL="914400" indent="0">
+              <a:buNone/>
+              <a:defRPr sz="1000"/>
+            </a:lvl3pPr>
+            <a:lvl4pPr marL="1371600" indent="0">
+              <a:buNone/>
+              <a:defRPr sz="900"/>
+            </a:lvl4pPr>
+            <a:lvl5pPr marL="1828800" indent="0">
+              <a:buNone/>
+              <a:defRPr sz="900"/>
+            </a:lvl5pPr>
+            <a:lvl6pPr marL="2286000" indent="0">
+              <a:buNone/>
+              <a:defRPr sz="900"/>
+            </a:lvl6pPr>
+            <a:lvl7pPr marL="2743200" indent="0">
+              <a:buNone/>
+              <a:defRPr sz="900"/>
+            </a:lvl7pPr>
+            <a:lvl8pPr marL="3200400" indent="0">
+              <a:buNone/>
+              <a:defRPr sz="900"/>
+            </a:lvl8pPr>
+            <a:lvl9pPr marL="3657600" indent="0">
+              <a:buNone/>
+              <a:defRPr sz="900"/>
+            </a:lvl9pPr>
+          </a:lstStyle>
+          <a:p>
+            <a:pPr lvl="0"/>
+            <a:r>
+              <a:rPr lang="en-US"/>
+              <a:t>Edit Master text styles</a:t>
+            </a:r>
+          </a:p>
+        </p:txBody>
+      </p:sp>
+      <p:sp>
+        <p:nvSpPr>
+          <p:cNvPr id="5" name="Date Placeholder 4"/>
+          <p:cNvSpPr>
+            <a:spLocks noGrp="1"/>
+          </p:cNvSpPr>
+          <p:nvPr>
+            <p:ph type="dt" sz="half" idx="10"/>
+          </p:nvPr>
+        </p:nvSpPr>
+        <p:spPr/>
+        <p:txBody>
+          <a:bodyPr/>
+          <a:lstStyle/>
+          <a:p>
+            <a:fld id="{603F06EE-F07F-4A2D-9CB8-B5E6AC9AF85B}" type="datetimeFigureOut">
+              <a:rPr lang="en-US" smtClean="0"/>
+              <a:t>11/7/2018</a:t>
+            </a:fld>
+            <a:endParaRPr lang="en-US"/>
+          </a:p>
+        </p:txBody>
+      </p:sp>
+      <p:sp>
+        <p:nvSpPr>
+          <p:cNvPr id="6" name="Footer Placeholder 5"/>
+          <p:cNvSpPr>
+            <a:spLocks noGrp="1"/>
+          </p:cNvSpPr>
+          <p:nvPr>
+            <p:ph type="ftr" sz="quarter" idx="11"/>
+          </p:nvPr>
+        </p:nvSpPr>
+        <p:spPr/>
+        <p:txBody>
+          <a:bodyPr/>
+          <a:lstStyle/>
+          <a:p>
+            <a:endParaRPr lang="en-US"/>
+          </a:p>
+        </p:txBody>
+      </p:sp>
+      <p:sp>
+        <p:nvSpPr>
+          <p:cNvPr id="7" name="Slide Number Placeholder 6"/>
+          <p:cNvSpPr>
+            <a:spLocks noGrp="1"/>
+          </p:cNvSpPr>
+          <p:nvPr>
+            <p:ph type="sldNum" sz="quarter" idx="12"/>
+          </p:nvPr>
+        </p:nvSpPr>
+        <p:spPr/>
+        <p:txBody>
+          <a:bodyPr/>
+          <a:lstStyle/>
+          <a:p>
+            <a:fld id="{CF32A4A4-F9A1-4A91-B19B-F6A1E6D83435}" type="slidenum">
+              <a:rPr lang="en-US" smtClean="0"/>
+              <a:t>‹#›</a:t>
+            </a:fld>
+            <a:endParaRPr lang="en-US"/>
+          </a:p>
+        </p:txBody>
+      </p:sp>
+    </p:spTree>
+    <p:extLst>
+      <p:ext uri="{BB962C8B-B14F-4D97-AF65-F5344CB8AC3E}">
+        <p14:creationId xmlns:p14="http://schemas.microsoft.com/office/powerpoint/2010/main" val="3203181799"/>
+      </p:ext>
+    </p:extLst>
+  </p:cSld>
+  <p:clrMapOvr>
+    <a:masterClrMapping/>
+  </p:clrMapOvr>
+</p:sldLayout>
+</file>
+
+<file path=ppt/slideMasters/slideMaster1.xml><?xml version="1.0" encoding="utf-8"?>
+<p:sldMaster xmlns:a="http://schemas.openxmlformats.org/drawingml/2006/main" xmlns:r="http://schemas.openxmlformats.org/officeDocument/2006/relationships" xmlns:p="http://schemas.openxmlformats.org/presentationml/2006/main">
+  <p:cSld>
+    <p:bg>
+      <p:bgRef idx="1003">
+        <a:schemeClr val="bg2"/>
+      </p:bgRef>
+    </p:bg>
+    <p:spTree>
+      <p:nvGrpSpPr>
+        <p:cNvPr id="1" name=""/>
+        <p:cNvGrpSpPr/>
+        <p:nvPr/>
+      </p:nvGrpSpPr>
+      <p:grpSpPr>
+        <a:xfrm>
+          <a:off x="0" y="0"/>
+          <a:ext cx="0" cy="0"/>
+          <a:chOff x="0" y="0"/>
+          <a:chExt cx="0" cy="0"/>
+        </a:xfrm>
+      </p:grpSpPr>
+      <p:sp>
+        <p:nvSpPr>
+          <p:cNvPr id="2" name="Title Placeholder 1"/>
+          <p:cNvSpPr>
+            <a:spLocks noGrp="1"/>
+          </p:cNvSpPr>
+          <p:nvPr>
+            <p:ph type="title"/>
+          </p:nvPr>
+        </p:nvSpPr>
+        <p:spPr>
+          <a:xfrm>
+            <a:off x="913795" y="609600"/>
+            <a:ext cx="10353762" cy="970450"/>
+          </a:xfrm>
+          <a:prstGeom prst="rect">
+            <a:avLst/>
+          </a:prstGeom>
+          <a:effectLst>
+            <a:outerShdw blurRad="25400" dir="17880000">
+              <a:srgbClr val="000000">
+                <a:alpha val="46000"/>
+              </a:srgbClr>
+            </a:outerShdw>
+          </a:effectLst>
+        </p:spPr>
+        <p:txBody>
+          <a:bodyPr vert="horz" lIns="91440" tIns="45720" rIns="91440" bIns="45720" rtlCol="0" anchor="ctr">
+            <a:normAutofit/>
+          </a:bodyPr>
+          <a:lstStyle/>
+          <a:p>
+            <a:r>
+              <a:rPr lang="en-US"/>
+              <a:t>Click to edit Master title style</a:t>
+            </a:r>
+            <a:endParaRPr lang="en-US" dirty="0"/>
+          </a:p>
+        </p:txBody>
+      </p:sp>
+      <p:sp>
+        <p:nvSpPr>
+          <p:cNvPr id="3" name="Text Placeholder 2"/>
+          <p:cNvSpPr>
+            <a:spLocks noGrp="1"/>
+          </p:cNvSpPr>
+          <p:nvPr>
+            <p:ph type="body" idx="1"/>
+          </p:nvPr>
+        </p:nvSpPr>
+        <p:spPr>
+          <a:xfrm>
+            <a:off x="913795" y="1732449"/>
+            <a:ext cx="10353762" cy="4058751"/>
+          </a:xfrm>
+          <a:prstGeom prst="rect">
+            <a:avLst/>
+          </a:prstGeom>
+          <a:effectLst>
+            <a:outerShdw blurRad="25400" dir="17880000">
+              <a:srgbClr val="000000">
+                <a:alpha val="46000"/>
+              </a:srgbClr>
+            </a:outerShdw>
+          </a:effectLst>
+        </p:spPr>
+        <p:txBody>
+          <a:bodyPr vert="horz" lIns="91440" tIns="45720" rIns="91440" bIns="45720" rtlCol="0" anchor="t">
+            <a:normAutofit/>
+          </a:bodyPr>
+          <a:lstStyle/>
+          <a:p>
+            <a:pPr lvl="0"/>
+            <a:r>
+              <a:rPr lang="en-US"/>
+              <a:t>Edit Master text styles</a:t>
+            </a:r>
+          </a:p>
+          <a:p>
+            <a:pPr lvl="1"/>
+            <a:r>
+              <a:rPr lang="en-US"/>
+              <a:t>Second level</a:t>
+            </a:r>
+          </a:p>
+          <a:p>
+            <a:pPr lvl="2"/>
+            <a:r>
+              <a:rPr lang="en-US"/>
+              <a:t>Third level</a:t>
+            </a:r>
+          </a:p>
+          <a:p>
+            <a:pPr lvl="3"/>
+            <a:r>
+              <a:rPr lang="en-US"/>
+              <a:t>Fourth level</a:t>
+            </a:r>
+          </a:p>
+          <a:p>
+            <a:pPr lvl="4"/>
+            <a:r>
+              <a:rPr lang="en-US"/>
+              <a:t>Fifth level</a:t>
+            </a:r>
+            <a:endParaRPr lang="en-US" dirty="0"/>
+          </a:p>
+        </p:txBody>
+      </p:sp>
+      <p:sp>
+        <p:nvSpPr>
+          <p:cNvPr id="4" name="Date Placeholder 3"/>
+          <p:cNvSpPr>
+            <a:spLocks noGrp="1"/>
+          </p:cNvSpPr>
+          <p:nvPr>
+            <p:ph type="dt" sz="half" idx="2"/>
+          </p:nvPr>
+        </p:nvSpPr>
+        <p:spPr>
+          <a:xfrm>
+            <a:off x="7678736" y="5883275"/>
+            <a:ext cx="2743200" cy="365125"/>
+          </a:xfrm>
+          <a:prstGeom prst="rect">
+            <a:avLst/>
+          </a:prstGeom>
+        </p:spPr>
+        <p:txBody>
+          <a:bodyPr vert="horz" lIns="91440" tIns="45720" rIns="91440" bIns="45720" rtlCol="0" anchor="ctr"/>
+          <a:lstStyle>
+            <a:lvl1pPr algn="r">
+              <a:defRPr sz="1000">
+                <a:solidFill>
+                  <a:schemeClr val="tx1">
+                    <a:lumMod val="95000"/>
+                  </a:schemeClr>
+                </a:solidFill>
+                <a:effectLst>
+                  <a:outerShdw blurRad="50800" dist="38100" dir="2700000" algn="tl" rotWithShape="0">
+                    <a:schemeClr val="bg1">
+                      <a:alpha val="43000"/>
+                    </a:schemeClr>
+                  </a:outerShdw>
+                </a:effectLst>
+              </a:defRPr>
+            </a:lvl1pPr>
+          </a:lstStyle>
+          <a:p>
+            <a:fld id="{603F06EE-F07F-4A2D-9CB8-B5E6AC9AF85B}" type="datetimeFigureOut">
+              <a:rPr lang="en-US" smtClean="0"/>
+              <a:t>11/7/2018</a:t>
+            </a:fld>
+            <a:endParaRPr lang="en-US"/>
+          </a:p>
+        </p:txBody>
+      </p:sp>
+      <p:sp>
+        <p:nvSpPr>
+          <p:cNvPr id="5" name="Footer Placeholder 4"/>
+          <p:cNvSpPr>
+            <a:spLocks noGrp="1"/>
+          </p:cNvSpPr>
+          <p:nvPr>
+            <p:ph type="ftr" sz="quarter" idx="3"/>
+          </p:nvPr>
+        </p:nvSpPr>
+        <p:spPr>
+          <a:xfrm>
+            <a:off x="913795" y="5883275"/>
+            <a:ext cx="6672865" cy="365125"/>
+          </a:xfrm>
+          <a:prstGeom prst="rect">
+            <a:avLst/>
+          </a:prstGeom>
+        </p:spPr>
+        <p:txBody>
+          <a:bodyPr vert="horz" lIns="91440" tIns="45720" rIns="91440" bIns="45720" rtlCol="0" anchor="ctr"/>
+          <a:lstStyle>
+            <a:lvl1pPr algn="l">
+              <a:defRPr sz="1000">
+                <a:solidFill>
+                  <a:schemeClr val="tx1">
+                    <a:lumMod val="95000"/>
+                  </a:schemeClr>
+                </a:solidFill>
+                <a:effectLst>
+                  <a:outerShdw blurRad="50800" dist="38100" dir="2700000" algn="tl" rotWithShape="0">
+                    <a:schemeClr val="bg1">
+                      <a:alpha val="43000"/>
+                    </a:schemeClr>
+                  </a:outerShdw>
+                </a:effectLst>
+              </a:defRPr>
+            </a:lvl1pPr>
+          </a:lstStyle>
+          <a:p>
+            <a:endParaRPr lang="en-US"/>
+          </a:p>
+        </p:txBody>
+      </p:sp>
+      <p:sp>
+        <p:nvSpPr>
+          <p:cNvPr id="6" name="Slide Number Placeholder 5"/>
+          <p:cNvSpPr>
+            <a:spLocks noGrp="1"/>
+          </p:cNvSpPr>
+          <p:nvPr>
+            <p:ph type="sldNum" sz="quarter" idx="4"/>
+          </p:nvPr>
+        </p:nvSpPr>
+        <p:spPr>
+          <a:xfrm>
+            <a:off x="10514011" y="5883275"/>
+            <a:ext cx="753545" cy="365125"/>
+          </a:xfrm>
+          <a:prstGeom prst="rect">
+            <a:avLst/>
+          </a:prstGeom>
+        </p:spPr>
+        <p:txBody>
+          <a:bodyPr vert="horz" lIns="91440" tIns="45720" rIns="91440" bIns="45720" rtlCol="0" anchor="ctr"/>
+          <a:lstStyle>
+            <a:lvl1pPr algn="r">
+              <a:defRPr sz="1000">
+                <a:solidFill>
+                  <a:schemeClr val="tx1">
+                    <a:lumMod val="95000"/>
+                  </a:schemeClr>
+                </a:solidFill>
+                <a:effectLst>
+                  <a:outerShdw blurRad="50800" dist="38100" dir="2700000" algn="tl" rotWithShape="0">
+                    <a:schemeClr val="bg1">
+                      <a:alpha val="43000"/>
+                    </a:schemeClr>
+                  </a:outerShdw>
+                </a:effectLst>
+              </a:defRPr>
+            </a:lvl1pPr>
+          </a:lstStyle>
+          <a:p>
+            <a:fld id="{CF32A4A4-F9A1-4A91-B19B-F6A1E6D83435}" type="slidenum">
+              <a:rPr lang="en-US" smtClean="0"/>
+              <a:t>‹#›</a:t>
+            </a:fld>
+            <a:endParaRPr lang="en-US"/>
+          </a:p>
+        </p:txBody>
+      </p:sp>
+    </p:spTree>
+    <p:extLst>
+      <p:ext uri="{BB962C8B-B14F-4D97-AF65-F5344CB8AC3E}">
+        <p14:creationId xmlns:p14="http://schemas.microsoft.com/office/powerpoint/2010/main" val="1665770615"/>
+      </p:ext>
+    </p:extLst>
+  </p:cSld>
+  <p:clrMap bg1="dk1" tx1="lt1" bg2="dk2" tx2="lt2" accent1="accent1" accent2="accent2" accent3="accent3" accent4="accent4" accent5="accent5" accent6="accent6" hlink="hlink" folHlink="folHlink"/>
+  <p:sldLayoutIdLst>
+    <p:sldLayoutId id="2147483661" r:id="rId1"/>
+    <p:sldLayoutId id="2147483662" r:id="rId2"/>
+    <p:sldLayoutId id="2147483663" r:id="rId3"/>
+    <p:sldLayoutId id="2147483664" r:id="rId4"/>
+    <p:sldLayoutId id="2147483665" r:id="rId5"/>
+    <p:sldLayoutId id="2147483666" r:id="rId6"/>
+    <p:sldLayoutId id="2147483667" r:id="rId7"/>
+    <p:sldLayoutId id="2147483668" r:id="rId8"/>
+    <p:sldLayoutId id="2147483669" r:id="rId9"/>
+    <p:sldLayoutId id="2147483670" r:id="rId10"/>
+    <p:sldLayoutId id="2147483671" r:id="rId11"/>
+    <p:sldLayoutId id="2147483672" r:id="rId12"/>
+    <p:sldLayoutId id="2147483673" r:id="rId13"/>
+    <p:sldLayoutId id="2147483674" r:id="rId14"/>
+    <p:sldLayoutId id="2147483675" r:id="rId15"/>
+    <p:sldLayoutId id="2147483676" r:id="rId16"/>
+    <p:sldLayoutId id="2147483677" r:id="rId17"/>
+  </p:sldLayoutIdLst>
+  <p:txStyles>
+    <p:titleStyle>
+      <a:lvl1pPr algn="ctr" defTabSz="457200" rtl="0" eaLnBrk="1" latinLnBrk="0" hangingPunct="1">
+        <a:spcBef>
+          <a:spcPct val="0"/>
+        </a:spcBef>
+        <a:buNone/>
+        <a:defRPr sz="4000" kern="1200">
+          <a:ln>
+            <a:solidFill>
+              <a:schemeClr val="bg1">
+                <a:lumMod val="75000"/>
+                <a:lumOff val="25000"/>
+                <a:alpha val="10000"/>
+              </a:schemeClr>
+            </a:solidFill>
+          </a:ln>
+          <a:solidFill>
+            <a:schemeClr val="tx2"/>
+          </a:solidFill>
+          <a:effectLst>
+            <a:outerShdw blurRad="9525" dist="25400" dir="14640000" algn="tl" rotWithShape="0">
+              <a:schemeClr val="bg1">
+                <a:alpha val="30000"/>
+              </a:schemeClr>
+            </a:outerShdw>
+          </a:effectLst>
+          <a:latin typeface="+mj-lt"/>
+          <a:ea typeface="+mj-ea"/>
+          <a:cs typeface="Trebuchet MS"/>
+        </a:defRPr>
+      </a:lvl1pPr>
+      <a:lvl2pPr eaLnBrk="1" hangingPunct="1">
+        <a:defRPr>
+          <a:solidFill>
+            <a:schemeClr val="tx2"/>
+          </a:solidFill>
+        </a:defRPr>
+      </a:lvl2pPr>
+      <a:lvl3pPr eaLnBrk="1" hangingPunct="1">
+        <a:defRPr>
+          <a:solidFill>
+            <a:schemeClr val="tx2"/>
+          </a:solidFill>
+        </a:defRPr>
+      </a:lvl3pPr>
+      <a:lvl4pPr eaLnBrk="1" hangingPunct="1">
+        <a:defRPr>
+          <a:solidFill>
+            <a:schemeClr val="tx2"/>
+          </a:solidFill>
+        </a:defRPr>
+      </a:lvl4pPr>
+      <a:lvl5pPr eaLnBrk="1" hangingPunct="1">
+        <a:defRPr>
+          <a:solidFill>
+            <a:schemeClr val="tx2"/>
+          </a:solidFill>
+        </a:defRPr>
+      </a:lvl5pPr>
+      <a:lvl6pPr eaLnBrk="1" hangingPunct="1">
+        <a:defRPr>
+          <a:solidFill>
+            <a:schemeClr val="tx2"/>
+          </a:solidFill>
+        </a:defRPr>
+      </a:lvl6pPr>
+      <a:lvl7pPr eaLnBrk="1" hangingPunct="1">
+        <a:defRPr>
+          <a:solidFill>
+            <a:schemeClr val="tx2"/>
+          </a:solidFill>
+        </a:defRPr>
+      </a:lvl7pPr>
+      <a:lvl8pPr eaLnBrk="1" hangingPunct="1">
+        <a:defRPr>
+          <a:solidFill>
+            <a:schemeClr val="tx2"/>
+          </a:solidFill>
+        </a:defRPr>
+      </a:lvl8pPr>
+      <a:lvl9pPr eaLnBrk="1" hangingPunct="1">
+        <a:defRPr>
+          <a:solidFill>
+            <a:schemeClr val="tx2"/>
+          </a:solidFill>
+        </a:defRPr>
+      </a:lvl9pPr>
+    </p:titleStyle>
+    <p:bodyStyle>
+      <a:lvl1pPr marL="342900" indent="-306000" algn="l" defTabSz="457200" rtl="0" eaLnBrk="1" latinLnBrk="0" hangingPunct="1">
+        <a:spcBef>
+          <a:spcPct val="20000"/>
+        </a:spcBef>
+        <a:spcAft>
+          <a:spcPts val="600"/>
+        </a:spcAft>
+        <a:buClr>
+          <a:schemeClr val="tx2"/>
+        </a:buClr>
+        <a:buSzPct val="70000"/>
+        <a:buFont typeface="Wingdings 2" charset="2"/>
+        <a:buChar char=""/>
+        <a:defRPr sz="2000" kern="1200">
+          <a:ln>
+            <a:solidFill>
+              <a:schemeClr val="bg1">
+                <a:lumMod val="75000"/>
+                <a:lumOff val="25000"/>
+                <a:alpha val="10000"/>
+              </a:schemeClr>
+            </a:solidFill>
+          </a:ln>
+          <a:solidFill>
+            <a:schemeClr val="tx2"/>
+          </a:solidFill>
+          <a:effectLst>
+            <a:outerShdw blurRad="9525" dist="25400" dir="14640000" algn="tl" rotWithShape="0">
+              <a:schemeClr val="bg1">
+                <a:alpha val="30000"/>
+              </a:schemeClr>
+            </a:outerShdw>
+          </a:effectLst>
+          <a:latin typeface="+mn-lt"/>
+          <a:ea typeface="+mn-ea"/>
+          <a:cs typeface="+mn-cs"/>
+        </a:defRPr>
+      </a:lvl1pPr>
+      <a:lvl2pPr marL="720000" indent="-270000" algn="l" defTabSz="457200" rtl="0" eaLnBrk="1" latinLnBrk="0" hangingPunct="1">
+        <a:spcBef>
+          <a:spcPct val="20000"/>
+        </a:spcBef>
+        <a:spcAft>
+          <a:spcPts val="600"/>
+        </a:spcAft>
+        <a:buClr>
+          <a:schemeClr val="tx2"/>
+        </a:buClr>
+        <a:buSzPct val="70000"/>
+        <a:buFont typeface="Wingdings 2" charset="2"/>
+        <a:buChar char=""/>
+        <a:defRPr sz="1800" kern="1200">
+          <a:ln>
+            <a:solidFill>
+              <a:schemeClr val="bg1">
+                <a:lumMod val="75000"/>
+                <a:lumOff val="25000"/>
+                <a:alpha val="10000"/>
+              </a:schemeClr>
+            </a:solidFill>
+          </a:ln>
+          <a:solidFill>
+            <a:schemeClr val="tx2"/>
+          </a:solidFill>
+          <a:effectLst>
+            <a:outerShdw blurRad="9525" dist="25400" dir="14640000" algn="tl" rotWithShape="0">
+              <a:schemeClr val="bg1">
+                <a:alpha val="30000"/>
+              </a:schemeClr>
+            </a:outerShdw>
+          </a:effectLst>
+          <a:latin typeface="+mn-lt"/>
+          <a:ea typeface="+mn-ea"/>
+          <a:cs typeface="+mn-cs"/>
+        </a:defRPr>
+      </a:lvl2pPr>
+      <a:lvl3pPr marL="1026000" indent="-216000" algn="l" defTabSz="457200" rtl="0" eaLnBrk="1" latinLnBrk="0" hangingPunct="1">
+        <a:spcBef>
+          <a:spcPct val="20000"/>
+        </a:spcBef>
+        <a:spcAft>
+          <a:spcPts val="600"/>
+        </a:spcAft>
+        <a:buClr>
+          <a:schemeClr val="tx2"/>
+        </a:buClr>
+        <a:buSzPct val="70000"/>
+        <a:buFont typeface="Wingdings 2" charset="2"/>
+        <a:buChar char=""/>
+        <a:defRPr sz="1600" kern="1200">
+          <a:ln>
+            <a:solidFill>
+              <a:schemeClr val="bg1">
+                <a:lumMod val="75000"/>
+                <a:lumOff val="25000"/>
+                <a:alpha val="10000"/>
+              </a:schemeClr>
+            </a:solidFill>
+          </a:ln>
+          <a:solidFill>
+            <a:schemeClr val="tx2"/>
+          </a:solidFill>
+          <a:effectLst>
+            <a:outerShdw blurRad="9525" dist="25400" dir="14640000" algn="tl" rotWithShape="0">
+              <a:schemeClr val="bg1">
+                <a:alpha val="30000"/>
+              </a:schemeClr>
+            </a:outerShdw>
+          </a:effectLst>
+          <a:latin typeface="+mn-lt"/>
+          <a:ea typeface="+mn-ea"/>
+          <a:cs typeface="+mn-cs"/>
+        </a:defRPr>
+      </a:lvl3pPr>
+      <a:lvl4pPr marL="1386000" indent="-216000" algn="l" defTabSz="457200" rtl="0" eaLnBrk="1" latinLnBrk="0" hangingPunct="1">
+        <a:spcBef>
+          <a:spcPct val="20000"/>
+        </a:spcBef>
+        <a:spcAft>
+          <a:spcPts val="600"/>
+        </a:spcAft>
+        <a:buClr>
+          <a:schemeClr val="tx2"/>
+        </a:buClr>
+        <a:buSzPct val="70000"/>
+        <a:buFont typeface="Wingdings 2" charset="2"/>
+        <a:buChar char=""/>
+        <a:defRPr sz="1400" kern="1200">
+          <a:ln>
+            <a:solidFill>
+              <a:schemeClr val="bg1">
+                <a:lumMod val="75000"/>
+                <a:lumOff val="25000"/>
+                <a:alpha val="10000"/>
+              </a:schemeClr>
+            </a:solidFill>
+          </a:ln>
+          <a:solidFill>
+            <a:schemeClr val="tx2"/>
+          </a:solidFill>
+          <a:effectLst>
+            <a:outerShdw blurRad="9525" dist="25400" dir="14640000" algn="tl" rotWithShape="0">
+              <a:schemeClr val="bg1">
+                <a:alpha val="30000"/>
+              </a:schemeClr>
+            </a:outerShdw>
+          </a:effectLst>
+          <a:latin typeface="+mn-lt"/>
+          <a:ea typeface="+mn-ea"/>
+          <a:cs typeface="+mn-cs"/>
+        </a:defRPr>
+      </a:lvl4pPr>
+      <a:lvl5pPr marL="1674000" indent="-216000" algn="l" defTabSz="457200" rtl="0" eaLnBrk="1" latinLnBrk="0" hangingPunct="1">
+        <a:spcBef>
+          <a:spcPct val="20000"/>
+        </a:spcBef>
+        <a:spcAft>
+          <a:spcPts val="600"/>
+        </a:spcAft>
+        <a:buClr>
+          <a:schemeClr val="tx2"/>
+        </a:buClr>
+        <a:buSzPct val="70000"/>
+        <a:buFont typeface="Wingdings 2" charset="2"/>
+        <a:buChar char=""/>
+        <a:defRPr sz="1400" kern="1200">
+          <a:ln>
+            <a:solidFill>
+              <a:schemeClr val="bg1">
+                <a:lumMod val="75000"/>
+                <a:lumOff val="25000"/>
+                <a:alpha val="10000"/>
+              </a:schemeClr>
+            </a:solidFill>
+          </a:ln>
+          <a:solidFill>
+            <a:schemeClr val="tx2"/>
+          </a:solidFill>
+          <a:effectLst>
+            <a:outerShdw blurRad="9525" dist="25400" dir="14640000" algn="tl" rotWithShape="0">
+              <a:schemeClr val="bg1">
+                <a:alpha val="30000"/>
+              </a:schemeClr>
+            </a:outerShdw>
+          </a:effectLst>
+          <a:latin typeface="+mn-lt"/>
+          <a:ea typeface="+mn-ea"/>
+          <a:cs typeface="+mn-cs"/>
+        </a:defRPr>
+      </a:lvl5pPr>
+      <a:lvl6pPr marL="2014600" indent="-228600" algn="l" defTabSz="457200" rtl="0" eaLnBrk="1" latinLnBrk="0" hangingPunct="1">
+        <a:spcBef>
+          <a:spcPct val="20000"/>
+        </a:spcBef>
+        <a:spcAft>
+          <a:spcPts val="600"/>
+        </a:spcAft>
+        <a:buClr>
+          <a:schemeClr val="tx2"/>
+        </a:buClr>
+        <a:buSzPct val="70000"/>
+        <a:buFont typeface="Wingdings 2" charset="2"/>
+        <a:buChar char=""/>
+        <a:defRPr sz="1400" kern="1200">
+          <a:ln>
+            <a:solidFill>
+              <a:schemeClr val="bg1">
+                <a:lumMod val="75000"/>
+                <a:lumOff val="25000"/>
+                <a:alpha val="10000"/>
+              </a:schemeClr>
+            </a:solidFill>
+          </a:ln>
+          <a:solidFill>
+            <a:schemeClr val="tx2"/>
+          </a:solidFill>
+          <a:effectLst>
+            <a:outerShdw blurRad="9525" dist="25400" dir="14640000" algn="tl" rotWithShape="0">
+              <a:schemeClr val="bg1">
+                <a:alpha val="30000"/>
+              </a:schemeClr>
+            </a:outerShdw>
+          </a:effectLst>
+          <a:latin typeface="+mn-lt"/>
+          <a:ea typeface="+mn-ea"/>
+          <a:cs typeface="+mn-cs"/>
+        </a:defRPr>
+      </a:lvl6pPr>
+      <a:lvl7pPr marL="2401800" indent="-228600" algn="l" defTabSz="457200" rtl="0" eaLnBrk="1" latinLnBrk="0" hangingPunct="1">
+        <a:spcBef>
+          <a:spcPct val="20000"/>
+        </a:spcBef>
+        <a:spcAft>
+          <a:spcPts val="600"/>
+        </a:spcAft>
+        <a:buClr>
+          <a:schemeClr val="tx2"/>
+        </a:buClr>
+        <a:buSzPct val="70000"/>
+        <a:buFont typeface="Wingdings 2" charset="2"/>
+        <a:buChar char=""/>
+        <a:defRPr sz="1400" kern="1200">
+          <a:ln>
+            <a:solidFill>
+              <a:schemeClr val="bg1">
+                <a:lumMod val="75000"/>
+                <a:lumOff val="25000"/>
+                <a:alpha val="10000"/>
+              </a:schemeClr>
+            </a:solidFill>
+          </a:ln>
+          <a:solidFill>
+            <a:schemeClr val="tx2"/>
+          </a:solidFill>
+          <a:effectLst>
+            <a:outerShdw blurRad="9525" dist="25400" dir="14640000" algn="tl" rotWithShape="0">
+              <a:schemeClr val="bg1">
+                <a:alpha val="30000"/>
+              </a:schemeClr>
+            </a:outerShdw>
+          </a:effectLst>
+          <a:latin typeface="+mn-lt"/>
+          <a:ea typeface="+mn-ea"/>
+          <a:cs typeface="+mn-cs"/>
+        </a:defRPr>
+      </a:lvl7pPr>
+      <a:lvl8pPr marL="2789000" indent="-228600" algn="l" defTabSz="457200" rtl="0" eaLnBrk="1" latinLnBrk="0" hangingPunct="1">
+        <a:spcBef>
+          <a:spcPct val="20000"/>
+        </a:spcBef>
+        <a:spcAft>
+          <a:spcPts val="600"/>
+        </a:spcAft>
+        <a:buClr>
+          <a:schemeClr val="tx2"/>
+        </a:buClr>
+        <a:buSzPct val="70000"/>
+        <a:buFont typeface="Wingdings 2" charset="2"/>
+        <a:buChar char=""/>
+        <a:defRPr sz="1400" kern="1200">
+          <a:ln>
+            <a:solidFill>
+              <a:schemeClr val="bg1">
+                <a:lumMod val="75000"/>
+                <a:lumOff val="25000"/>
+                <a:alpha val="10000"/>
+              </a:schemeClr>
+            </a:solidFill>
+          </a:ln>
+          <a:solidFill>
+            <a:schemeClr val="tx2"/>
+          </a:solidFill>
+          <a:effectLst>
+            <a:outerShdw blurRad="9525" dist="25400" dir="14640000" algn="tl" rotWithShape="0">
+              <a:schemeClr val="bg1">
+                <a:alpha val="30000"/>
+              </a:schemeClr>
+            </a:outerShdw>
+          </a:effectLst>
+          <a:latin typeface="+mn-lt"/>
+          <a:ea typeface="+mn-ea"/>
+          <a:cs typeface="+mn-cs"/>
+        </a:defRPr>
+      </a:lvl8pPr>
+      <a:lvl9pPr marL="3106200" indent="-228600" algn="l" defTabSz="457200" rtl="0" eaLnBrk="1" latinLnBrk="0" hangingPunct="1">
+        <a:spcBef>
+          <a:spcPct val="20000"/>
+        </a:spcBef>
+        <a:spcAft>
+          <a:spcPts val="600"/>
+        </a:spcAft>
+        <a:buClr>
+          <a:schemeClr val="tx2"/>
+        </a:buClr>
+        <a:buSzPct val="70000"/>
+        <a:buFont typeface="Wingdings 2" charset="2"/>
+        <a:buChar char=""/>
+        <a:defRPr sz="1400" kern="1200">
+          <a:ln>
+            <a:solidFill>
+              <a:schemeClr val="bg1">
+                <a:lumMod val="75000"/>
+                <a:lumOff val="25000"/>
+                <a:alpha val="10000"/>
+              </a:schemeClr>
+            </a:solidFill>
+          </a:ln>
+          <a:solidFill>
+            <a:schemeClr val="tx2"/>
+          </a:solidFill>
+          <a:effectLst>
+            <a:outerShdw blurRad="9525" dist="25400" dir="14640000" algn="tl" rotWithShape="0">
+              <a:schemeClr val="bg1">
+                <a:alpha val="30000"/>
+              </a:schemeClr>
+            </a:outerShdw>
+          </a:effectLst>
+          <a:latin typeface="+mn-lt"/>
+          <a:ea typeface="+mn-ea"/>
+          <a:cs typeface="+mn-cs"/>
+        </a:defRPr>
+      </a:lvl9pPr>
+    </p:bodyStyle>
+    <p:otherStyle>
+      <a:defPPr>
+        <a:defRPr lang="en-US"/>
+      </a:defPPr>
+      <a:lvl1pPr marL="0" algn="l" defTabSz="457200" rtl="0" eaLnBrk="1" latinLnBrk="0" hangingPunct="1">
+        <a:defRPr sz="1800" kern="1200">
+          <a:solidFill>
+            <a:schemeClr val="tx1"/>
+          </a:solidFill>
+          <a:latin typeface="+mn-lt"/>
+          <a:ea typeface="+mn-ea"/>
+          <a:cs typeface="+mn-cs"/>
+        </a:defRPr>
+      </a:lvl1pPr>
+      <a:lvl2pPr marL="457200" algn="l" defTabSz="457200" rtl="0" eaLnBrk="1" latinLnBrk="0" hangingPunct="1">
+        <a:defRPr sz="1800" kern="1200">
+          <a:solidFill>
+            <a:schemeClr val="tx1"/>
+          </a:solidFill>
+          <a:latin typeface="+mn-lt"/>
+          <a:ea typeface="+mn-ea"/>
+          <a:cs typeface="+mn-cs"/>
+        </a:defRPr>
+      </a:lvl2pPr>
+      <a:lvl3pPr marL="914400" algn="l" defTabSz="457200" rtl="0" eaLnBrk="1" latinLnBrk="0" hangingPunct="1">
+        <a:defRPr sz="1800" kern="1200">
+          <a:solidFill>
+            <a:schemeClr val="tx1"/>
+          </a:solidFill>
+          <a:latin typeface="+mn-lt"/>
+          <a:ea typeface="+mn-ea"/>
+          <a:cs typeface="+mn-cs"/>
+        </a:defRPr>
+      </a:lvl3pPr>
+      <a:lvl4pPr marL="1371600" algn="l" defTabSz="457200" rtl="0" eaLnBrk="1" latinLnBrk="0" hangingPunct="1">
+        <a:defRPr sz="1800" kern="1200">
+          <a:solidFill>
+            <a:schemeClr val="tx1"/>
+          </a:solidFill>
+          <a:latin typeface="+mn-lt"/>
+          <a:ea typeface="+mn-ea"/>
+          <a:cs typeface="+mn-cs"/>
+        </a:defRPr>
+      </a:lvl4pPr>
+      <a:lvl5pPr marL="1828800" algn="l" defTabSz="457200" rtl="0" eaLnBrk="1" latinLnBrk="0" hangingPunct="1">
+        <a:defRPr sz="1800" kern="1200">
+          <a:solidFill>
+            <a:schemeClr val="tx1"/>
+          </a:solidFill>
+          <a:latin typeface="+mn-lt"/>
+          <a:ea typeface="+mn-ea"/>
+          <a:cs typeface="+mn-cs"/>
+        </a:defRPr>
+      </a:lvl5pPr>
+      <a:lvl6pPr marL="2286000" algn="l" defTabSz="457200" rtl="0" eaLnBrk="1" latinLnBrk="0" hangingPunct="1">
+        <a:defRPr sz="1800" kern="1200">
+          <a:solidFill>
+            <a:schemeClr val="tx1"/>
+          </a:solidFill>
+          <a:latin typeface="+mn-lt"/>
+          <a:ea typeface="+mn-ea"/>
+          <a:cs typeface="+mn-cs"/>
+        </a:defRPr>
+      </a:lvl6pPr>
+      <a:lvl7pPr marL="2743200" algn="l" defTabSz="457200" rtl="0" eaLnBrk="1" latinLnBrk="0" hangingPunct="1">
+        <a:defRPr sz="1800" kern="1200">
+          <a:solidFill>
+            <a:schemeClr val="tx1"/>
+          </a:solidFill>
+          <a:latin typeface="+mn-lt"/>
+          <a:ea typeface="+mn-ea"/>
+          <a:cs typeface="+mn-cs"/>
+        </a:defRPr>
+      </a:lvl7pPr>
+      <a:lvl8pPr marL="3200400" algn="l" defTabSz="457200" rtl="0" eaLnBrk="1" latinLnBrk="0" hangingPunct="1">
+        <a:defRPr sz="1800" kern="1200">
+          <a:solidFill>
+            <a:schemeClr val="tx1"/>
+          </a:solidFill>
+          <a:latin typeface="+mn-lt"/>
+          <a:ea typeface="+mn-ea"/>
+          <a:cs typeface="+mn-cs"/>
+        </a:defRPr>
+      </a:lvl8pPr>
+      <a:lvl9pPr marL="3657600" algn="l" defTabSz="457200" rtl="0" eaLnBrk="1" latinLnBrk="0" hangingPunct="1">
+        <a:defRPr sz="1800" kern="1200">
+          <a:solidFill>
+            <a:schemeClr val="tx1"/>
+          </a:solidFill>
+          <a:latin typeface="+mn-lt"/>
+          <a:ea typeface="+mn-ea"/>
+          <a:cs typeface="+mn-cs"/>
+        </a:defRPr>
+      </a:lvl9pPr>
+    </p:otherStyle>
+  </p:txStyles>
+</p:sldMaster>
+</file>
+
+<file path=ppt/slides/slide1.xml><?xml version="1.0" encoding="utf-8"?>
+<p:sld xmlns:a="http://schemas.openxmlformats.org/drawingml/2006/main" xmlns:r="http://schemas.openxmlformats.org/officeDocument/2006/relationships" xmlns:p="http://schemas.openxmlformats.org/presentationml/2006/main">
+  <p:cSld>
+    <p:bg>
+      <p:bgPr>
+        <a:blipFill rotWithShape="1">
+          <a:blip r:embed="rId2">
+            <a:duotone>
+              <a:schemeClr val="bg2">
+                <a:shade val="80000"/>
+                <a:lumMod val="80000"/>
+              </a:schemeClr>
+              <a:schemeClr val="bg2">
+                <a:tint val="98000"/>
+              </a:schemeClr>
+            </a:duotone>
+            <a:extLst/>
+          </a:blip>
+          <a:stretch/>
+        </a:blipFill>
+        <a:effectLst/>
+      </p:bgPr>
+    </p:bg>
+    <p:spTree>
+      <p:nvGrpSpPr>
+        <p:cNvPr id="1" name=""/>
+        <p:cNvGrpSpPr/>
+        <p:nvPr/>
+      </p:nvGrpSpPr>
+      <p:grpSpPr>
+        <a:xfrm>
+          <a:off x="0" y="0"/>
+          <a:ext cx="0" cy="0"/>
+          <a:chOff x="0" y="0"/>
+          <a:chExt cx="0" cy="0"/>
+        </a:xfrm>
+      </p:grpSpPr>
+      <p:sp useBgFill="1">
+        <p:nvSpPr>
+          <p:cNvPr id="8" name="Rectangle 7">
+            <a:extLst>
+              <a:ext uri="{FF2B5EF4-FFF2-40B4-BE49-F238E27FC236}">
+                <a16:creationId xmlns:a16="http://schemas.microsoft.com/office/drawing/2014/main" id="{2124007E-BA57-41B2-8C6B-5E99927F2247}"/>
+              </a:ext>
+              <a:ext uri="{C183D7F6-B498-43B3-948B-1728B52AA6E4}">
+                <adec:decorative xmlns:adec="http://schemas.microsoft.com/office/drawing/2017/decorative" val="1"/>
+              </a:ext>
+            </a:extLst>
+          </p:cNvPr>
+          <p:cNvSpPr>
+            <a:spLocks noGrp="1" noRot="1" noChangeAspect="1" noMove="1" noResize="1" noEditPoints="1" noAdjustHandles="1" noChangeArrowheads="1" noChangeShapeType="1" noTextEdit="1"/>
+          </p:cNvSpPr>
+          <p:nvPr>
+            <p:extLst>
+              <p:ext uri="{386F3935-93C4-4BCD-93E2-E3B085C9AB24}">
+                <p16:designElem xmlns:p16="http://schemas.microsoft.com/office/powerpoint/2015/main" val="1"/>
+              </p:ext>
+            </p:extLst>
+          </p:nvPr>
+        </p:nvSpPr>
+        <p:spPr>
+          <a:xfrm>
+            <a:off x="0" y="0"/>
+            <a:ext cx="12192000" cy="6858000"/>
+          </a:xfrm>
+          <a:prstGeom prst="rect">
+            <a:avLst/>
+          </a:prstGeom>
+          <a:ln>
+            <a:noFill/>
+          </a:ln>
+        </p:spPr>
+        <p:style>
+          <a:lnRef idx="2">
+            <a:schemeClr val="accent1">
+              <a:shade val="50000"/>
+            </a:schemeClr>
+          </a:lnRef>
+          <a:fillRef idx="1">
+            <a:schemeClr val="accent1"/>
+          </a:fillRef>
+          <a:effectRef idx="0">
+            <a:schemeClr val="accent1"/>
+          </a:effectRef>
+          <a:fontRef idx="minor">
+            <a:schemeClr val="lt1"/>
+          </a:fontRef>
+        </p:style>
+        <p:txBody>
+          <a:bodyPr rtlCol="0" anchor="ctr"/>
+          <a:lstStyle/>
+          <a:p>
+            <a:pPr algn="ctr"/>
+            <a:endParaRPr lang="en-US"/>
+          </a:p>
+        </p:txBody>
+      </p:sp>
+      <p:sp>
+        <p:nvSpPr>
+          <p:cNvPr id="2" name="Title 1"/>
+          <p:cNvSpPr>
+            <a:spLocks noGrp="1"/>
+          </p:cNvSpPr>
+          <p:nvPr>
+            <p:ph type="ctrTitle"/>
+          </p:nvPr>
+        </p:nvSpPr>
+        <p:spPr>
+          <a:xfrm>
+            <a:off x="769207" y="1099456"/>
+            <a:ext cx="6243636" cy="4625558"/>
+          </a:xfrm>
+          <a:effectLst/>
+        </p:spPr>
+        <p:txBody>
+          <a:bodyPr anchor="ctr">
+            <a:normAutofit/>
+          </a:bodyPr>
+          <a:lstStyle/>
+          <a:p>
+            <a:pPr algn="l"/>
+            <a:r>
+              <a:rPr lang="en-US">
+                <a:solidFill>
+                  <a:schemeClr val="tx1"/>
+                </a:solidFill>
+              </a:rPr>
+              <a:t>HECC 2018</a:t>
+            </a:r>
+          </a:p>
+        </p:txBody>
+      </p:sp>
+      <p:sp>
+        <p:nvSpPr>
+          <p:cNvPr id="10" name="Rectangle 9">
+            <a:extLst>
+              <a:ext uri="{FF2B5EF4-FFF2-40B4-BE49-F238E27FC236}">
+                <a16:creationId xmlns:a16="http://schemas.microsoft.com/office/drawing/2014/main" id="{8DEB9D55-38C8-45B4-BB2D-4FDBBDB08C37}"/>
+              </a:ext>
+              <a:ext uri="{C183D7F6-B498-43B3-948B-1728B52AA6E4}">
+                <adec:decorative xmlns:adec="http://schemas.microsoft.com/office/drawing/2017/decorative" val="1"/>
+              </a:ext>
+            </a:extLst>
+          </p:cNvPr>
+          <p:cNvSpPr>
+            <a:spLocks noGrp="1" noRot="1" noChangeAspect="1" noMove="1" noResize="1" noEditPoints="1" noAdjustHandles="1" noChangeArrowheads="1" noChangeShapeType="1" noTextEdit="1"/>
+          </p:cNvSpPr>
+          <p:nvPr>
+            <p:extLst>
+              <p:ext uri="{386F3935-93C4-4BCD-93E2-E3B085C9AB24}">
+                <p16:designElem xmlns:p16="http://schemas.microsoft.com/office/powerpoint/2015/main" val="1"/>
+              </p:ext>
+            </p:extLst>
+          </p:nvPr>
+        </p:nvSpPr>
+        <p:spPr>
+          <a:xfrm>
+            <a:off x="7537704" y="0"/>
+            <a:ext cx="4654296" cy="6858000"/>
+          </a:xfrm>
+          <a:prstGeom prst="rect">
+            <a:avLst/>
+          </a:prstGeom>
+          <a:solidFill>
+            <a:schemeClr val="tx1">
+              <a:lumMod val="95000"/>
+              <a:alpha val="90000"/>
+            </a:schemeClr>
+          </a:solidFill>
+          <a:ln>
+            <a:noFill/>
+          </a:ln>
+          <a:effectLst>
+            <a:outerShdw blurRad="50800" dist="38100" dir="10800000" algn="l" rotWithShape="0">
+              <a:prstClr val="black">
+                <a:alpha val="40000"/>
+              </a:prstClr>
+            </a:outerShdw>
+          </a:effectLst>
+        </p:spPr>
+        <p:style>
+          <a:lnRef idx="2">
+            <a:schemeClr val="accent1">
+              <a:shade val="50000"/>
+            </a:schemeClr>
+          </a:lnRef>
+          <a:fillRef idx="1">
+            <a:schemeClr val="accent1"/>
+          </a:fillRef>
+          <a:effectRef idx="0">
+            <a:schemeClr val="accent1"/>
+          </a:effectRef>
+          <a:fontRef idx="minor">
+            <a:schemeClr val="lt1"/>
+          </a:fontRef>
+        </p:style>
+        <p:txBody>
+          <a:bodyPr rtlCol="0" anchor="ctr"/>
+          <a:lstStyle/>
+          <a:p>
+            <a:pPr algn="ctr"/>
+            <a:endParaRPr lang="en-US" dirty="0"/>
+          </a:p>
+        </p:txBody>
+      </p:sp>
+      <p:sp>
+        <p:nvSpPr>
+          <p:cNvPr id="3" name="Subtitle 2"/>
+          <p:cNvSpPr>
+            <a:spLocks noGrp="1"/>
+          </p:cNvSpPr>
+          <p:nvPr>
+            <p:ph type="subTitle" idx="1"/>
+          </p:nvPr>
+        </p:nvSpPr>
+        <p:spPr>
+          <a:xfrm>
+            <a:off x="7782049" y="1112685"/>
+            <a:ext cx="2935320" cy="4632630"/>
+          </a:xfrm>
+          <a:effectLst/>
+        </p:spPr>
+        <p:txBody>
+          <a:bodyPr anchor="ctr">
+            <a:normAutofit/>
+          </a:bodyPr>
+          <a:lstStyle/>
+          <a:p>
+            <a:pPr algn="l"/>
+            <a:r>
+              <a:rPr lang="en-US" sz="2400">
+                <a:solidFill>
+                  <a:schemeClr val="bg2"/>
+                </a:solidFill>
+              </a:rPr>
+              <a:t>Deploying Windows 10 With MDT</a:t>
+            </a:r>
+          </a:p>
+        </p:txBody>
+      </p:sp>
+    </p:spTree>
+    <p:extLst>
+      <p:ext uri="{BB962C8B-B14F-4D97-AF65-F5344CB8AC3E}">
+        <p14:creationId xmlns:p14="http://schemas.microsoft.com/office/powerpoint/2010/main" val="3433840758"/>
+      </p:ext>
+    </p:extLst>
+  </p:cSld>
+  <p:clrMapOvr>
+    <a:masterClrMapping/>
+  </p:clrMapOvr>
+</p:sld>
+</file>
+
+<file path=ppt/slides/slide2.xml><?xml version="1.0" encoding="utf-8"?>
+<p:sld xmlns:a="http://schemas.openxmlformats.org/drawingml/2006/main" xmlns:r="http://schemas.openxmlformats.org/officeDocument/2006/relationships" xmlns:p="http://schemas.openxmlformats.org/presentationml/2006/main">
+  <p:cSld>
+    <p:bg>
+      <p:bgPr>
+        <a:blipFill rotWithShape="1">
+          <a:blip r:embed="rId2">
+            <a:duotone>
+              <a:schemeClr val="bg2">
+                <a:shade val="80000"/>
+                <a:lumMod val="80000"/>
+              </a:schemeClr>
+              <a:schemeClr val="bg2">
+                <a:tint val="98000"/>
+              </a:schemeClr>
+            </a:duotone>
+            <a:extLst/>
+          </a:blip>
+          <a:stretch/>
+        </a:blipFill>
+        <a:effectLst/>
+      </p:bgPr>
+    </p:bg>
+    <p:spTree>
+      <p:nvGrpSpPr>
+        <p:cNvPr id="1" name=""/>
+        <p:cNvGrpSpPr/>
+        <p:nvPr/>
+      </p:nvGrpSpPr>
+      <p:grpSpPr>
+        <a:xfrm>
+          <a:off x="0" y="0"/>
+          <a:ext cx="0" cy="0"/>
+          <a:chOff x="0" y="0"/>
+          <a:chExt cx="0" cy="0"/>
+        </a:xfrm>
+      </p:grpSpPr>
+      <p:sp>
+        <p:nvSpPr>
+          <p:cNvPr id="2" name="Title 1"/>
+          <p:cNvSpPr>
+            <a:spLocks noGrp="1"/>
+          </p:cNvSpPr>
+          <p:nvPr>
+            <p:ph type="title"/>
+          </p:nvPr>
+        </p:nvSpPr>
+        <p:spPr>
+          <a:xfrm>
+            <a:off x="5279472" y="609600"/>
+            <a:ext cx="5844759" cy="970450"/>
+          </a:xfrm>
+        </p:spPr>
+        <p:txBody>
+          <a:bodyPr>
+            <a:normAutofit/>
+          </a:bodyPr>
+          <a:lstStyle/>
+          <a:p>
+            <a:r>
+              <a:rPr lang="en-US" dirty="0"/>
+              <a:t>About Me</a:t>
+            </a:r>
+          </a:p>
+        </p:txBody>
+      </p:sp>
+      <p:pic>
+        <p:nvPicPr>
+          <p:cNvPr id="9" name="Picture 8">
+            <a:extLst>
+              <a:ext uri="{FF2B5EF4-FFF2-40B4-BE49-F238E27FC236}">
+                <a16:creationId xmlns:a16="http://schemas.microsoft.com/office/drawing/2014/main" id="{E67A036B-F109-477D-A092-D947533E27EA}"/>
+              </a:ext>
+              <a:ext uri="{C183D7F6-B498-43B3-948B-1728B52AA6E4}">
+                <adec:decorative xmlns:adec="http://schemas.microsoft.com/office/drawing/2017/decorative" val="1"/>
+              </a:ext>
+            </a:extLst>
+          </p:cNvPr>
+          <p:cNvPicPr>
+            <a:picLocks noGrp="1" noRot="1" noChangeAspect="1" noMove="1" noResize="1" noEditPoints="1" noAdjustHandles="1" noChangeArrowheads="1" noChangeShapeType="1" noCrop="1"/>
+          </p:cNvPicPr>
+          <p:nvPr>
+            <p:extLst>
+              <p:ext uri="{386F3935-93C4-4BCD-93E2-E3B085C9AB24}">
+                <p16:designElem xmlns:p16="http://schemas.microsoft.com/office/powerpoint/2015/main" val="1"/>
+              </p:ext>
+            </p:extLst>
+          </p:nvPr>
+        </p:nvPicPr>
+        <p:blipFill rotWithShape="1">
+          <a:blip r:embed="rId3">
+            <a:extLst>
+              <a:ext uri="{28A0092B-C50C-407E-A947-70E740481C1C}">
+                <a14:useLocalDpi xmlns:a14="http://schemas.microsoft.com/office/drawing/2010/main" val="0"/>
+              </a:ext>
+            </a:extLst>
+          </a:blip>
+          <a:srcRect t="964" r="2807" b="1446"/>
+          <a:stretch/>
+        </p:blipFill>
+        <p:spPr>
+          <a:xfrm>
+            <a:off x="-10650" y="1"/>
+            <a:ext cx="4966697" cy="6858000"/>
+          </a:xfrm>
+          <a:prstGeom prst="rect">
+            <a:avLst/>
+          </a:prstGeom>
+        </p:spPr>
+      </p:pic>
+      <p:pic>
+        <p:nvPicPr>
+          <p:cNvPr id="4" name="Picture 3"/>
+          <p:cNvPicPr>
+            <a:picLocks noChangeAspect="1"/>
+          </p:cNvPicPr>
+          <p:nvPr/>
+        </p:nvPicPr>
+        <p:blipFill rotWithShape="1">
+          <a:blip r:embed="rId4">
+            <a:extLst>
+              <a:ext uri="{28A0092B-C50C-407E-A947-70E740481C1C}">
+                <a14:useLocalDpi xmlns:a14="http://schemas.microsoft.com/office/drawing/2010/main" val="0"/>
+              </a:ext>
+            </a:extLst>
+          </a:blip>
+          <a:srcRect t="1839" r="-3" b="-3"/>
+          <a:stretch/>
+        </p:blipFill>
+        <p:spPr>
+          <a:xfrm>
+            <a:off x="632815" y="643465"/>
+            <a:ext cx="4003193" cy="5103372"/>
+          </a:xfrm>
+          <a:prstGeom prst="rect">
+            <a:avLst/>
+          </a:prstGeom>
+        </p:spPr>
+      </p:pic>
+      <p:sp>
+        <p:nvSpPr>
+          <p:cNvPr id="3" name="Content Placeholder 2"/>
+          <p:cNvSpPr>
+            <a:spLocks noGrp="1"/>
+          </p:cNvSpPr>
+          <p:nvPr>
+            <p:ph idx="1"/>
+          </p:nvPr>
+        </p:nvSpPr>
+        <p:spPr>
+          <a:xfrm>
+            <a:off x="5279472" y="1828801"/>
+            <a:ext cx="5844760" cy="3866048"/>
+          </a:xfrm>
+        </p:spPr>
+        <p:txBody>
+          <a:bodyPr anchor="ctr">
+            <a:normAutofit/>
+          </a:bodyPr>
+          <a:lstStyle/>
+          <a:p>
+            <a:pPr>
+              <a:lnSpc>
+                <a:spcPct val="90000"/>
+              </a:lnSpc>
+            </a:pPr>
+            <a:r>
+              <a:rPr lang="en-US" sz="1900"/>
+              <a:t>Network Engineer @ Huntington County Community School Corporation</a:t>
+            </a:r>
+          </a:p>
+          <a:p>
+            <a:pPr>
+              <a:lnSpc>
+                <a:spcPct val="90000"/>
+              </a:lnSpc>
+            </a:pPr>
+            <a:r>
+              <a:rPr lang="en-US" sz="1900"/>
+              <a:t>Worked in IT for 15 + years</a:t>
+            </a:r>
+          </a:p>
+          <a:p>
+            <a:pPr>
+              <a:lnSpc>
+                <a:spcPct val="90000"/>
+              </a:lnSpc>
+            </a:pPr>
+            <a:r>
+              <a:rPr lang="en-US" sz="1900"/>
+              <a:t>This is my 6</a:t>
+            </a:r>
+            <a:r>
+              <a:rPr lang="en-US" sz="1900" baseline="30000"/>
+              <a:t>th</a:t>
+            </a:r>
+            <a:r>
+              <a:rPr lang="en-US" sz="1900"/>
+              <a:t> HECC</a:t>
+            </a:r>
+          </a:p>
+          <a:p>
+            <a:pPr>
+              <a:lnSpc>
+                <a:spcPct val="90000"/>
+              </a:lnSpc>
+            </a:pPr>
+            <a:r>
+              <a:rPr lang="en-US" sz="1900"/>
+              <a:t>2018 </a:t>
+            </a:r>
+            <a:r>
+              <a:rPr lang="en-US" sz="1900" err="1"/>
+              <a:t>Vexpert</a:t>
+            </a:r>
+            <a:endParaRPr lang="en-US" sz="1900"/>
+          </a:p>
+          <a:p>
+            <a:pPr>
+              <a:lnSpc>
+                <a:spcPct val="90000"/>
+              </a:lnSpc>
+            </a:pPr>
+            <a:endParaRPr lang="en-US" sz="1900"/>
+          </a:p>
+          <a:p>
+            <a:pPr>
+              <a:lnSpc>
+                <a:spcPct val="90000"/>
+              </a:lnSpc>
+            </a:pPr>
+            <a:r>
+              <a:rPr lang="en-US" sz="1900"/>
+              <a:t>For fun I referee Soccer</a:t>
+            </a:r>
+          </a:p>
+          <a:p>
+            <a:pPr>
+              <a:lnSpc>
+                <a:spcPct val="90000"/>
+              </a:lnSpc>
+            </a:pPr>
+            <a:r>
+              <a:rPr lang="en-US" sz="1900"/>
+              <a:t>Love Purdue Men's Basketball</a:t>
+            </a:r>
+          </a:p>
+          <a:p>
+            <a:pPr>
+              <a:lnSpc>
+                <a:spcPct val="90000"/>
+              </a:lnSpc>
+            </a:pPr>
+            <a:endParaRPr lang="en-US" sz="1900"/>
+          </a:p>
+          <a:p>
+            <a:pPr>
+              <a:lnSpc>
+                <a:spcPct val="90000"/>
+              </a:lnSpc>
+            </a:pPr>
+            <a:r>
+              <a:rPr lang="en-US" sz="1900"/>
+              <a:t>Twitter @</a:t>
+            </a:r>
+            <a:r>
+              <a:rPr lang="en-US" sz="1900" err="1"/>
+              <a:t>jryanwall</a:t>
+            </a:r>
+            <a:endParaRPr lang="en-US" sz="1900"/>
+          </a:p>
+        </p:txBody>
+      </p:sp>
     </p:spTree>
     <p:extLst>
       <p:ext uri="{BB962C8B-B14F-4D97-AF65-F5344CB8AC3E}">
@@ -3237,10 +6578,9 @@
           <a:lstStyle/>
           <a:p>
             <a:r>
-              <a:rPr lang="en-US" dirty="0" smtClean="0"/>
+              <a:rPr lang="en-US" dirty="0"/>
               <a:t>Stand on the shoulders of others</a:t>
             </a:r>
-            <a:endParaRPr lang="en-US" dirty="0"/>
           </a:p>
         </p:txBody>
       </p:sp>
@@ -3262,7 +6602,7 @@
         </p:spPr>
         <p:txBody>
           <a:bodyPr>
-            <a:normAutofit lnSpcReduction="10000"/>
+            <a:normAutofit/>
           </a:bodyPr>
           <a:lstStyle/>
           <a:p>
@@ -3270,7 +6610,7 @@
               <a:buNone/>
             </a:pPr>
             <a:r>
-              <a:rPr lang="en-US" dirty="0" smtClean="0"/>
+              <a:rPr lang="en-US" dirty="0"/>
               <a:t>Jeff Downs</a:t>
             </a:r>
           </a:p>
@@ -3279,11 +6619,11 @@
               <a:buNone/>
             </a:pPr>
             <a:r>
-              <a:rPr lang="en-US" dirty="0" smtClean="0"/>
+              <a:rPr lang="en-US" dirty="0"/>
               <a:t>@</a:t>
             </a:r>
             <a:r>
-              <a:rPr lang="en-US" dirty="0" err="1" smtClean="0"/>
+              <a:rPr lang="en-US" dirty="0" err="1"/>
               <a:t>edtech_jeff</a:t>
             </a:r>
             <a:endParaRPr lang="en-US" dirty="0"/>
@@ -3309,7 +6649,7 @@
         </p:spPr>
         <p:txBody>
           <a:bodyPr vert="horz" lIns="91440" tIns="45720" rIns="91440" bIns="45720" rtlCol="0">
-            <a:normAutofit fontScale="92500" lnSpcReduction="20000"/>
+            <a:normAutofit fontScale="85000" lnSpcReduction="20000"/>
           </a:bodyPr>
           <a:lstStyle>
             <a:lvl1pPr marL="228600" indent="-228600" algn="l" defTabSz="914400" rtl="0" eaLnBrk="1" latinLnBrk="0" hangingPunct="1">
@@ -3480,25 +6820,25 @@
               <a:buNone/>
             </a:pPr>
             <a:r>
-              <a:rPr lang="en-US" dirty="0" smtClean="0"/>
+              <a:rPr lang="en-US" dirty="0"/>
               <a:t>Johan </a:t>
             </a:r>
             <a:r>
-              <a:rPr lang="en-US" dirty="0" err="1" smtClean="0"/>
+              <a:rPr lang="en-US" dirty="0" err="1"/>
               <a:t>Arwidmark</a:t>
             </a:r>
-            <a:endParaRPr lang="en-US" dirty="0" smtClean="0"/>
+            <a:endParaRPr lang="en-US" dirty="0"/>
           </a:p>
           <a:p>
             <a:pPr marL="0" indent="0">
               <a:buNone/>
             </a:pPr>
             <a:r>
-              <a:rPr lang="en-US" dirty="0" smtClean="0"/>
+              <a:rPr lang="en-US" dirty="0"/>
               <a:t>@</a:t>
             </a:r>
             <a:r>
-              <a:rPr lang="en-US" dirty="0" err="1" smtClean="0"/>
+              <a:rPr lang="en-US" dirty="0" err="1"/>
               <a:t>jarwidmark</a:t>
             </a:r>
             <a:endParaRPr lang="en-US" dirty="0"/>
@@ -3695,7 +7035,7 @@
               <a:buNone/>
             </a:pPr>
             <a:r>
-              <a:rPr lang="en-US" dirty="0" smtClean="0"/>
+              <a:rPr lang="en-US" dirty="0"/>
               <a:t>Mikael Nystrom</a:t>
             </a:r>
           </a:p>
@@ -3704,11 +7044,11 @@
               <a:buNone/>
             </a:pPr>
             <a:r>
-              <a:rPr lang="en-US" dirty="0" smtClean="0"/>
+              <a:rPr lang="en-US" dirty="0"/>
               <a:t>@</a:t>
             </a:r>
             <a:r>
-              <a:rPr lang="en-US" dirty="0" err="1" smtClean="0"/>
+              <a:rPr lang="en-US" dirty="0" err="1"/>
               <a:t>mikael_nystrom</a:t>
             </a:r>
             <a:endParaRPr lang="en-US" dirty="0"/>
@@ -3856,10 +7196,9 @@
           <a:lstStyle/>
           <a:p>
             <a:r>
-              <a:rPr lang="en-US" dirty="0" smtClean="0"/>
+              <a:rPr lang="en-US" dirty="0"/>
               <a:t>My Build Lab</a:t>
             </a:r>
-            <a:endParaRPr lang="en-US" dirty="0"/>
           </a:p>
         </p:txBody>
       </p:sp>
@@ -3887,36 +7226,8 @@
           <a:p>
             <a:pPr lvl="1"/>
             <a:r>
-              <a:rPr lang="en-US" dirty="0" smtClean="0"/>
+              <a:rPr lang="en-US" dirty="0"/>
               <a:t>DC01</a:t>
-            </a:r>
-          </a:p>
-          <a:p>
-            <a:pPr lvl="2"/>
-            <a:r>
-              <a:rPr lang="en-US" dirty="0" smtClean="0"/>
-              <a:t>2 Virtual Processors</a:t>
-            </a:r>
-          </a:p>
-          <a:p>
-            <a:pPr lvl="2"/>
-            <a:r>
-              <a:rPr lang="en-US" dirty="0" smtClean="0"/>
-              <a:t>2 GB Ram</a:t>
-            </a:r>
-          </a:p>
-          <a:p>
-            <a:pPr lvl="2"/>
-            <a:r>
-              <a:rPr lang="en-US" dirty="0" smtClean="0"/>
-              <a:t>60 GB Hard Drive</a:t>
-            </a:r>
-          </a:p>
-          <a:p>
-            <a:pPr lvl="1"/>
-            <a:r>
-              <a:rPr lang="en-US" dirty="0" smtClean="0"/>
-              <a:t>MDT01</a:t>
             </a:r>
           </a:p>
           <a:p>
@@ -3929,29 +7240,44 @@
           <a:p>
             <a:pPr lvl="2"/>
             <a:r>
-              <a:rPr lang="en-US" dirty="0" smtClean="0"/>
-              <a:t>8 </a:t>
-            </a:r>
-            <a:r>
               <a:rPr lang="en-US" dirty="0"/>
-              <a:t>GB Ram</a:t>
+              <a:t>2 GB Ram</a:t>
             </a:r>
           </a:p>
           <a:p>
             <a:pPr lvl="2"/>
             <a:r>
-              <a:rPr lang="en-US" dirty="0" smtClean="0"/>
-              <a:t>300 </a:t>
-            </a:r>
-            <a:r>
               <a:rPr lang="en-US" dirty="0"/>
-              <a:t>GB Hard </a:t>
-            </a:r>
-            <a:r>
-              <a:rPr lang="en-US" dirty="0" smtClean="0"/>
-              <a:t>Drive</a:t>
-            </a:r>
-            <a:endParaRPr lang="en-US" dirty="0"/>
+              <a:t>60 GB Hard Drive</a:t>
+            </a:r>
+          </a:p>
+          <a:p>
+            <a:pPr lvl="1"/>
+            <a:r>
+              <a:rPr lang="en-US" dirty="0"/>
+              <a:t>MDT01</a:t>
+            </a:r>
+          </a:p>
+          <a:p>
+            <a:pPr lvl="2"/>
+            <a:r>
+              <a:rPr lang="en-US" dirty="0"/>
+              <a:t>2 Virtual Processors</a:t>
+            </a:r>
+          </a:p>
+          <a:p>
+            <a:pPr lvl="2"/>
+            <a:r>
+              <a:rPr lang="en-US" dirty="0"/>
+              <a:t>8 GB Ram</a:t>
+            </a:r>
+          </a:p>
+          <a:p>
+            <a:pPr lvl="2"/>
+            <a:r>
+              <a:rPr lang="en-US" dirty="0"/>
+              <a:t>300 GB Hard Drive</a:t>
+            </a:r>
           </a:p>
         </p:txBody>
       </p:sp>
@@ -4151,13 +7477,8 @@
           <a:p>
             <a:r>
               <a:rPr lang="en-US" sz="2800" dirty="0"/>
-              <a:t>Consists of 4 VM’s running in Hyper-V running on </a:t>
-            </a:r>
-            <a:r>
-              <a:rPr lang="en-US" sz="2800" dirty="0" smtClean="0"/>
-              <a:t>desktop</a:t>
-            </a:r>
-            <a:endParaRPr lang="en-US" sz="2800" dirty="0"/>
+              <a:t>Consists of 4 VM’s running in Hyper-V running on desktop</a:t>
+            </a:r>
           </a:p>
         </p:txBody>
       </p:sp>
@@ -4207,10 +7528,9 @@
           <a:lstStyle/>
           <a:p>
             <a:r>
-              <a:rPr lang="en-US" dirty="0" smtClean="0"/>
+              <a:rPr lang="en-US" dirty="0"/>
               <a:t>My Build Lab continued</a:t>
             </a:r>
-            <a:endParaRPr lang="en-US" dirty="0"/>
           </a:p>
         </p:txBody>
       </p:sp>
@@ -4230,12 +7550,8 @@
           <a:lstStyle/>
           <a:p>
             <a:r>
-              <a:rPr lang="en-US" dirty="0" smtClean="0"/>
-              <a:t>My production build machine is </a:t>
-            </a:r>
-            <a:r>
               <a:rPr lang="en-US" dirty="0"/>
-              <a:t>HP </a:t>
+              <a:t>My production build machine is HP </a:t>
             </a:r>
             <a:r>
               <a:rPr lang="en-US" dirty="0" err="1"/>
@@ -4243,55 +7559,45 @@
             </a:r>
             <a:r>
               <a:rPr lang="en-US" dirty="0"/>
-              <a:t> 800 G3 SFF, </a:t>
-            </a:r>
-            <a:r>
-              <a:rPr lang="en-US" dirty="0" smtClean="0"/>
-              <a:t>36 GB Ram, 1 TB HD, running Windows 2016 with deduplication and compression turned on.</a:t>
-            </a:r>
-          </a:p>
-          <a:p>
-            <a:r>
-              <a:rPr lang="en-US" dirty="0" smtClean="0"/>
-              <a:t>This lab was built </a:t>
-            </a:r>
+              <a:t> 800 G3 SFF, 36 GB Ram, 1 TB HD, running Windows 2016 with deduplication and compression turned on.</a:t>
+            </a:r>
+          </a:p>
+          <a:p>
             <a:r>
               <a:rPr lang="en-US" dirty="0"/>
-              <a:t>with Johan </a:t>
-            </a:r>
-            <a:r>
-              <a:rPr lang="en-US" dirty="0" err="1" smtClean="0"/>
+              <a:t>This lab was built with Johan </a:t>
+            </a:r>
+            <a:r>
+              <a:rPr lang="en-US" dirty="0" err="1"/>
               <a:t>Arwidmark’s</a:t>
             </a:r>
             <a:r>
-              <a:rPr lang="en-US" dirty="0" smtClean="0"/>
+              <a:rPr lang="en-US" dirty="0"/>
               <a:t> hydration kit available from his </a:t>
             </a:r>
             <a:r>
-              <a:rPr lang="en-US" dirty="0" smtClean="0">
+              <a:rPr lang="en-US" dirty="0">
                 <a:hlinkClick r:id="rId2"/>
               </a:rPr>
               <a:t>web site</a:t>
             </a:r>
             <a:r>
-              <a:rPr lang="en-US" dirty="0" smtClean="0"/>
+              <a:rPr lang="en-US" dirty="0"/>
               <a:t>.</a:t>
             </a:r>
-            <a:endParaRPr lang="en-US" dirty="0"/>
           </a:p>
           <a:p>
             <a:pPr lvl="1"/>
             <a:r>
-              <a:rPr lang="en-US" dirty="0" smtClean="0">
+              <a:rPr lang="en-US" dirty="0">
                 <a:hlinkClick r:id="rId3"/>
               </a:rPr>
               <a:t>I changed </a:t>
             </a:r>
             <a:r>
-              <a:rPr lang="en-US" dirty="0" smtClean="0"/>
+              <a:rPr lang="en-US" dirty="0"/>
               <a:t>the IP range to not interfere with my home router. </a:t>
             </a:r>
-            <a:endParaRPr lang="en-US" dirty="0"/>
           </a:p>
         </p:txBody>
       </p:sp>
@@ -4309,9 +7615,9 @@
 </file>
 
 <file path=ppt/theme/theme1.xml><?xml version="1.0" encoding="utf-8"?>
-<a:theme xmlns:a="http://schemas.openxmlformats.org/drawingml/2006/main" name="Office Theme">
+<a:theme xmlns:a="http://schemas.openxmlformats.org/drawingml/2006/main" name="Slate">
   <a:themeElements>
-    <a:clrScheme name="Office">
+    <a:clrScheme name="Slate">
       <a:dk1>
         <a:sysClr val="windowText" lastClr="000000"/>
       </a:dk1>
@@ -4319,52 +7625,52 @@
         <a:sysClr val="window" lastClr="FFFFFF"/>
       </a:lt1>
       <a:dk2>
-        <a:srgbClr val="44546A"/>
+        <a:srgbClr val="212123"/>
       </a:dk2>
       <a:lt2>
-        <a:srgbClr val="E7E6E6"/>
+        <a:srgbClr val="DADADA"/>
       </a:lt2>
       <a:accent1>
-        <a:srgbClr val="5B9BD5"/>
+        <a:srgbClr val="BC451B"/>
       </a:accent1>
       <a:accent2>
-        <a:srgbClr val="ED7D31"/>
+        <a:srgbClr val="D3BA68"/>
       </a:accent2>
       <a:accent3>
-        <a:srgbClr val="A5A5A5"/>
+        <a:srgbClr val="BB8640"/>
       </a:accent3>
       <a:accent4>
-        <a:srgbClr val="FFC000"/>
+        <a:srgbClr val="AD9277"/>
       </a:accent4>
       <a:accent5>
-        <a:srgbClr val="4472C4"/>
+        <a:srgbClr val="A55A43"/>
       </a:accent5>
       <a:accent6>
-        <a:srgbClr val="70AD47"/>
+        <a:srgbClr val="AD9D7B"/>
       </a:accent6>
       <a:hlink>
-        <a:srgbClr val="0563C1"/>
+        <a:srgbClr val="E98052"/>
       </a:hlink>
       <a:folHlink>
-        <a:srgbClr val="954F72"/>
+        <a:srgbClr val="F4B69B"/>
       </a:folHlink>
     </a:clrScheme>
-    <a:fontScheme name="Office">
+    <a:fontScheme name="Slate">
       <a:majorFont>
-        <a:latin typeface="Calibri Light" panose="020F0302020204030204"/>
+        <a:latin typeface="Calisto MT" panose="02040603050505030304"/>
         <a:ea typeface=""/>
         <a:cs typeface=""/>
-        <a:font script="Jpan" typeface="游ゴシック Light"/>
-        <a:font script="Hang" typeface="맑은 고딕"/>
-        <a:font script="Hans" typeface="等线 Light"/>
-        <a:font script="Hant" typeface="新細明體"/>
-        <a:font script="Arab" typeface="Times New Roman"/>
-        <a:font script="Hebr" typeface="Times New Roman"/>
-        <a:font script="Thai" typeface="Angsana New"/>
+        <a:font script="Jpan" typeface="ＭＳ Ｐゴシック"/>
+        <a:font script="Hang" typeface="돋움"/>
+        <a:font script="Hans" typeface="方正舒体"/>
+        <a:font script="Hant" typeface="微軟正黑體"/>
+        <a:font script="Arab" typeface="Arial"/>
+        <a:font script="Hebr" typeface="Arial"/>
+        <a:font script="Thai" typeface="Cordia New"/>
         <a:font script="Ethi" typeface="Nyala"/>
         <a:font script="Beng" typeface="Vrinda"/>
         <a:font script="Gujr" typeface="Shruti"/>
-        <a:font script="Khmr" typeface="MoolBoran"/>
+        <a:font script="Khmr" typeface="DaunPenh"/>
         <a:font script="Knda" typeface="Tunga"/>
         <a:font script="Guru" typeface="Raavi"/>
         <a:font script="Cans" typeface="Euphemia"/>
@@ -4381,18 +7687,18 @@
         <a:font script="Laoo" typeface="DokChampa"/>
         <a:font script="Sinh" typeface="Iskoola Pota"/>
         <a:font script="Mong" typeface="Mongolian Baiti"/>
-        <a:font script="Viet" typeface="Times New Roman"/>
+        <a:font script="Viet" typeface="Arial"/>
         <a:font script="Uigh" typeface="Microsoft Uighur"/>
         <a:font script="Geor" typeface="Sylfaen"/>
       </a:majorFont>
       <a:minorFont>
-        <a:latin typeface="Calibri" panose="020F0502020204030204"/>
+        <a:latin typeface="Calisto MT" panose="02040603050505030304"/>
         <a:ea typeface=""/>
         <a:cs typeface=""/>
-        <a:font script="Jpan" typeface="游ゴシック"/>
-        <a:font script="Hang" typeface="맑은 고딕"/>
-        <a:font script="Hans" typeface="等线"/>
-        <a:font script="Hant" typeface="新細明體"/>
+        <a:font script="Jpan" typeface="ＭＳ Ｐゴシック"/>
+        <a:font script="Hang" typeface="돋움"/>
+        <a:font script="Hans" typeface="方正舒体"/>
+        <a:font script="Hant" typeface="微軟正黑體"/>
         <a:font script="Arab" typeface="Arial"/>
         <a:font script="Hebr" typeface="Arial"/>
         <a:font script="Thai" typeface="Cordia New"/>
@@ -4421,7 +7727,7 @@
         <a:font script="Geor" typeface="Sylfaen"/>
       </a:minorFont>
     </a:fontScheme>
-    <a:fmtScheme name="Office">
+    <a:fmtScheme name="Slate">
       <a:fillStyleLst>
         <a:solidFill>
           <a:schemeClr val="phClr"/>
@@ -4430,23 +7736,13 @@
           <a:gsLst>
             <a:gs pos="0">
               <a:schemeClr val="phClr">
+                <a:tint val="60000"/>
                 <a:lumMod val="110000"/>
-                <a:satMod val="105000"/>
-                <a:tint val="67000"/>
-              </a:schemeClr>
-            </a:gs>
-            <a:gs pos="50000">
-              <a:schemeClr val="phClr">
-                <a:lumMod val="105000"/>
-                <a:satMod val="103000"/>
-                <a:tint val="73000"/>
               </a:schemeClr>
             </a:gs>
             <a:gs pos="100000">
               <a:schemeClr val="phClr">
-                <a:lumMod val="105000"/>
-                <a:satMod val="109000"/>
-                <a:tint val="81000"/>
+                <a:tint val="88000"/>
               </a:schemeClr>
             </a:gs>
           </a:gsLst>
@@ -4456,23 +7752,14 @@
           <a:gsLst>
             <a:gs pos="0">
               <a:schemeClr val="phClr">
-                <a:satMod val="103000"/>
-                <a:lumMod val="102000"/>
-                <a:tint val="94000"/>
-              </a:schemeClr>
-            </a:gs>
-            <a:gs pos="50000">
-              <a:schemeClr val="phClr">
-                <a:satMod val="110000"/>
-                <a:lumMod val="100000"/>
-                <a:shade val="100000"/>
+                <a:tint val="96000"/>
+                <a:lumMod val="104000"/>
               </a:schemeClr>
             </a:gs>
             <a:gs pos="100000">
               <a:schemeClr val="phClr">
-                <a:lumMod val="99000"/>
-                <a:satMod val="120000"/>
-                <a:shade val="78000"/>
+                <a:shade val="90000"/>
+                <a:lumMod val="90000"/>
               </a:schemeClr>
             </a:gs>
           </a:gsLst>
@@ -4480,26 +7767,25 @@
         </a:gradFill>
       </a:fillStyleLst>
       <a:lnStyleLst>
-        <a:ln w="6350" cap="flat" cmpd="sng" algn="ctr">
+        <a:ln w="9525" cap="rnd" cmpd="sng" algn="ctr">
+          <a:solidFill>
+            <a:schemeClr val="phClr">
+              <a:shade val="90000"/>
+            </a:schemeClr>
+          </a:solidFill>
+          <a:prstDash val="solid"/>
+        </a:ln>
+        <a:ln w="15875" cap="rnd" cmpd="sng" algn="ctr">
           <a:solidFill>
             <a:schemeClr val="phClr"/>
           </a:solidFill>
           <a:prstDash val="solid"/>
-          <a:miter lim="800000"/>
         </a:ln>
-        <a:ln w="12700" cap="flat" cmpd="sng" algn="ctr">
+        <a:ln w="25400" cap="rnd" cmpd="sng" algn="ctr">
           <a:solidFill>
             <a:schemeClr val="phClr"/>
           </a:solidFill>
           <a:prstDash val="solid"/>
-          <a:miter lim="800000"/>
-        </a:ln>
-        <a:ln w="19050" cap="flat" cmpd="sng" algn="ctr">
-          <a:solidFill>
-            <a:schemeClr val="phClr"/>
-          </a:solidFill>
-          <a:prstDash val="solid"/>
-          <a:miter lim="800000"/>
         </a:ln>
       </a:lnStyleLst>
       <a:effectStyleLst>
@@ -4507,16 +7793,33 @@
           <a:effectLst/>
         </a:effectStyle>
         <a:effectStyle>
-          <a:effectLst/>
+          <a:effectLst>
+            <a:outerShdw blurRad="63500" dist="25400" dir="5400000" rotWithShape="0">
+              <a:srgbClr val="000000">
+                <a:alpha val="60000"/>
+              </a:srgbClr>
+            </a:outerShdw>
+          </a:effectLst>
         </a:effectStyle>
         <a:effectStyle>
           <a:effectLst>
-            <a:outerShdw blurRad="57150" dist="19050" dir="5400000" algn="ctr" rotWithShape="0">
+            <a:outerShdw blurRad="76200" dist="38100" dir="5400000" rotWithShape="0">
               <a:srgbClr val="000000">
-                <a:alpha val="63000"/>
+                <a:alpha val="75000"/>
               </a:srgbClr>
             </a:outerShdw>
           </a:effectLst>
+          <a:scene3d>
+            <a:camera prst="orthographicFront">
+              <a:rot lat="0" lon="0" rev="0"/>
+            </a:camera>
+            <a:lightRig rig="threePt" dir="t">
+              <a:rot lat="0" lon="0" rev="1200000"/>
+            </a:lightRig>
+          </a:scene3d>
+          <a:sp3d>
+            <a:bevelT w="63500" h="25400" prst="hardEdge"/>
+          </a:sp3d>
         </a:effectStyle>
       </a:effectStyleLst>
       <a:bgFillStyleLst>
@@ -4524,38 +7827,22 @@
           <a:schemeClr val="phClr"/>
         </a:solidFill>
         <a:solidFill>
-          <a:schemeClr val="phClr">
-            <a:tint val="95000"/>
-            <a:satMod val="170000"/>
-          </a:schemeClr>
+          <a:schemeClr val="phClr"/>
         </a:solidFill>
-        <a:gradFill rotWithShape="1">
-          <a:gsLst>
-            <a:gs pos="0">
+        <a:blipFill rotWithShape="1">
+          <a:blip xmlns:r="http://schemas.openxmlformats.org/officeDocument/2006/relationships" r:embed="rId1">
+            <a:duotone>
               <a:schemeClr val="phClr">
-                <a:tint val="93000"/>
-                <a:satMod val="150000"/>
-                <a:shade val="98000"/>
-                <a:lumMod val="102000"/>
+                <a:shade val="80000"/>
+                <a:lumMod val="80000"/>
               </a:schemeClr>
-            </a:gs>
-            <a:gs pos="50000">
               <a:schemeClr val="phClr">
                 <a:tint val="98000"/>
-                <a:satMod val="130000"/>
-                <a:shade val="90000"/>
-                <a:lumMod val="103000"/>
               </a:schemeClr>
-            </a:gs>
-            <a:gs pos="100000">
-              <a:schemeClr val="phClr">
-                <a:shade val="63000"/>
-                <a:satMod val="120000"/>
-              </a:schemeClr>
-            </a:gs>
-          </a:gsLst>
-          <a:lin ang="5400000" scaled="0"/>
-        </a:gradFill>
+            </a:duotone>
+          </a:blip>
+          <a:stretch/>
+        </a:blipFill>
       </a:bgFillStyleLst>
     </a:fmtScheme>
   </a:themeElements>
@@ -4563,7 +7850,7 @@
   <a:extraClrSchemeLst/>
   <a:extLst>
     <a:ext uri="{05A4C25C-085E-4340-85A3-A5531E510DB2}">
-      <thm15:themeFamily xmlns:thm15="http://schemas.microsoft.com/office/thememl/2012/main" name="Office Theme" id="{62F939B6-93AF-4DB8-9C6B-D6C7DFDC589F}" vid="{4A3C46E8-61CC-4603-A589-7422A47A8E4A}"/>
+      <thm15:themeFamily xmlns:thm15="http://schemas.microsoft.com/office/thememl/2012/main" name="Slate" id="{C3F70B94-7CE9-428E-ADC1-3269CC2C3385}" vid="{3F2DE9A5-64E6-437C-A389-CC4477E817E8}"/>
     </a:ext>
   </a:extLst>
 </a:theme>
